--- a/מירי כהן-הפרויקט .pptx
+++ b/מירי כהן-הפרויקט .pptx
@@ -5,7 +5,7 @@
     <p:sldMasterId id="2147483648" r:id="rId1"/>
   </p:sldMasterIdLst>
   <p:notesMasterIdLst>
-    <p:notesMasterId r:id="rId47"/>
+    <p:notesMasterId r:id="rId50"/>
   </p:notesMasterIdLst>
   <p:sldIdLst>
     <p:sldId id="256" r:id="rId2"/>
@@ -47,12 +47,15 @@
     <p:sldId id="309" r:id="rId38"/>
     <p:sldId id="319" r:id="rId39"/>
     <p:sldId id="332" r:id="rId40"/>
-    <p:sldId id="317" r:id="rId41"/>
-    <p:sldId id="271" r:id="rId42"/>
-    <p:sldId id="272" r:id="rId43"/>
-    <p:sldId id="265" r:id="rId44"/>
-    <p:sldId id="266" r:id="rId45"/>
-    <p:sldId id="299" r:id="rId46"/>
+    <p:sldId id="334" r:id="rId41"/>
+    <p:sldId id="333" r:id="rId42"/>
+    <p:sldId id="335" r:id="rId43"/>
+    <p:sldId id="336" r:id="rId44"/>
+    <p:sldId id="337" r:id="rId45"/>
+    <p:sldId id="271" r:id="rId46"/>
+    <p:sldId id="272" r:id="rId47"/>
+    <p:sldId id="265" r:id="rId48"/>
+    <p:sldId id="266" r:id="rId49"/>
   </p:sldIdLst>
   <p:sldSz cx="12192000" cy="6858000"/>
   <p:notesSz cx="6858000" cy="9144000"/>
@@ -11920,7 +11923,7 @@
         </p:nvSpPr>
         <p:spPr>
           <a:xfrm>
-            <a:off x="878541" y="919194"/>
+            <a:off x="878541" y="902987"/>
             <a:ext cx="10977282" cy="837888"/>
           </a:xfrm>
         </p:spPr>
@@ -17211,8 +17214,8 @@
         </p:blipFill>
         <p:spPr>
           <a:xfrm>
-            <a:off x="9466122" y="2622221"/>
-            <a:ext cx="2584324" cy="4157391"/>
+            <a:off x="9565340" y="2781834"/>
+            <a:ext cx="2485105" cy="3997778"/>
           </a:xfrm>
           <a:prstGeom prst="rect">
             <a:avLst/>
@@ -17252,8 +17255,8 @@
         </p:blipFill>
         <p:spPr>
           <a:xfrm>
-            <a:off x="6276501" y="2657582"/>
-            <a:ext cx="2931460" cy="3974156"/>
+            <a:off x="6208161" y="2633751"/>
+            <a:ext cx="2999799" cy="4066802"/>
           </a:xfrm>
           <a:prstGeom prst="rect">
             <a:avLst/>
@@ -17398,7 +17401,7 @@
         </p:blipFill>
         <p:spPr>
           <a:xfrm>
-            <a:off x="3164541" y="2679432"/>
+            <a:off x="3265076" y="2657582"/>
             <a:ext cx="2931459" cy="4042971"/>
           </a:xfrm>
           <a:prstGeom prst="rect">
@@ -18828,12 +18831,872 @@
           <a:chExt cx="0" cy="0"/>
         </a:xfrm>
       </p:grpSpPr>
+      <p:sp>
+        <p:nvSpPr>
+          <p:cNvPr id="8" name="תיבת טקסט 7">
+            <a:extLst>
+              <a:ext uri="{FF2B5EF4-FFF2-40B4-BE49-F238E27FC236}">
+                <a16:creationId xmlns:a16="http://schemas.microsoft.com/office/drawing/2014/main" id="{B32B9380-BAD6-BEEE-3632-9BE880B29EE6}"/>
+              </a:ext>
+            </a:extLst>
+          </p:cNvPr>
+          <p:cNvSpPr txBox="1"/>
+          <p:nvPr/>
+        </p:nvSpPr>
+        <p:spPr>
+          <a:xfrm>
+            <a:off x="5809131" y="2446444"/>
+            <a:ext cx="6042213" cy="3539430"/>
+          </a:xfrm>
+          <a:prstGeom prst="rect">
+            <a:avLst/>
+          </a:prstGeom>
+          <a:noFill/>
+          <a:ln w="12700">
+            <a:solidFill>
+              <a:srgbClr val="136C75"/>
+            </a:solidFill>
+          </a:ln>
+        </p:spPr>
+        <p:txBody>
+          <a:bodyPr wrap="square">
+            <a:spAutoFit/>
+          </a:bodyPr>
+          <a:lstStyle/>
+          <a:p>
+            <a:r>
+              <a:rPr lang="he-IL" sz="1400" b="1" u="sng" dirty="0"/>
+              <a:t>פונקציה לטעינת תמונות והצפנת פנים </a:t>
+            </a:r>
+            <a:r>
+              <a:rPr lang="en-US" sz="1400" b="1" u="sng" dirty="0" err="1"/>
+              <a:t>load_and_encode_images</a:t>
+            </a:r>
+            <a:r>
+              <a:rPr lang="en-US" sz="1400" b="1" u="sng" dirty="0"/>
+              <a:t>() –</a:t>
+            </a:r>
+          </a:p>
+          <a:p>
+            <a:r>
+              <a:rPr lang="he-IL" sz="1400" dirty="0"/>
+              <a:t>פונקציה שמקבלת רשימה של נתיבי קבצים לתמונות, טוענת כל תמונה ומפיקה את הקידוד </a:t>
+            </a:r>
+            <a:r>
+              <a:rPr lang="en-US" sz="1400" dirty="0"/>
+              <a:t>(encoding) </a:t>
+            </a:r>
+            <a:r>
+              <a:rPr lang="he-IL" sz="1400" dirty="0"/>
+              <a:t> שלה. הקידודים נשמרים ברשימה ומוחזרים.</a:t>
+            </a:r>
+          </a:p>
+          <a:p>
+            <a:r>
+              <a:rPr lang="en-US" sz="1400" b="1" dirty="0" err="1"/>
+              <a:t>image_paths</a:t>
+            </a:r>
+            <a:endParaRPr lang="he-IL" sz="1400" b="1" dirty="0"/>
+          </a:p>
+          <a:p>
+            <a:r>
+              <a:rPr lang="he-IL" sz="1400" dirty="0"/>
+              <a:t>פרמטר של הפונקציה, שהוא רשימה של מחרוזות (</a:t>
+            </a:r>
+            <a:r>
+              <a:rPr lang="en-US" sz="1400" dirty="0"/>
+              <a:t>strings</a:t>
+            </a:r>
+            <a:r>
+              <a:rPr lang="he-IL" sz="1400" dirty="0"/>
+              <a:t>) המתארות את הנתיבים לתמונות שברצוננו לטעון ולהשתמש בהן</a:t>
+            </a:r>
+          </a:p>
+          <a:p>
+            <a:r>
+              <a:rPr lang="en-US" sz="1400" b="1" dirty="0"/>
+              <a:t>Encodings</a:t>
+            </a:r>
+            <a:endParaRPr lang="he-IL" sz="1400" b="1" dirty="0"/>
+          </a:p>
+          <a:p>
+            <a:r>
+              <a:rPr lang="he-IL" sz="1400" dirty="0"/>
+              <a:t>רשימה שתשמור את הקידודים של הפנים בתמונות שנטעון. נשתמש ברשימה זו כדי לאסוף את הקידודים לכל התמונות</a:t>
+            </a:r>
+          </a:p>
+          <a:p>
+            <a:r>
+              <a:rPr lang="en-US" sz="1400" b="1" dirty="0" err="1"/>
+              <a:t>face_recognition.load_image_file</a:t>
+            </a:r>
+            <a:r>
+              <a:rPr lang="en-US" sz="1400" b="1" dirty="0"/>
+              <a:t>(</a:t>
+            </a:r>
+            <a:r>
+              <a:rPr lang="en-US" sz="1400" b="1" dirty="0" err="1"/>
+              <a:t>image_path</a:t>
+            </a:r>
+            <a:r>
+              <a:rPr lang="en-US" sz="1400" b="1" dirty="0"/>
+              <a:t>)</a:t>
+            </a:r>
+            <a:endParaRPr lang="he-IL" sz="1400" b="1" dirty="0"/>
+          </a:p>
+          <a:p>
+            <a:r>
+              <a:rPr lang="he-IL" sz="1400" dirty="0"/>
+              <a:t>טוען את התמונה מהקובץ על פי הנתיב הנתון.</a:t>
+            </a:r>
+          </a:p>
+          <a:p>
+            <a:r>
+              <a:rPr lang="fr-FR" sz="1400" b="1" dirty="0" err="1"/>
+              <a:t>face_recognition.face_encodings</a:t>
+            </a:r>
+            <a:r>
+              <a:rPr lang="fr-FR" sz="1400" b="1" dirty="0"/>
+              <a:t>(image)</a:t>
+            </a:r>
+            <a:endParaRPr lang="he-IL" sz="1400" b="1" dirty="0"/>
+          </a:p>
+          <a:p>
+            <a:r>
+              <a:rPr lang="he-IL" sz="1400" dirty="0"/>
+              <a:t>מפיק קידודים של הפנים מהתמונה. פונקציה זו מחזירה רשימה של קידודים (כפי שמכילה התמונה אפשרי מספר פרצופים )</a:t>
+            </a:r>
+          </a:p>
+          <a:p>
+            <a:r>
+              <a:rPr lang="he-IL" sz="1400" b="1" dirty="0"/>
+              <a:t>[0] </a:t>
+            </a:r>
+            <a:r>
+              <a:rPr lang="he-IL" sz="1400" dirty="0"/>
+              <a:t>-בוחר את הקידוד הראשון מהרשימה (בהנחה שיש רק דמות אחת בתמונה)</a:t>
+            </a:r>
+          </a:p>
+          <a:p>
+            <a:endParaRPr lang="he-IL" sz="1400" b="1" u="sng" dirty="0"/>
+          </a:p>
+        </p:txBody>
+      </p:sp>
+      <p:sp>
+        <p:nvSpPr>
+          <p:cNvPr id="9" name="Rectangle 3">
+            <a:extLst>
+              <a:ext uri="{FF2B5EF4-FFF2-40B4-BE49-F238E27FC236}">
+                <a16:creationId xmlns:a16="http://schemas.microsoft.com/office/drawing/2014/main" id="{E68EFA61-8B0F-530B-0C41-5A1C7ECA392B}"/>
+              </a:ext>
+            </a:extLst>
+          </p:cNvPr>
+          <p:cNvSpPr>
+            <a:spLocks noChangeArrowheads="1"/>
+          </p:cNvSpPr>
+          <p:nvPr/>
+        </p:nvSpPr>
+        <p:spPr bwMode="auto">
+          <a:xfrm>
+            <a:off x="5809132" y="585643"/>
+            <a:ext cx="6042212" cy="1785104"/>
+          </a:xfrm>
+          <a:prstGeom prst="rect">
+            <a:avLst/>
+          </a:prstGeom>
+          <a:noFill/>
+          <a:ln w="12700">
+            <a:solidFill>
+              <a:srgbClr val="136C75"/>
+            </a:solidFill>
+            <a:miter lim="800000"/>
+            <a:headEnd/>
+            <a:tailEnd/>
+          </a:ln>
+          <a:effectLst/>
+          <a:extLst>
+            <a:ext uri="{909E8E84-426E-40DD-AFC4-6F175D3DCCD1}">
+              <a14:hiddenFill xmlns:a14="http://schemas.microsoft.com/office/drawing/2010/main">
+                <a:solidFill>
+                  <a:schemeClr val="accent1"/>
+                </a:solidFill>
+              </a14:hiddenFill>
+            </a:ext>
+            <a:ext uri="{AF507438-7753-43E0-B8FC-AC1667EBCBE1}">
+              <a14:hiddenEffects xmlns:a14="http://schemas.microsoft.com/office/drawing/2010/main">
+                <a:effectLst>
+                  <a:outerShdw dist="35921" dir="2700000" algn="ctr" rotWithShape="0">
+                    <a:schemeClr val="bg2"/>
+                  </a:outerShdw>
+                </a:effectLst>
+              </a14:hiddenEffects>
+            </a:ext>
+          </a:extLst>
+        </p:spPr>
+        <p:txBody>
+          <a:bodyPr vert="horz" wrap="square" lIns="91440" tIns="45720" rIns="91440" bIns="45720" numCol="1" anchor="ctr" anchorCtr="0" compatLnSpc="1">
+            <a:prstTxWarp prst="textNoShape">
+              <a:avLst/>
+            </a:prstTxWarp>
+            <a:spAutoFit/>
+          </a:bodyPr>
+          <a:lstStyle/>
+          <a:p>
+            <a:pPr marL="0" marR="0" lvl="0" indent="0" defTabSz="914400" eaLnBrk="0" fontAlgn="base" latinLnBrk="0" hangingPunct="0">
+              <a:lnSpc>
+                <a:spcPct val="100000"/>
+              </a:lnSpc>
+              <a:spcBef>
+                <a:spcPct val="0"/>
+              </a:spcBef>
+              <a:spcAft>
+                <a:spcPct val="0"/>
+              </a:spcAft>
+              <a:buClrTx/>
+              <a:buSzTx/>
+              <a:tabLst/>
+            </a:pPr>
+            <a:r>
+              <a:rPr lang="he-IL" sz="1600" b="1" u="sng" dirty="0"/>
+              <a:t>ייבוא ספריות</a:t>
+            </a:r>
+            <a:endParaRPr lang="he-IL" altLang="he-IL" sz="1600" b="1" u="sng" dirty="0">
+              <a:latin typeface="Arial" panose="020B0604020202020204" pitchFamily="34" charset="0"/>
+            </a:endParaRPr>
+          </a:p>
+          <a:p>
+            <a:pPr eaLnBrk="0" fontAlgn="base" hangingPunct="0">
+              <a:spcBef>
+                <a:spcPct val="0"/>
+              </a:spcBef>
+              <a:spcAft>
+                <a:spcPct val="0"/>
+              </a:spcAft>
+              <a:buFontTx/>
+              <a:buChar char="•"/>
+            </a:pPr>
+            <a:r>
+              <a:rPr kumimoji="0" lang="he-IL" altLang="he-IL" sz="1200" b="1" i="0" u="none" strike="noStrike" cap="none" normalizeH="0" baseline="0" dirty="0" err="1">
+                <a:ln>
+                  <a:noFill/>
+                </a:ln>
+                <a:solidFill>
+                  <a:schemeClr val="tx1"/>
+                </a:solidFill>
+                <a:effectLst/>
+                <a:latin typeface="Arial Unicode MS"/>
+              </a:rPr>
+              <a:t>Flask</a:t>
+            </a:r>
+            <a:r>
+              <a:rPr kumimoji="0" lang="he-IL" altLang="he-IL" sz="1400" b="0" i="0" u="none" strike="noStrike" cap="none" normalizeH="0" baseline="0" dirty="0">
+                <a:ln>
+                  <a:noFill/>
+                </a:ln>
+                <a:solidFill>
+                  <a:schemeClr val="tx1"/>
+                </a:solidFill>
+                <a:effectLst/>
+              </a:rPr>
+              <a:t> - </a:t>
+            </a:r>
+            <a:r>
+              <a:rPr kumimoji="0" lang="he-IL" altLang="he-IL" sz="1200" b="0" i="0" u="none" strike="noStrike" cap="none" normalizeH="0" baseline="0" dirty="0">
+                <a:ln>
+                  <a:noFill/>
+                </a:ln>
+                <a:solidFill>
+                  <a:schemeClr val="tx1"/>
+                </a:solidFill>
+                <a:effectLst/>
+                <a:cs typeface="Arial" panose="020B0604020202020204" pitchFamily="34" charset="0"/>
+              </a:rPr>
+              <a:t>מייבא את המסגרת</a:t>
+            </a:r>
+            <a:r>
+              <a:rPr kumimoji="0" lang="he-IL" altLang="he-IL" sz="1200" b="0" i="0" u="none" strike="noStrike" cap="none" normalizeH="0" baseline="0" dirty="0">
+                <a:ln>
+                  <a:noFill/>
+                </a:ln>
+                <a:solidFill>
+                  <a:schemeClr val="tx1"/>
+                </a:solidFill>
+                <a:effectLst/>
+              </a:rPr>
+              <a:t> </a:t>
+            </a:r>
+            <a:r>
+              <a:rPr kumimoji="0" lang="he-IL" altLang="he-IL" sz="1200" b="0" i="0" u="none" strike="noStrike" cap="none" normalizeH="0" baseline="0" dirty="0" err="1">
+                <a:ln>
+                  <a:noFill/>
+                </a:ln>
+                <a:solidFill>
+                  <a:schemeClr val="tx1"/>
+                </a:solidFill>
+                <a:effectLst/>
+              </a:rPr>
+              <a:t>Flask</a:t>
+            </a:r>
+            <a:r>
+              <a:rPr kumimoji="0" lang="he-IL" altLang="he-IL" sz="1200" b="0" i="0" u="none" strike="noStrike" cap="none" normalizeH="0" baseline="0" dirty="0">
+                <a:ln>
+                  <a:noFill/>
+                </a:ln>
+                <a:solidFill>
+                  <a:schemeClr val="tx1"/>
+                </a:solidFill>
+                <a:effectLst/>
+              </a:rPr>
+              <a:t> </a:t>
+            </a:r>
+            <a:r>
+              <a:rPr kumimoji="0" lang="he-IL" altLang="he-IL" sz="1200" b="0" i="0" u="none" strike="noStrike" cap="none" normalizeH="0" baseline="0" dirty="0">
+                <a:ln>
+                  <a:noFill/>
+                </a:ln>
+                <a:solidFill>
+                  <a:schemeClr val="tx1"/>
+                </a:solidFill>
+                <a:effectLst/>
+                <a:cs typeface="Arial" panose="020B0604020202020204" pitchFamily="34" charset="0"/>
+              </a:rPr>
+              <a:t>לבניית אפליקציות אינטרנט</a:t>
+            </a:r>
+            <a:r>
+              <a:rPr kumimoji="0" lang="he-IL" altLang="he-IL" sz="1200" b="0" i="0" u="none" strike="noStrike" cap="none" normalizeH="0" baseline="0" dirty="0">
+                <a:ln>
+                  <a:noFill/>
+                </a:ln>
+                <a:solidFill>
+                  <a:schemeClr val="tx1"/>
+                </a:solidFill>
+                <a:effectLst/>
+              </a:rPr>
+              <a:t>.</a:t>
+            </a:r>
+            <a:endParaRPr kumimoji="0" lang="he-IL" altLang="he-IL" sz="3200" b="0" i="0" u="none" strike="noStrike" cap="none" normalizeH="0" baseline="0" dirty="0">
+              <a:ln>
+                <a:noFill/>
+              </a:ln>
+              <a:solidFill>
+                <a:schemeClr val="tx1"/>
+              </a:solidFill>
+              <a:effectLst/>
+              <a:latin typeface="Arial" panose="020B0604020202020204" pitchFamily="34" charset="0"/>
+            </a:endParaRPr>
+          </a:p>
+          <a:p>
+            <a:pPr marL="0" marR="0" lvl="0" indent="0" defTabSz="914400" eaLnBrk="0" fontAlgn="base" latinLnBrk="0" hangingPunct="0">
+              <a:lnSpc>
+                <a:spcPct val="100000"/>
+              </a:lnSpc>
+              <a:spcBef>
+                <a:spcPct val="0"/>
+              </a:spcBef>
+              <a:spcAft>
+                <a:spcPct val="0"/>
+              </a:spcAft>
+              <a:buClrTx/>
+              <a:buSzTx/>
+              <a:buFontTx/>
+              <a:buChar char="•"/>
+              <a:tabLst/>
+            </a:pPr>
+            <a:r>
+              <a:rPr kumimoji="0" lang="he-IL" altLang="he-IL" sz="1100" b="1" i="0" u="none" strike="noStrike" cap="none" normalizeH="0" baseline="0" dirty="0">
+                <a:ln>
+                  <a:noFill/>
+                </a:ln>
+                <a:solidFill>
+                  <a:schemeClr val="tx1"/>
+                </a:solidFill>
+                <a:effectLst/>
+                <a:latin typeface="Arial Unicode MS"/>
+              </a:rPr>
+              <a:t>CORS</a:t>
+            </a:r>
+            <a:r>
+              <a:rPr kumimoji="0" lang="he-IL" altLang="he-IL" sz="1200" b="0" i="0" u="none" strike="noStrike" cap="none" normalizeH="0" baseline="0" dirty="0">
+                <a:ln>
+                  <a:noFill/>
+                </a:ln>
+                <a:solidFill>
+                  <a:schemeClr val="tx1"/>
+                </a:solidFill>
+                <a:effectLst/>
+              </a:rPr>
+              <a:t> - </a:t>
+            </a:r>
+            <a:r>
+              <a:rPr kumimoji="0" lang="he-IL" altLang="he-IL" sz="1200" b="0" i="0" u="none" strike="noStrike" cap="none" normalizeH="0" baseline="0" dirty="0">
+                <a:ln>
+                  <a:noFill/>
+                </a:ln>
+                <a:solidFill>
+                  <a:schemeClr val="tx1"/>
+                </a:solidFill>
+                <a:effectLst/>
+                <a:cs typeface="Arial" panose="020B0604020202020204" pitchFamily="34" charset="0"/>
+              </a:rPr>
+              <a:t>נדרש כדי לאפשר גישה לשרת ממקורות חיצוניים</a:t>
+            </a:r>
+            <a:r>
+              <a:rPr kumimoji="0" lang="he-IL" altLang="he-IL" sz="1200" b="0" i="0" u="none" strike="noStrike" cap="none" normalizeH="0" baseline="0" dirty="0">
+                <a:ln>
+                  <a:noFill/>
+                </a:ln>
+                <a:solidFill>
+                  <a:schemeClr val="tx1"/>
+                </a:solidFill>
+                <a:effectLst/>
+              </a:rPr>
+              <a:t>.</a:t>
+            </a:r>
+            <a:endParaRPr kumimoji="0" lang="he-IL" altLang="he-IL" sz="3600" b="0" i="0" u="none" strike="noStrike" cap="none" normalizeH="0" baseline="0" dirty="0">
+              <a:ln>
+                <a:noFill/>
+              </a:ln>
+              <a:solidFill>
+                <a:schemeClr val="tx1"/>
+              </a:solidFill>
+              <a:effectLst/>
+              <a:latin typeface="Arial" panose="020B0604020202020204" pitchFamily="34" charset="0"/>
+            </a:endParaRPr>
+          </a:p>
+          <a:p>
+            <a:pPr marL="0" marR="0" lvl="0" indent="0" defTabSz="914400" eaLnBrk="0" fontAlgn="base" latinLnBrk="0" hangingPunct="0">
+              <a:lnSpc>
+                <a:spcPct val="100000"/>
+              </a:lnSpc>
+              <a:spcBef>
+                <a:spcPct val="0"/>
+              </a:spcBef>
+              <a:spcAft>
+                <a:spcPct val="0"/>
+              </a:spcAft>
+              <a:buClrTx/>
+              <a:buSzTx/>
+              <a:buFontTx/>
+              <a:buChar char="•"/>
+              <a:tabLst/>
+            </a:pPr>
+            <a:r>
+              <a:rPr kumimoji="0" lang="he-IL" altLang="he-IL" sz="1400" b="1" i="0" u="none" strike="noStrike" cap="none" normalizeH="0" baseline="0" dirty="0">
+                <a:ln>
+                  <a:noFill/>
+                </a:ln>
+                <a:solidFill>
+                  <a:schemeClr val="tx1"/>
+                </a:solidFill>
+                <a:effectLst/>
+                <a:latin typeface="Arial Unicode MS"/>
+              </a:rPr>
+              <a:t>cv2</a:t>
+            </a:r>
+            <a:r>
+              <a:rPr kumimoji="0" lang="he-IL" altLang="he-IL" sz="1200" b="0" i="0" u="none" strike="noStrike" cap="none" normalizeH="0" baseline="0" dirty="0">
+                <a:ln>
+                  <a:noFill/>
+                </a:ln>
+                <a:solidFill>
+                  <a:schemeClr val="tx1"/>
+                </a:solidFill>
+                <a:effectLst/>
+              </a:rPr>
+              <a:t> - </a:t>
+            </a:r>
+            <a:r>
+              <a:rPr kumimoji="0" lang="he-IL" altLang="he-IL" sz="1200" b="0" i="0" u="none" strike="noStrike" cap="none" normalizeH="0" baseline="0" dirty="0">
+                <a:ln>
+                  <a:noFill/>
+                </a:ln>
+                <a:solidFill>
+                  <a:schemeClr val="tx1"/>
+                </a:solidFill>
+                <a:effectLst/>
+                <a:cs typeface="Arial" panose="020B0604020202020204" pitchFamily="34" charset="0"/>
+              </a:rPr>
+              <a:t>ספרייה לעיבוד תמונה,( לא בשימוש בקוד הזה נועדה לשימוש עתידי)</a:t>
+            </a:r>
+            <a:r>
+              <a:rPr kumimoji="0" lang="he-IL" altLang="he-IL" sz="1200" b="0" i="0" u="none" strike="noStrike" cap="none" normalizeH="0" baseline="0" dirty="0">
+                <a:ln>
+                  <a:noFill/>
+                </a:ln>
+                <a:solidFill>
+                  <a:schemeClr val="tx1"/>
+                </a:solidFill>
+                <a:effectLst/>
+              </a:rPr>
+              <a:t>.</a:t>
+            </a:r>
+            <a:endParaRPr kumimoji="0" lang="he-IL" altLang="he-IL" sz="3600" b="0" i="0" u="none" strike="noStrike" cap="none" normalizeH="0" baseline="0" dirty="0">
+              <a:ln>
+                <a:noFill/>
+              </a:ln>
+              <a:solidFill>
+                <a:schemeClr val="tx1"/>
+              </a:solidFill>
+              <a:effectLst/>
+              <a:latin typeface="Arial" panose="020B0604020202020204" pitchFamily="34" charset="0"/>
+            </a:endParaRPr>
+          </a:p>
+          <a:p>
+            <a:pPr marL="0" marR="0" lvl="0" indent="0" defTabSz="914400" eaLnBrk="0" fontAlgn="base" latinLnBrk="0" hangingPunct="0">
+              <a:lnSpc>
+                <a:spcPct val="100000"/>
+              </a:lnSpc>
+              <a:spcBef>
+                <a:spcPct val="0"/>
+              </a:spcBef>
+              <a:spcAft>
+                <a:spcPct val="0"/>
+              </a:spcAft>
+              <a:buClrTx/>
+              <a:buSzTx/>
+              <a:buFontTx/>
+              <a:buChar char="•"/>
+              <a:tabLst/>
+            </a:pPr>
+            <a:r>
+              <a:rPr kumimoji="0" lang="he-IL" altLang="he-IL" sz="1200" b="1" i="0" u="none" strike="noStrike" cap="none" normalizeH="0" baseline="0" dirty="0" err="1">
+                <a:ln>
+                  <a:noFill/>
+                </a:ln>
+                <a:solidFill>
+                  <a:schemeClr val="tx1"/>
+                </a:solidFill>
+                <a:effectLst/>
+                <a:latin typeface="Arial Unicode MS"/>
+              </a:rPr>
+              <a:t>face_</a:t>
+            </a:r>
+            <a:r>
+              <a:rPr kumimoji="0" lang="he-IL" altLang="he-IL" sz="1200" b="1" i="0" u="none" strike="noStrike" cap="none" normalizeH="0" baseline="0" dirty="0" err="1">
+                <a:solidFill>
+                  <a:schemeClr val="tx1"/>
+                </a:solidFill>
+                <a:effectLst/>
+                <a:latin typeface="Arial Unicode MS"/>
+              </a:rPr>
+              <a:t>recognition</a:t>
+            </a:r>
+            <a:r>
+              <a:rPr kumimoji="0" lang="he-IL" altLang="he-IL" sz="1050" b="1" i="0" u="none" strike="noStrike" cap="none" normalizeH="0" baseline="0" dirty="0">
+                <a:ln>
+                  <a:noFill/>
+                </a:ln>
+                <a:solidFill>
+                  <a:schemeClr val="tx1"/>
+                </a:solidFill>
+                <a:effectLst/>
+              </a:rPr>
+              <a:t> </a:t>
+            </a:r>
+            <a:r>
+              <a:rPr kumimoji="0" lang="he-IL" altLang="he-IL" sz="1200" b="0" i="0" u="none" strike="noStrike" cap="none" normalizeH="0" baseline="0" dirty="0">
+                <a:ln>
+                  <a:noFill/>
+                </a:ln>
+                <a:solidFill>
+                  <a:schemeClr val="tx1"/>
+                </a:solidFill>
+                <a:effectLst/>
+              </a:rPr>
+              <a:t>- </a:t>
+            </a:r>
+            <a:r>
+              <a:rPr kumimoji="0" lang="he-IL" altLang="he-IL" sz="1200" b="0" i="0" u="none" strike="noStrike" cap="none" normalizeH="0" baseline="0" dirty="0">
+                <a:ln>
+                  <a:noFill/>
+                </a:ln>
+                <a:solidFill>
+                  <a:schemeClr val="tx1"/>
+                </a:solidFill>
+                <a:effectLst/>
+                <a:cs typeface="Arial" panose="020B0604020202020204" pitchFamily="34" charset="0"/>
+              </a:rPr>
+              <a:t>ספרייה לזיהוי פנים בתמונות</a:t>
+            </a:r>
+            <a:r>
+              <a:rPr kumimoji="0" lang="he-IL" altLang="he-IL" sz="1200" b="0" i="0" u="none" strike="noStrike" cap="none" normalizeH="0" baseline="0" dirty="0">
+                <a:ln>
+                  <a:noFill/>
+                </a:ln>
+                <a:solidFill>
+                  <a:schemeClr val="tx1"/>
+                </a:solidFill>
+                <a:effectLst/>
+              </a:rPr>
+              <a:t>.</a:t>
+            </a:r>
+            <a:endParaRPr kumimoji="0" lang="he-IL" altLang="he-IL" sz="3600" b="0" i="0" u="none" strike="noStrike" cap="none" normalizeH="0" baseline="0" dirty="0">
+              <a:ln>
+                <a:noFill/>
+              </a:ln>
+              <a:solidFill>
+                <a:schemeClr val="tx1"/>
+              </a:solidFill>
+              <a:effectLst/>
+              <a:latin typeface="Arial" panose="020B0604020202020204" pitchFamily="34" charset="0"/>
+            </a:endParaRPr>
+          </a:p>
+          <a:p>
+            <a:pPr marL="0" marR="0" lvl="0" indent="0" defTabSz="914400" eaLnBrk="0" fontAlgn="base" latinLnBrk="0" hangingPunct="0">
+              <a:lnSpc>
+                <a:spcPct val="100000"/>
+              </a:lnSpc>
+              <a:spcBef>
+                <a:spcPct val="0"/>
+              </a:spcBef>
+              <a:spcAft>
+                <a:spcPct val="0"/>
+              </a:spcAft>
+              <a:buClrTx/>
+              <a:buSzTx/>
+              <a:buFontTx/>
+              <a:buChar char="•"/>
+              <a:tabLst/>
+            </a:pPr>
+            <a:r>
+              <a:rPr kumimoji="0" lang="he-IL" altLang="he-IL" sz="1200" b="1" i="0" u="none" strike="noStrike" cap="none" normalizeH="0" baseline="0" dirty="0" err="1">
+                <a:ln>
+                  <a:noFill/>
+                </a:ln>
+                <a:solidFill>
+                  <a:schemeClr val="tx1"/>
+                </a:solidFill>
+                <a:effectLst/>
+                <a:latin typeface="Arial Unicode MS"/>
+              </a:rPr>
+              <a:t>Image</a:t>
+            </a:r>
+            <a:r>
+              <a:rPr kumimoji="0" lang="he-IL" altLang="he-IL" sz="1200" b="0" i="0" u="none" strike="noStrike" cap="none" normalizeH="0" baseline="0" dirty="0">
+                <a:ln>
+                  <a:noFill/>
+                </a:ln>
+                <a:solidFill>
+                  <a:schemeClr val="tx1"/>
+                </a:solidFill>
+                <a:effectLst/>
+              </a:rPr>
+              <a:t> - </a:t>
+            </a:r>
+            <a:r>
+              <a:rPr kumimoji="0" lang="he-IL" altLang="he-IL" sz="1200" b="0" i="0" u="none" strike="noStrike" cap="none" normalizeH="0" baseline="0" dirty="0">
+                <a:ln>
+                  <a:noFill/>
+                </a:ln>
+                <a:solidFill>
+                  <a:schemeClr val="tx1"/>
+                </a:solidFill>
+                <a:effectLst/>
+                <a:cs typeface="Arial" panose="020B0604020202020204" pitchFamily="34" charset="0"/>
+              </a:rPr>
+              <a:t>מ</a:t>
+            </a:r>
+            <a:r>
+              <a:rPr kumimoji="0" lang="he-IL" altLang="he-IL" sz="1200" b="0" i="0" u="none" strike="noStrike" cap="none" normalizeH="0" baseline="0" dirty="0">
+                <a:ln>
+                  <a:noFill/>
+                </a:ln>
+                <a:solidFill>
+                  <a:schemeClr val="tx1"/>
+                </a:solidFill>
+                <a:effectLst/>
+              </a:rPr>
+              <a:t>-PIL </a:t>
+            </a:r>
+            <a:r>
+              <a:rPr kumimoji="0" lang="he-IL" altLang="he-IL" sz="1200" b="0" i="0" u="none" strike="noStrike" cap="none" normalizeH="0" baseline="0" dirty="0">
+                <a:ln>
+                  <a:noFill/>
+                </a:ln>
+                <a:solidFill>
+                  <a:schemeClr val="tx1"/>
+                </a:solidFill>
+                <a:effectLst/>
+                <a:cs typeface="Arial" panose="020B0604020202020204" pitchFamily="34" charset="0"/>
+              </a:rPr>
+              <a:t>לטיפול בתמונות</a:t>
+            </a:r>
+            <a:r>
+              <a:rPr kumimoji="0" lang="he-IL" altLang="he-IL" sz="1200" b="0" i="0" u="none" strike="noStrike" cap="none" normalizeH="0" baseline="0" dirty="0">
+                <a:ln>
+                  <a:noFill/>
+                </a:ln>
+                <a:solidFill>
+                  <a:schemeClr val="tx1"/>
+                </a:solidFill>
+                <a:effectLst/>
+              </a:rPr>
+              <a:t>.</a:t>
+            </a:r>
+            <a:endParaRPr kumimoji="0" lang="he-IL" altLang="he-IL" sz="3600" b="0" i="0" u="none" strike="noStrike" cap="none" normalizeH="0" baseline="0" dirty="0">
+              <a:ln>
+                <a:noFill/>
+              </a:ln>
+              <a:solidFill>
+                <a:schemeClr val="tx1"/>
+              </a:solidFill>
+              <a:effectLst/>
+              <a:latin typeface="Arial" panose="020B0604020202020204" pitchFamily="34" charset="0"/>
+            </a:endParaRPr>
+          </a:p>
+          <a:p>
+            <a:pPr marL="0" marR="0" lvl="0" indent="0" defTabSz="914400" eaLnBrk="0" fontAlgn="base" latinLnBrk="0" hangingPunct="0">
+              <a:lnSpc>
+                <a:spcPct val="100000"/>
+              </a:lnSpc>
+              <a:spcBef>
+                <a:spcPct val="0"/>
+              </a:spcBef>
+              <a:spcAft>
+                <a:spcPct val="0"/>
+              </a:spcAft>
+              <a:buClrTx/>
+              <a:buSzTx/>
+              <a:buFontTx/>
+              <a:buChar char="•"/>
+              <a:tabLst/>
+            </a:pPr>
+            <a:r>
+              <a:rPr kumimoji="0" lang="he-IL" altLang="he-IL" sz="1200" b="1" i="0" u="none" strike="noStrike" cap="none" normalizeH="0" baseline="0" dirty="0" err="1">
+                <a:ln>
+                  <a:noFill/>
+                </a:ln>
+                <a:solidFill>
+                  <a:schemeClr val="tx1"/>
+                </a:solidFill>
+                <a:effectLst/>
+                <a:latin typeface="Arial Unicode MS"/>
+              </a:rPr>
+              <a:t>numpy</a:t>
+            </a:r>
+            <a:r>
+              <a:rPr kumimoji="0" lang="he-IL" altLang="he-IL" sz="1200" b="0" i="0" u="none" strike="noStrike" cap="none" normalizeH="0" baseline="0" dirty="0">
+                <a:ln>
+                  <a:noFill/>
+                </a:ln>
+                <a:solidFill>
+                  <a:schemeClr val="tx1"/>
+                </a:solidFill>
+                <a:effectLst/>
+              </a:rPr>
+              <a:t> - </a:t>
+            </a:r>
+            <a:r>
+              <a:rPr kumimoji="0" lang="he-IL" altLang="he-IL" sz="1200" b="0" i="0" u="none" strike="noStrike" cap="none" normalizeH="0" baseline="0" dirty="0">
+                <a:ln>
+                  <a:noFill/>
+                </a:ln>
+                <a:solidFill>
+                  <a:schemeClr val="tx1"/>
+                </a:solidFill>
+                <a:effectLst/>
+                <a:cs typeface="Arial" panose="020B0604020202020204" pitchFamily="34" charset="0"/>
+              </a:rPr>
+              <a:t>ספרייה לעבודה עם מערכים</a:t>
+            </a:r>
+            <a:r>
+              <a:rPr kumimoji="0" lang="he-IL" altLang="he-IL" sz="1200" b="0" i="0" u="none" strike="noStrike" cap="none" normalizeH="0" baseline="0" dirty="0">
+                <a:ln>
+                  <a:noFill/>
+                </a:ln>
+                <a:solidFill>
+                  <a:schemeClr val="tx1"/>
+                </a:solidFill>
+                <a:effectLst/>
+              </a:rPr>
+              <a:t> (</a:t>
+            </a:r>
+            <a:r>
+              <a:rPr kumimoji="0" lang="he-IL" altLang="he-IL" sz="1200" b="0" i="0" u="none" strike="noStrike" cap="none" normalizeH="0" baseline="0" dirty="0" err="1">
+                <a:ln>
+                  <a:noFill/>
+                </a:ln>
+                <a:solidFill>
+                  <a:schemeClr val="tx1"/>
+                </a:solidFill>
+                <a:effectLst/>
+              </a:rPr>
+              <a:t>arrays</a:t>
+            </a:r>
+            <a:r>
+              <a:rPr kumimoji="0" lang="he-IL" altLang="he-IL" sz="1200" b="0" i="0" u="none" strike="noStrike" cap="none" normalizeH="0" baseline="0" dirty="0">
+                <a:ln>
+                  <a:noFill/>
+                </a:ln>
+                <a:solidFill>
+                  <a:schemeClr val="tx1"/>
+                </a:solidFill>
+                <a:effectLst/>
+              </a:rPr>
+              <a:t>) </a:t>
+            </a:r>
+            <a:r>
+              <a:rPr kumimoji="0" lang="he-IL" altLang="he-IL" sz="1200" b="0" i="0" u="none" strike="noStrike" cap="none" normalizeH="0" baseline="0" dirty="0">
+                <a:ln>
+                  <a:noFill/>
+                </a:ln>
+                <a:solidFill>
+                  <a:schemeClr val="tx1"/>
+                </a:solidFill>
+                <a:effectLst/>
+                <a:cs typeface="Arial" panose="020B0604020202020204" pitchFamily="34" charset="0"/>
+              </a:rPr>
+              <a:t>מספריים</a:t>
+            </a:r>
+          </a:p>
+          <a:p>
+            <a:pPr marL="0" marR="0" lvl="0" indent="0" defTabSz="914400" eaLnBrk="0" fontAlgn="base" latinLnBrk="0" hangingPunct="0">
+              <a:lnSpc>
+                <a:spcPct val="100000"/>
+              </a:lnSpc>
+              <a:spcBef>
+                <a:spcPct val="0"/>
+              </a:spcBef>
+              <a:spcAft>
+                <a:spcPct val="0"/>
+              </a:spcAft>
+              <a:buClrTx/>
+              <a:buSzTx/>
+              <a:buFontTx/>
+              <a:buChar char="•"/>
+              <a:tabLst/>
+            </a:pPr>
+            <a:r>
+              <a:rPr lang="en-US" sz="1600" dirty="0"/>
+              <a:t>-</a:t>
+            </a:r>
+            <a:r>
+              <a:rPr lang="en-US" sz="1400" b="1" dirty="0" err="1"/>
+              <a:t>os</a:t>
+            </a:r>
+            <a:r>
+              <a:rPr lang="he-IL" sz="1200" dirty="0"/>
+              <a:t>ספרייה לניהול קבצים ומערכות קבצים.</a:t>
+            </a:r>
+            <a:endParaRPr kumimoji="0" lang="he-IL" altLang="he-IL" sz="1600" b="0" i="0" u="none" strike="noStrike" cap="none" normalizeH="0" baseline="0" dirty="0">
+              <a:ln>
+                <a:noFill/>
+              </a:ln>
+              <a:solidFill>
+                <a:schemeClr val="tx1"/>
+              </a:solidFill>
+              <a:effectLst/>
+              <a:latin typeface="Arial" panose="020B0604020202020204" pitchFamily="34" charset="0"/>
+            </a:endParaRPr>
+          </a:p>
+        </p:txBody>
+      </p:sp>
       <p:pic>
         <p:nvPicPr>
-          <p:cNvPr id="2" name="תמונה 1">
+          <p:cNvPr id="13" name="תמונה 12">
             <a:extLst>
               <a:ext uri="{FF2B5EF4-FFF2-40B4-BE49-F238E27FC236}">
-                <a16:creationId xmlns:a16="http://schemas.microsoft.com/office/drawing/2014/main" id="{1042BA44-6DBD-4C12-82AF-5BC7320969B6}"/>
+                <a16:creationId xmlns:a16="http://schemas.microsoft.com/office/drawing/2014/main" id="{FE02D6C0-C92B-A594-9B53-E54AF52B9BFC}"/>
               </a:ext>
             </a:extLst>
           </p:cNvPr>
@@ -18850,8 +19713,8 @@
         </p:blipFill>
         <p:spPr>
           <a:xfrm>
-            <a:off x="551817" y="946388"/>
-            <a:ext cx="4710465" cy="2493776"/>
+            <a:off x="126508" y="2962759"/>
+            <a:ext cx="5494868" cy="2738794"/>
           </a:xfrm>
           <a:prstGeom prst="rect">
             <a:avLst/>
@@ -18863,62 +19726,12 @@
           </a:ln>
         </p:spPr>
       </p:pic>
-      <p:sp>
-        <p:nvSpPr>
-          <p:cNvPr id="6" name="תיבת טקסט 5">
+      <p:pic>
+        <p:nvPicPr>
+          <p:cNvPr id="15" name="תמונה 14">
             <a:extLst>
               <a:ext uri="{FF2B5EF4-FFF2-40B4-BE49-F238E27FC236}">
-                <a16:creationId xmlns:a16="http://schemas.microsoft.com/office/drawing/2014/main" id="{612885F0-13E2-AD15-5831-C9B433E475EF}"/>
-              </a:ext>
-            </a:extLst>
-          </p:cNvPr>
-          <p:cNvSpPr txBox="1"/>
-          <p:nvPr/>
-        </p:nvSpPr>
-        <p:spPr>
-          <a:xfrm>
-            <a:off x="5875876" y="1858605"/>
-            <a:ext cx="5764307" cy="307777"/>
-          </a:xfrm>
-          <a:prstGeom prst="rect">
-            <a:avLst/>
-          </a:prstGeom>
-          <a:noFill/>
-          <a:ln w="12700">
-            <a:solidFill>
-              <a:srgbClr val="136C75"/>
-            </a:solidFill>
-          </a:ln>
-        </p:spPr>
-        <p:txBody>
-          <a:bodyPr wrap="square">
-            <a:spAutoFit/>
-          </a:bodyPr>
-          <a:lstStyle/>
-          <a:p>
-            <a:pPr rtl="0"/>
-            <a:r>
-              <a:rPr lang="en-US" sz="1400" dirty="0"/>
-              <a:t> </a:t>
-            </a:r>
-            <a:r>
-              <a:rPr lang="he-IL" sz="1400" dirty="0"/>
-              <a:t>מייבא את המסגרת לבניית אפליקציות אינטרנט</a:t>
-            </a:r>
-            <a:r>
-              <a:rPr lang="en-US" sz="1400" dirty="0"/>
-              <a:t>-Flask</a:t>
-            </a:r>
-            <a:endParaRPr lang="he-IL" sz="1400" b="1" dirty="0"/>
-          </a:p>
-        </p:txBody>
-      </p:sp>
-      <p:pic>
-        <p:nvPicPr>
-          <p:cNvPr id="7" name="תמונה 6">
-            <a:extLst>
-              <a:ext uri="{FF2B5EF4-FFF2-40B4-BE49-F238E27FC236}">
-                <a16:creationId xmlns:a16="http://schemas.microsoft.com/office/drawing/2014/main" id="{2B5F055D-C937-0EBC-1D93-E9545632C5F8}"/>
+                <a16:creationId xmlns:a16="http://schemas.microsoft.com/office/drawing/2014/main" id="{00B55769-2357-4550-19A7-9AFE8D92071A}"/>
               </a:ext>
             </a:extLst>
           </p:cNvPr>
@@ -18935,13 +19748,136 @@
         </p:blipFill>
         <p:spPr>
           <a:xfrm>
-            <a:off x="331693" y="4045554"/>
-            <a:ext cx="5764307" cy="2147670"/>
+            <a:off x="202701" y="474645"/>
+            <a:ext cx="4717443" cy="2171142"/>
           </a:xfrm>
           <a:prstGeom prst="rect">
             <a:avLst/>
           </a:prstGeom>
-          <a:ln w="28575">
+          <a:ln w="38100">
+            <a:solidFill>
+              <a:srgbClr val="136C75"/>
+            </a:solidFill>
+          </a:ln>
+        </p:spPr>
+      </p:pic>
+      <p:cxnSp>
+        <p:nvCxnSpPr>
+          <p:cNvPr id="20" name="מחבר חץ ישר 19">
+            <a:extLst>
+              <a:ext uri="{FF2B5EF4-FFF2-40B4-BE49-F238E27FC236}">
+                <a16:creationId xmlns:a16="http://schemas.microsoft.com/office/drawing/2014/main" id="{D04AAAED-3A9C-DB1C-7B46-8F4F12B140BA}"/>
+              </a:ext>
+            </a:extLst>
+          </p:cNvPr>
+          <p:cNvCxnSpPr>
+            <a:cxnSpLocks/>
+          </p:cNvCxnSpPr>
+          <p:nvPr/>
+        </p:nvCxnSpPr>
+        <p:spPr>
+          <a:xfrm flipV="1">
+            <a:off x="4728765" y="1229921"/>
+            <a:ext cx="1470211" cy="660590"/>
+          </a:xfrm>
+          <a:prstGeom prst="straightConnector1">
+            <a:avLst/>
+          </a:prstGeom>
+          <a:ln w="19050">
+            <a:solidFill>
+              <a:srgbClr val="136C75"/>
+            </a:solidFill>
+            <a:tailEnd type="triangle"/>
+          </a:ln>
+        </p:spPr>
+        <p:style>
+          <a:lnRef idx="1">
+            <a:schemeClr val="accent1"/>
+          </a:lnRef>
+          <a:fillRef idx="0">
+            <a:schemeClr val="accent1"/>
+          </a:fillRef>
+          <a:effectRef idx="0">
+            <a:schemeClr val="accent1"/>
+          </a:effectRef>
+          <a:fontRef idx="minor">
+            <a:schemeClr val="tx1"/>
+          </a:fontRef>
+        </p:style>
+      </p:cxnSp>
+      <p:cxnSp>
+        <p:nvCxnSpPr>
+          <p:cNvPr id="22" name="מחבר חץ ישר 21">
+            <a:extLst>
+              <a:ext uri="{FF2B5EF4-FFF2-40B4-BE49-F238E27FC236}">
+                <a16:creationId xmlns:a16="http://schemas.microsoft.com/office/drawing/2014/main" id="{0DF5A323-C734-7BA6-B5A3-0870F1EE0D0F}"/>
+              </a:ext>
+            </a:extLst>
+          </p:cNvPr>
+          <p:cNvCxnSpPr>
+            <a:cxnSpLocks/>
+          </p:cNvCxnSpPr>
+          <p:nvPr/>
+        </p:nvCxnSpPr>
+        <p:spPr>
+          <a:xfrm flipV="1">
+            <a:off x="4698510" y="3492433"/>
+            <a:ext cx="1470211" cy="660590"/>
+          </a:xfrm>
+          <a:prstGeom prst="straightConnector1">
+            <a:avLst/>
+          </a:prstGeom>
+          <a:ln w="19050">
+            <a:solidFill>
+              <a:srgbClr val="136C75"/>
+            </a:solidFill>
+            <a:tailEnd type="triangle"/>
+          </a:ln>
+        </p:spPr>
+        <p:style>
+          <a:lnRef idx="1">
+            <a:schemeClr val="accent1"/>
+          </a:lnRef>
+          <a:fillRef idx="0">
+            <a:schemeClr val="accent1"/>
+          </a:fillRef>
+          <a:effectRef idx="0">
+            <a:schemeClr val="accent1"/>
+          </a:effectRef>
+          <a:fontRef idx="minor">
+            <a:schemeClr val="tx1"/>
+          </a:fontRef>
+        </p:style>
+      </p:cxnSp>
+      <p:pic>
+        <p:nvPicPr>
+          <p:cNvPr id="24" name="תמונה 23">
+            <a:extLst>
+              <a:ext uri="{FF2B5EF4-FFF2-40B4-BE49-F238E27FC236}">
+                <a16:creationId xmlns:a16="http://schemas.microsoft.com/office/drawing/2014/main" id="{9231E14F-4870-7388-984F-FD6F14F7987D}"/>
+              </a:ext>
+            </a:extLst>
+          </p:cNvPr>
+          <p:cNvPicPr>
+            <a:picLocks noChangeAspect="1"/>
+          </p:cNvPicPr>
+          <p:nvPr/>
+        </p:nvPicPr>
+        <p:blipFill>
+          <a:blip r:embed="rId4"/>
+          <a:stretch>
+            <a:fillRect/>
+          </a:stretch>
+        </p:blipFill>
+        <p:spPr>
+          <a:xfrm>
+            <a:off x="126508" y="5985874"/>
+            <a:ext cx="4511431" cy="701101"/>
+          </a:xfrm>
+          <a:prstGeom prst="rect">
+            <a:avLst/>
+          </a:prstGeom>
+          <a:ln w="38100">
             <a:solidFill>
               <a:srgbClr val="136C75"/>
             </a:solidFill>
@@ -18950,10 +19886,10 @@
       </p:pic>
       <p:sp>
         <p:nvSpPr>
-          <p:cNvPr id="8" name="תיבת טקסט 7">
+          <p:cNvPr id="26" name="תיבת טקסט 25">
             <a:extLst>
               <a:ext uri="{FF2B5EF4-FFF2-40B4-BE49-F238E27FC236}">
-                <a16:creationId xmlns:a16="http://schemas.microsoft.com/office/drawing/2014/main" id="{B32B9380-BAD6-BEEE-3632-9BE880B29EE6}"/>
+                <a16:creationId xmlns:a16="http://schemas.microsoft.com/office/drawing/2014/main" id="{64DC6DF4-6ECE-2527-22EB-ABE3ED90C6CC}"/>
               </a:ext>
             </a:extLst>
           </p:cNvPr>
@@ -18962,27 +19898,157 @@
         </p:nvSpPr>
         <p:spPr>
           <a:xfrm>
-            <a:off x="6589059" y="4288041"/>
-            <a:ext cx="5373853" cy="307777"/>
+            <a:off x="5809131" y="6021475"/>
+            <a:ext cx="6042213" cy="738664"/>
           </a:xfrm>
           <a:prstGeom prst="rect">
             <a:avLst/>
           </a:prstGeom>
           <a:noFill/>
-          <a:ln w="12700">
+          <a:ln>
             <a:solidFill>
               <a:srgbClr val="136C75"/>
             </a:solidFill>
           </a:ln>
         </p:spPr>
         <p:txBody>
-          <a:bodyPr wrap="square">
+          <a:bodyPr wrap="square" rtlCol="1">
             <a:spAutoFit/>
           </a:bodyPr>
           <a:lstStyle/>
           <a:p>
             <a:pPr rtl="0"/>
-            <a:endParaRPr lang="he-IL" sz="1400" b="1" dirty="0"/>
+            <a:r>
+              <a:rPr lang="he-IL" sz="1400" dirty="0"/>
+              <a:t>רשימה של שמות הקבצים של התמונות המוכרות.</a:t>
+            </a:r>
+            <a:r>
+              <a:rPr lang="en-US" sz="1400" dirty="0"/>
+              <a:t>-</a:t>
+            </a:r>
+            <a:r>
+              <a:rPr lang="en-US" sz="1400" dirty="0" err="1"/>
+              <a:t>image_paths</a:t>
+            </a:r>
+            <a:endParaRPr lang="en-US" sz="1400" dirty="0"/>
+          </a:p>
+          <a:p>
+            <a:pPr rtl="0"/>
+            <a:r>
+              <a:rPr lang="he-IL" sz="1400" dirty="0"/>
+              <a:t>קידודי הפנים של התמונות המוכרות, שמתקבלים  </a:t>
+            </a:r>
+            <a:r>
+              <a:rPr lang="en-US" sz="1400" dirty="0"/>
+              <a:t>-</a:t>
+            </a:r>
+            <a:r>
+              <a:rPr lang="en-US" sz="1400" dirty="0" err="1"/>
+              <a:t>known_face_encodings</a:t>
+            </a:r>
+            <a:endParaRPr lang="en-US" sz="1400" dirty="0"/>
+          </a:p>
+          <a:p>
+            <a:r>
+              <a:rPr lang="he-IL" sz="1400" dirty="0"/>
+              <a:t>מהפונקציה </a:t>
+            </a:r>
+            <a:r>
+              <a:rPr lang="en-US" sz="1400" dirty="0" err="1"/>
+              <a:t>load_and_encode_images</a:t>
+            </a:r>
+            <a:endParaRPr lang="en-US" sz="1400" dirty="0"/>
+          </a:p>
+        </p:txBody>
+      </p:sp>
+      <p:cxnSp>
+        <p:nvCxnSpPr>
+          <p:cNvPr id="27" name="מחבר חץ ישר 26">
+            <a:extLst>
+              <a:ext uri="{FF2B5EF4-FFF2-40B4-BE49-F238E27FC236}">
+                <a16:creationId xmlns:a16="http://schemas.microsoft.com/office/drawing/2014/main" id="{1D6A390A-57C4-1466-0B45-B66512BAFCA0}"/>
+              </a:ext>
+            </a:extLst>
+          </p:cNvPr>
+          <p:cNvCxnSpPr>
+            <a:cxnSpLocks/>
+          </p:cNvCxnSpPr>
+          <p:nvPr/>
+        </p:nvCxnSpPr>
+        <p:spPr>
+          <a:xfrm flipV="1">
+            <a:off x="4428565" y="6251824"/>
+            <a:ext cx="1740156" cy="138983"/>
+          </a:xfrm>
+          <a:prstGeom prst="straightConnector1">
+            <a:avLst/>
+          </a:prstGeom>
+          <a:ln w="19050">
+            <a:solidFill>
+              <a:srgbClr val="136C75"/>
+            </a:solidFill>
+            <a:tailEnd type="triangle"/>
+          </a:ln>
+        </p:spPr>
+        <p:style>
+          <a:lnRef idx="1">
+            <a:schemeClr val="accent1"/>
+          </a:lnRef>
+          <a:fillRef idx="0">
+            <a:schemeClr val="accent1"/>
+          </a:fillRef>
+          <a:effectRef idx="0">
+            <a:schemeClr val="accent1"/>
+          </a:effectRef>
+          <a:fontRef idx="minor">
+            <a:schemeClr val="tx1"/>
+          </a:fontRef>
+        </p:style>
+      </p:cxnSp>
+      <p:sp>
+        <p:nvSpPr>
+          <p:cNvPr id="31" name="תיבת טקסט 30">
+            <a:extLst>
+              <a:ext uri="{FF2B5EF4-FFF2-40B4-BE49-F238E27FC236}">
+                <a16:creationId xmlns:a16="http://schemas.microsoft.com/office/drawing/2014/main" id="{A7C08A95-DBC9-4A75-5837-67502AD3A908}"/>
+              </a:ext>
+            </a:extLst>
+          </p:cNvPr>
+          <p:cNvSpPr txBox="1"/>
+          <p:nvPr/>
+        </p:nvSpPr>
+        <p:spPr>
+          <a:xfrm>
+            <a:off x="9126071" y="81477"/>
+            <a:ext cx="2725273" cy="461665"/>
+          </a:xfrm>
+          <a:prstGeom prst="rect">
+            <a:avLst/>
+          </a:prstGeom>
+          <a:noFill/>
+        </p:spPr>
+        <p:txBody>
+          <a:bodyPr wrap="square" rtlCol="1">
+            <a:spAutoFit/>
+          </a:bodyPr>
+          <a:lstStyle/>
+          <a:p>
+            <a:r>
+              <a:rPr lang="en-US" sz="2400" b="1" u="sng" dirty="0">
+                <a:solidFill>
+                  <a:srgbClr val="136C75"/>
+                </a:solidFill>
+              </a:rPr>
+              <a:t>Service </a:t>
+            </a:r>
+            <a:r>
+              <a:rPr lang="he-IL" sz="2400" b="1" u="sng" dirty="0">
+                <a:solidFill>
+                  <a:srgbClr val="136C75"/>
+                </a:solidFill>
+              </a:rPr>
+              <a:t> זיהוי פנים :</a:t>
+            </a:r>
           </a:p>
         </p:txBody>
       </p:sp>
@@ -19626,175 +20692,450 @@
           <a:chExt cx="0" cy="0"/>
         </a:xfrm>
       </p:grpSpPr>
-      <p:sp>
-        <p:nvSpPr>
-          <p:cNvPr id="2" name="כותרת 1">
+      <p:pic>
+        <p:nvPicPr>
+          <p:cNvPr id="5" name="תמונה 4">
             <a:extLst>
               <a:ext uri="{FF2B5EF4-FFF2-40B4-BE49-F238E27FC236}">
-                <a16:creationId xmlns:a16="http://schemas.microsoft.com/office/drawing/2014/main" id="{F6A3BBAC-4E73-51CD-5F33-68C4D187326F}"/>
+                <a16:creationId xmlns:a16="http://schemas.microsoft.com/office/drawing/2014/main" id="{E009A0F5-5501-B329-DC1F-2C45184C0046}"/>
               </a:ext>
             </a:extLst>
           </p:cNvPr>
-          <p:cNvSpPr>
-            <a:spLocks noGrp="1"/>
-          </p:cNvSpPr>
-          <p:nvPr>
-            <p:ph type="title"/>
-          </p:nvPr>
-        </p:nvSpPr>
-        <p:spPr/>
-        <p:txBody>
-          <a:bodyPr/>
-          <a:lstStyle/>
-          <a:p>
-            <a:endParaRPr lang="he-IL"/>
-          </a:p>
-        </p:txBody>
-      </p:sp>
+          <p:cNvPicPr>
+            <a:picLocks noChangeAspect="1"/>
+          </p:cNvPicPr>
+          <p:nvPr/>
+        </p:nvPicPr>
+        <p:blipFill>
+          <a:blip r:embed="rId2"/>
+          <a:stretch>
+            <a:fillRect/>
+          </a:stretch>
+        </p:blipFill>
+        <p:spPr>
+          <a:xfrm>
+            <a:off x="0" y="1685366"/>
+            <a:ext cx="7216531" cy="5172634"/>
+          </a:xfrm>
+          <a:prstGeom prst="rect">
+            <a:avLst/>
+          </a:prstGeom>
+          <a:ln w="28575">
+            <a:solidFill>
+              <a:srgbClr val="136C75"/>
+            </a:solidFill>
+          </a:ln>
+        </p:spPr>
+      </p:pic>
       <p:sp>
         <p:nvSpPr>
-          <p:cNvPr id="4" name="מציין מיקום תוכן 2">
+          <p:cNvPr id="7" name="תיבת טקסט 6">
             <a:extLst>
               <a:ext uri="{FF2B5EF4-FFF2-40B4-BE49-F238E27FC236}">
-                <a16:creationId xmlns:a16="http://schemas.microsoft.com/office/drawing/2014/main" id="{C525D155-1176-259D-B154-020AD0D96E1F}"/>
+                <a16:creationId xmlns:a16="http://schemas.microsoft.com/office/drawing/2014/main" id="{9141F3E5-A174-28FB-F253-B24E9B9E20A8}"/>
               </a:ext>
             </a:extLst>
           </p:cNvPr>
-          <p:cNvSpPr>
-            <a:spLocks noGrp="1"/>
-          </p:cNvSpPr>
-          <p:nvPr>
-            <p:ph idx="1"/>
-          </p:nvPr>
+          <p:cNvSpPr txBox="1"/>
+          <p:nvPr/>
         </p:nvSpPr>
         <p:spPr>
           <a:xfrm>
-            <a:off x="838200" y="1825625"/>
-            <a:ext cx="10515600" cy="4351338"/>
+            <a:off x="5907741" y="0"/>
+            <a:ext cx="6284259" cy="4437529"/>
           </a:xfrm>
+          <a:prstGeom prst="rect">
+            <a:avLst/>
+          </a:prstGeom>
+          <a:solidFill>
+            <a:schemeClr val="bg1"/>
+          </a:solidFill>
+          <a:ln w="19050">
+            <a:solidFill>
+              <a:srgbClr val="136C75"/>
+            </a:solidFill>
+          </a:ln>
         </p:spPr>
         <p:txBody>
-          <a:bodyPr/>
+          <a:bodyPr wrap="square" rtlCol="1">
+            <a:spAutoFit/>
+          </a:bodyPr>
           <a:lstStyle/>
           <a:p>
-            <a:pPr marL="0" indent="0">
-              <a:buNone/>
-            </a:pPr>
-            <a:r>
-              <a:rPr lang="he-IL" dirty="0"/>
-              <a:t>פיתחתי רכיב זיהוי פנים באופן עצמאי, כולל כל השלבים מהתחלה ועד הסוף:</a:t>
-            </a:r>
-          </a:p>
-          <a:p>
-            <a:pPr>
-              <a:buFont typeface="+mj-lt"/>
-              <a:buAutoNum type="arabicPeriod"/>
-            </a:pPr>
-            <a:r>
-              <a:rPr lang="he-IL" b="1" dirty="0"/>
-              <a:t>פיתוח השרת</a:t>
-            </a:r>
-            <a:r>
-              <a:rPr lang="he-IL" dirty="0"/>
-              <a:t>: כתבתי את הקוד בצד השרת באמצעות </a:t>
-            </a:r>
-            <a:r>
-              <a:rPr lang="en-US" dirty="0"/>
-              <a:t>Flask, </a:t>
-            </a:r>
-            <a:r>
-              <a:rPr lang="he-IL" dirty="0"/>
-              <a:t> כולל כל הפונקציות הדרושות לעיבוד תמונות, זיהוי פנים, והשוואת קידודים.</a:t>
-            </a:r>
-          </a:p>
-          <a:p>
-            <a:pPr>
-              <a:buFont typeface="+mj-lt"/>
-              <a:buAutoNum type="arabicPeriod"/>
-            </a:pPr>
-            <a:r>
-              <a:rPr lang="he-IL" b="1" dirty="0"/>
-              <a:t>פיתוח </a:t>
-            </a:r>
-            <a:r>
-              <a:rPr lang="he-IL" b="1" dirty="0" err="1"/>
-              <a:t>קומפוננטת</a:t>
-            </a:r>
-            <a:r>
-              <a:rPr lang="he-IL" b="1" dirty="0"/>
+            <a:r>
+              <a:rPr lang="he-IL" sz="1600" b="1" u="sng" dirty="0"/>
+              <a:t>נקודת קצה לזיהוי פנים: '</a:t>
+            </a:r>
+            <a:r>
+              <a:rPr lang="en-US" sz="1600" b="1" u="sng" dirty="0"/>
+              <a:t>'/upload</a:t>
+            </a:r>
+            <a:r>
+              <a:rPr lang="he-IL" sz="1600" b="1" u="sng" dirty="0"/>
+              <a:t> :</a:t>
+            </a:r>
+            <a:endParaRPr lang="en-US" sz="1600" b="1" u="sng" dirty="0"/>
+          </a:p>
+          <a:p>
+            <a:r>
+              <a:rPr lang="en-US" sz="1400" b="1" dirty="0"/>
+              <a:t> @app.route('/upload', methods=['POST’])</a:t>
+            </a:r>
+          </a:p>
+          <a:p>
+            <a:r>
+              <a:rPr lang="he-IL" sz="1400" dirty="0"/>
+              <a:t>מגדיר נקודת קצה </a:t>
+            </a:r>
+            <a:r>
+              <a:rPr lang="en-US" sz="1400" dirty="0"/>
+              <a:t>(Endpoint)</a:t>
+            </a:r>
+            <a:r>
+              <a:rPr lang="he-IL" sz="1400" dirty="0"/>
+              <a:t> ל </a:t>
+            </a:r>
+            <a:r>
+              <a:rPr lang="en-US" sz="1400" dirty="0"/>
+              <a:t>API</a:t>
+            </a:r>
+            <a:r>
+              <a:rPr lang="he-IL" sz="1400" dirty="0"/>
+              <a:t> בשם '</a:t>
+            </a:r>
+            <a:r>
+              <a:rPr lang="en-US" sz="1400" dirty="0"/>
+              <a:t>'/upload</a:t>
+            </a:r>
+            <a:r>
+              <a:rPr lang="he-IL" sz="1400" dirty="0"/>
+              <a:t> המטפלת בבקשות </a:t>
+            </a:r>
+            <a:r>
+              <a:rPr lang="en-US" sz="1400" dirty="0"/>
+              <a:t> .POST</a:t>
+            </a:r>
+          </a:p>
+          <a:p>
+            <a:endParaRPr lang="en-US" sz="1400" dirty="0"/>
+          </a:p>
+          <a:p>
+            <a:r>
+              <a:rPr lang="he-IL" sz="1600" b="1" u="sng" dirty="0"/>
+              <a:t>הפונקציה</a:t>
+            </a:r>
+            <a:r>
+              <a:rPr lang="en-US" sz="1600" b="1" u="sng" dirty="0" err="1"/>
+              <a:t>upload_image</a:t>
+            </a:r>
+            <a:r>
+              <a:rPr lang="en-US" sz="1600" b="1" u="sng" dirty="0"/>
+              <a:t>()  </a:t>
+            </a:r>
+          </a:p>
+          <a:p>
+            <a:r>
+              <a:rPr lang="en-US" sz="1400" b="1" dirty="0"/>
+              <a:t>file = </a:t>
+            </a:r>
+            <a:r>
+              <a:rPr lang="en-US" sz="1400" b="1" dirty="0" err="1"/>
+              <a:t>request.files</a:t>
+            </a:r>
+            <a:r>
+              <a:rPr lang="en-US" sz="1400" b="1" dirty="0"/>
+              <a:t>['image']</a:t>
+            </a:r>
+            <a:endParaRPr lang="he-IL" sz="1400" b="1" u="sng" dirty="0"/>
+          </a:p>
+          <a:p>
+            <a:r>
+              <a:rPr lang="he-IL" sz="1400" dirty="0"/>
+              <a:t>כאן אנחנו מקבלים את הקובץ שהועלה מהבקשה. </a:t>
+            </a:r>
+          </a:p>
+          <a:p>
+            <a:r>
+              <a:rPr lang="en-US" sz="1400" b="1" dirty="0" err="1"/>
+              <a:t>file.save</a:t>
+            </a:r>
+            <a:r>
+              <a:rPr lang="en-US" sz="1400" b="1" dirty="0"/>
+              <a:t>('unknown.jpg')</a:t>
+            </a:r>
+            <a:endParaRPr lang="he-IL" sz="1400" b="1" dirty="0"/>
+          </a:p>
+          <a:p>
+            <a:r>
+              <a:rPr lang="he-IL" sz="1400" dirty="0"/>
+              <a:t>שומר את התמונה שהועלתה בשם</a:t>
+            </a:r>
+            <a:r>
+              <a:rPr lang="he-IL" sz="1400" b="1" dirty="0"/>
               <a:t> </a:t>
             </a:r>
             <a:r>
-              <a:rPr lang="en-US" b="1" dirty="0"/>
-              <a:t>Angular</a:t>
-            </a:r>
-            <a:r>
-              <a:rPr lang="en-US" dirty="0"/>
-              <a:t>: </a:t>
-            </a:r>
-            <a:r>
-              <a:rPr lang="he-IL" dirty="0"/>
-              <a:t>יצרתי את רכיבי ה-</a:t>
-            </a:r>
-            <a:r>
-              <a:rPr lang="en-US" dirty="0"/>
-              <a:t>UI </a:t>
-            </a:r>
-            <a:r>
-              <a:rPr lang="he-IL" dirty="0"/>
-              <a:t>ואת ניהול הנתיב (</a:t>
-            </a:r>
-            <a:r>
-              <a:rPr lang="en-US" dirty="0"/>
-              <a:t>routing) </a:t>
-            </a:r>
-            <a:r>
-              <a:rPr lang="he-IL" dirty="0"/>
-              <a:t>בצד הלקוח, כולל אינטגרציה עם השרת לצורך טעינת תמונות ושליחה לקבלת תוצאות זיהוי.</a:t>
-            </a:r>
-          </a:p>
-          <a:p>
-            <a:pPr>
-              <a:buFont typeface="+mj-lt"/>
-              <a:buAutoNum type="arabicPeriod"/>
-            </a:pPr>
-            <a:r>
-              <a:rPr lang="he-IL" b="1" dirty="0"/>
-              <a:t>אינטגרציה מלאה</a:t>
-            </a:r>
-            <a:r>
-              <a:rPr lang="he-IL" dirty="0"/>
-              <a:t>: חיברתי בין השרת </a:t>
-            </a:r>
-            <a:r>
-              <a:rPr lang="he-IL" dirty="0" err="1"/>
-              <a:t>לקומפוננטת</a:t>
-            </a:r>
-            <a:r>
-              <a:rPr lang="he-IL" dirty="0"/>
+              <a:rPr lang="en-US" sz="1400" dirty="0"/>
+              <a:t>unknown.jpg</a:t>
+            </a:r>
+            <a:r>
+              <a:rPr lang="he-IL" sz="1400" dirty="0"/>
+              <a:t> בתיקייה של השרת.</a:t>
+            </a:r>
+          </a:p>
+          <a:p>
+            <a:r>
+              <a:rPr lang="he-IL" sz="1400" dirty="0"/>
+              <a:t>זהו שלב זמני כדי שנוכל לעבד את התמונה.</a:t>
+            </a:r>
+          </a:p>
+          <a:p>
+            <a:r>
+              <a:rPr lang="en-US" sz="1400" b="1" dirty="0" err="1"/>
+              <a:t>unknown_picture</a:t>
+            </a:r>
+            <a:r>
+              <a:rPr lang="en-US" sz="1400" b="1" dirty="0"/>
+              <a:t> = </a:t>
+            </a:r>
+            <a:r>
+              <a:rPr lang="en-US" sz="1400" b="1" dirty="0" err="1"/>
+              <a:t>face_recognition.load_image_file</a:t>
+            </a:r>
+            <a:r>
+              <a:rPr lang="en-US" sz="1400" b="1" dirty="0"/>
+              <a:t>("unknown.jpg")</a:t>
+            </a:r>
+          </a:p>
+          <a:p>
+            <a:r>
+              <a:rPr lang="he-IL" sz="1400" dirty="0"/>
+              <a:t>משתמשת בספריית </a:t>
+            </a:r>
+            <a:r>
+              <a:rPr lang="en-US" sz="1400" dirty="0" err="1"/>
+              <a:t>face_recognition</a:t>
+            </a:r>
+            <a:r>
+              <a:rPr lang="he-IL" sz="1400" dirty="0"/>
+              <a:t> לטעון את התמונה שהועלתה.</a:t>
+            </a:r>
+          </a:p>
+          <a:p>
+            <a:r>
+              <a:rPr lang="he-IL" sz="1400" dirty="0"/>
+              <a:t>התמונה נטענת כמערך של פיקסלים (ערכים מספריים שמייצגים את צבעי הפיקסלים).</a:t>
+            </a:r>
+          </a:p>
+          <a:p>
+            <a:r>
+              <a:rPr lang="en-US" sz="1400" b="1" dirty="0" err="1"/>
+              <a:t>img_pil</a:t>
+            </a:r>
+            <a:r>
+              <a:rPr lang="en-US" sz="1400" b="1" dirty="0"/>
+              <a:t> = </a:t>
+            </a:r>
+            <a:r>
+              <a:rPr lang="en-US" sz="1400" b="1" dirty="0" err="1"/>
+              <a:t>Image.fromarray</a:t>
+            </a:r>
+            <a:r>
+              <a:rPr lang="en-US" sz="1400" b="1" dirty="0"/>
+              <a:t>(</a:t>
+            </a:r>
+            <a:r>
+              <a:rPr lang="en-US" sz="1400" b="1" dirty="0" err="1"/>
+              <a:t>unknown_picture</a:t>
+            </a:r>
+            <a:r>
+              <a:rPr lang="en-US" sz="1400" b="1" dirty="0"/>
+              <a:t>)</a:t>
+            </a:r>
+            <a:endParaRPr lang="he-IL" sz="1400" b="1" dirty="0"/>
+          </a:p>
+          <a:p>
+            <a:r>
+              <a:rPr lang="he-IL" sz="1400" dirty="0"/>
+              <a:t>ממיר את התמונה ממערך של פיקסלים לאובייקט תמונה של </a:t>
+            </a:r>
+            <a:r>
+              <a:rPr lang="en-US" sz="1400" dirty="0"/>
+              <a:t>PIL</a:t>
+            </a:r>
+            <a:r>
+              <a:rPr lang="he-IL" sz="1400" dirty="0"/>
+              <a:t> אובייקט זה מאפשר לבצע פעולות נוספות על התמונה, כמו שינוי פורמט.</a:t>
+            </a:r>
+          </a:p>
+          <a:p>
+            <a:r>
+              <a:rPr lang="en-US" sz="1400" b="1" dirty="0" err="1"/>
+              <a:t>rgb_img</a:t>
+            </a:r>
+            <a:r>
+              <a:rPr lang="en-US" sz="1400" b="1" dirty="0"/>
+              <a:t> = </a:t>
+            </a:r>
+            <a:r>
+              <a:rPr lang="en-US" sz="1400" b="1" dirty="0" err="1"/>
+              <a:t>img_pil.convert</a:t>
+            </a:r>
+            <a:r>
+              <a:rPr lang="en-US" sz="1400" b="1" dirty="0"/>
+              <a:t>("RGB")</a:t>
+            </a:r>
+            <a:endParaRPr lang="he-IL" sz="1400" b="1" dirty="0"/>
+          </a:p>
+          <a:p>
+            <a:r>
+              <a:rPr lang="he-IL" sz="1400" dirty="0"/>
+              <a:t>ממיר את התמונה לפורמט </a:t>
+            </a:r>
+            <a:r>
+              <a:rPr lang="en-US" sz="1400" dirty="0"/>
+              <a:t>RGB</a:t>
+            </a:r>
+            <a:r>
+              <a:rPr lang="he-IL" sz="1400" dirty="0"/>
+              <a:t> אם היא אינה כבר בפורמט </a:t>
+            </a:r>
+            <a:r>
+              <a:rPr lang="en-US" sz="1400" dirty="0"/>
+              <a:t>RGB</a:t>
+            </a:r>
+            <a:endParaRPr lang="he-IL" sz="1400" b="1" dirty="0"/>
+          </a:p>
+          <a:p>
+            <a:r>
+              <a:rPr lang="he-IL" sz="1400" dirty="0"/>
+              <a:t>משום שהמודול</a:t>
+            </a:r>
+            <a:r>
+              <a:rPr lang="he-IL" sz="1400" b="1" dirty="0"/>
               <a:t> </a:t>
             </a:r>
             <a:r>
-              <a:rPr lang="en-US" dirty="0"/>
-              <a:t>Angular, </a:t>
-            </a:r>
-            <a:r>
-              <a:rPr lang="he-IL" dirty="0"/>
-              <a:t>ווידאתי שהמערכת פועלת בצורה חלקה ומביאה תוצאות מדויקות בזיהוי הפנים.</a:t>
-            </a:r>
-          </a:p>
-          <a:p>
-            <a:pPr marL="0" indent="0">
-              <a:buNone/>
-            </a:pPr>
-            <a:endParaRPr lang="he-IL" dirty="0"/>
+              <a:rPr lang="en-US" sz="1400" dirty="0"/>
+              <a:t>PIL</a:t>
+            </a:r>
+            <a:r>
+              <a:rPr lang="he-IL" sz="1400" dirty="0"/>
+              <a:t> דורש שתמונות יהיו בפורמט </a:t>
+            </a:r>
+            <a:r>
+              <a:rPr lang="en-US" sz="1400" dirty="0"/>
+              <a:t>RGB (Red, Green, Blue)</a:t>
+            </a:r>
+            <a:r>
+              <a:rPr lang="he-IL" sz="1400" dirty="0"/>
+              <a:t> לצורך עיבוד.</a:t>
+            </a:r>
+          </a:p>
+          <a:p>
+            <a:r>
+              <a:rPr lang="he-IL" sz="1200" b="1" dirty="0"/>
+              <a:t>המשך הסבר על פונקציה זו בעמוד הבא</a:t>
+            </a:r>
+            <a:endParaRPr lang="en-US" sz="1200" b="1" dirty="0"/>
+          </a:p>
+        </p:txBody>
+      </p:sp>
+      <p:cxnSp>
+        <p:nvCxnSpPr>
+          <p:cNvPr id="12" name="מחבר חץ ישר 11">
+            <a:extLst>
+              <a:ext uri="{FF2B5EF4-FFF2-40B4-BE49-F238E27FC236}">
+                <a16:creationId xmlns:a16="http://schemas.microsoft.com/office/drawing/2014/main" id="{BD905C96-5990-3F64-C968-54DD944953DC}"/>
+              </a:ext>
+            </a:extLst>
+          </p:cNvPr>
+          <p:cNvCxnSpPr>
+            <a:cxnSpLocks/>
+          </p:cNvCxnSpPr>
+          <p:nvPr/>
+        </p:nvCxnSpPr>
+        <p:spPr>
+          <a:xfrm flipV="1">
+            <a:off x="4405132" y="1888469"/>
+            <a:ext cx="1834302" cy="630613"/>
+          </a:xfrm>
+          <a:prstGeom prst="straightConnector1">
+            <a:avLst/>
+          </a:prstGeom>
+          <a:ln w="19050">
+            <a:solidFill>
+              <a:srgbClr val="136C75"/>
+            </a:solidFill>
+            <a:tailEnd type="triangle"/>
+          </a:ln>
+        </p:spPr>
+        <p:style>
+          <a:lnRef idx="1">
+            <a:schemeClr val="accent1"/>
+          </a:lnRef>
+          <a:fillRef idx="0">
+            <a:schemeClr val="accent1"/>
+          </a:fillRef>
+          <a:effectRef idx="0">
+            <a:schemeClr val="accent1"/>
+          </a:effectRef>
+          <a:fontRef idx="minor">
+            <a:schemeClr val="tx1"/>
+          </a:fontRef>
+        </p:style>
+      </p:cxnSp>
+      <p:sp>
+        <p:nvSpPr>
+          <p:cNvPr id="16" name="תיבת טקסט 15">
+            <a:extLst>
+              <a:ext uri="{FF2B5EF4-FFF2-40B4-BE49-F238E27FC236}">
+                <a16:creationId xmlns:a16="http://schemas.microsoft.com/office/drawing/2014/main" id="{A2B43B8A-0105-B0B0-0853-A221578A55EC}"/>
+              </a:ext>
+            </a:extLst>
+          </p:cNvPr>
+          <p:cNvSpPr txBox="1"/>
+          <p:nvPr/>
+        </p:nvSpPr>
+        <p:spPr>
+          <a:xfrm>
+            <a:off x="1864659" y="242518"/>
+            <a:ext cx="2725273" cy="461665"/>
+          </a:xfrm>
+          <a:prstGeom prst="rect">
+            <a:avLst/>
+          </a:prstGeom>
+          <a:noFill/>
+        </p:spPr>
+        <p:txBody>
+          <a:bodyPr wrap="square" rtlCol="1">
+            <a:spAutoFit/>
+          </a:bodyPr>
+          <a:lstStyle/>
+          <a:p>
+            <a:r>
+              <a:rPr lang="en-US" sz="2400" b="1" u="sng" dirty="0">
+                <a:solidFill>
+                  <a:srgbClr val="136C75"/>
+                </a:solidFill>
+              </a:rPr>
+              <a:t>Service </a:t>
+            </a:r>
+            <a:r>
+              <a:rPr lang="he-IL" sz="2400" b="1" u="sng" dirty="0">
+                <a:solidFill>
+                  <a:srgbClr val="136C75"/>
+                </a:solidFill>
+              </a:rPr>
+              <a:t> זיהוי פנים :</a:t>
+            </a:r>
           </a:p>
         </p:txBody>
       </p:sp>
     </p:spTree>
     <p:extLst>
       <p:ext uri="{BB962C8B-B14F-4D97-AF65-F5344CB8AC3E}">
-        <p14:creationId xmlns:p14="http://schemas.microsoft.com/office/powerpoint/2010/main" val="258390252"/>
+        <p14:creationId xmlns:p14="http://schemas.microsoft.com/office/powerpoint/2010/main" val="2742638955"/>
       </p:ext>
     </p:extLst>
   </p:cSld>
@@ -19805,6 +21146,1328 @@
 </file>
 
 <file path=ppt/slides/slide41.xml><?xml version="1.0" encoding="utf-8"?>
+<p:sld xmlns:a="http://schemas.openxmlformats.org/drawingml/2006/main" xmlns:r="http://schemas.openxmlformats.org/officeDocument/2006/relationships" xmlns:p="http://schemas.openxmlformats.org/presentationml/2006/main">
+  <p:cSld>
+    <p:spTree>
+      <p:nvGrpSpPr>
+        <p:cNvPr id="1" name=""/>
+        <p:cNvGrpSpPr/>
+        <p:nvPr/>
+      </p:nvGrpSpPr>
+      <p:grpSpPr>
+        <a:xfrm>
+          <a:off x="0" y="0"/>
+          <a:ext cx="0" cy="0"/>
+          <a:chOff x="0" y="0"/>
+          <a:chExt cx="0" cy="0"/>
+        </a:xfrm>
+      </p:grpSpPr>
+      <p:pic>
+        <p:nvPicPr>
+          <p:cNvPr id="5" name="תמונה 4">
+            <a:extLst>
+              <a:ext uri="{FF2B5EF4-FFF2-40B4-BE49-F238E27FC236}">
+                <a16:creationId xmlns:a16="http://schemas.microsoft.com/office/drawing/2014/main" id="{E009A0F5-5501-B329-DC1F-2C45184C0046}"/>
+              </a:ext>
+            </a:extLst>
+          </p:cNvPr>
+          <p:cNvPicPr>
+            <a:picLocks noChangeAspect="1"/>
+          </p:cNvPicPr>
+          <p:nvPr/>
+        </p:nvPicPr>
+        <p:blipFill>
+          <a:blip r:embed="rId2"/>
+          <a:stretch>
+            <a:fillRect/>
+          </a:stretch>
+        </p:blipFill>
+        <p:spPr>
+          <a:xfrm>
+            <a:off x="0" y="1685366"/>
+            <a:ext cx="7216531" cy="5172634"/>
+          </a:xfrm>
+          <a:prstGeom prst="rect">
+            <a:avLst/>
+          </a:prstGeom>
+          <a:ln w="28575">
+            <a:solidFill>
+              <a:srgbClr val="136C75"/>
+            </a:solidFill>
+          </a:ln>
+        </p:spPr>
+      </p:pic>
+      <p:sp>
+        <p:nvSpPr>
+          <p:cNvPr id="7" name="תיבת טקסט 6">
+            <a:extLst>
+              <a:ext uri="{FF2B5EF4-FFF2-40B4-BE49-F238E27FC236}">
+                <a16:creationId xmlns:a16="http://schemas.microsoft.com/office/drawing/2014/main" id="{9141F3E5-A174-28FB-F253-B24E9B9E20A8}"/>
+              </a:ext>
+            </a:extLst>
+          </p:cNvPr>
+          <p:cNvSpPr txBox="1"/>
+          <p:nvPr/>
+        </p:nvSpPr>
+        <p:spPr>
+          <a:xfrm>
+            <a:off x="5163671" y="0"/>
+            <a:ext cx="7007707" cy="4370427"/>
+          </a:xfrm>
+          <a:prstGeom prst="rect">
+            <a:avLst/>
+          </a:prstGeom>
+          <a:solidFill>
+            <a:schemeClr val="bg1"/>
+          </a:solidFill>
+          <a:ln w="19050">
+            <a:solidFill>
+              <a:srgbClr val="136C75"/>
+            </a:solidFill>
+          </a:ln>
+        </p:spPr>
+        <p:txBody>
+          <a:bodyPr wrap="square" rtlCol="1">
+            <a:spAutoFit/>
+          </a:bodyPr>
+          <a:lstStyle/>
+          <a:p>
+            <a:r>
+              <a:rPr lang="he-IL" sz="1200" b="1" dirty="0"/>
+              <a:t>המשך הסבר על הפונקציה:</a:t>
+            </a:r>
+          </a:p>
+          <a:p>
+            <a:r>
+              <a:rPr lang="en-US" sz="1600" b="1" dirty="0" err="1"/>
+              <a:t>unknown_face_encoding</a:t>
+            </a:r>
+            <a:r>
+              <a:rPr lang="en-US" sz="1600" b="1" dirty="0"/>
+              <a:t> </a:t>
+            </a:r>
+            <a:r>
+              <a:rPr lang="en-US" sz="1600" b="1" dirty="0" err="1"/>
+              <a:t>face_recognition.face_encodings</a:t>
+            </a:r>
+            <a:r>
+              <a:rPr lang="en-US" sz="1600" b="1" dirty="0"/>
+              <a:t>(</a:t>
+            </a:r>
+            <a:r>
+              <a:rPr lang="en-US" sz="1600" b="1" dirty="0" err="1"/>
+              <a:t>np.array</a:t>
+            </a:r>
+            <a:r>
+              <a:rPr lang="en-US" sz="1600" b="1" dirty="0"/>
+              <a:t>(</a:t>
+            </a:r>
+            <a:r>
+              <a:rPr lang="en-US" sz="1600" b="1" dirty="0" err="1"/>
+              <a:t>rgb_img</a:t>
+            </a:r>
+            <a:r>
+              <a:rPr lang="en-US" sz="1600" b="1" dirty="0"/>
+              <a:t>))[0]</a:t>
+            </a:r>
+          </a:p>
+          <a:p>
+            <a:r>
+              <a:rPr lang="en-US" sz="1600" u="sng" dirty="0" err="1"/>
+              <a:t>np.array</a:t>
+            </a:r>
+            <a:r>
+              <a:rPr lang="en-US" sz="1600" u="sng" dirty="0"/>
+              <a:t>(</a:t>
+            </a:r>
+            <a:r>
+              <a:rPr lang="en-US" sz="1600" u="sng" dirty="0" err="1"/>
+              <a:t>rgb_img</a:t>
+            </a:r>
+            <a:r>
+              <a:rPr lang="en-US" sz="1600" u="sng" dirty="0"/>
+              <a:t>)</a:t>
+            </a:r>
+            <a:r>
+              <a:rPr lang="he-IL" sz="1600" u="sng" dirty="0"/>
+              <a:t> </a:t>
+            </a:r>
+            <a:r>
+              <a:rPr lang="he-IL" sz="1400" u="sng" dirty="0"/>
+              <a:t>–</a:t>
+            </a:r>
+          </a:p>
+          <a:p>
+            <a:r>
+              <a:rPr lang="he-IL" sz="1400" dirty="0"/>
+              <a:t>ממיר את התמונה למערך נומרי שבו כל פיקסל בתמונה מיוצג על ידי ערכים מספריים.</a:t>
+            </a:r>
+          </a:p>
+          <a:p>
+            <a:r>
+              <a:rPr lang="en-US" sz="1600" u="sng" dirty="0" err="1"/>
+              <a:t>face_recognition.face_encodings</a:t>
+            </a:r>
+            <a:r>
+              <a:rPr lang="en-US" sz="1600" u="sng" dirty="0"/>
+              <a:t>()</a:t>
+            </a:r>
+            <a:r>
+              <a:rPr lang="he-IL" sz="1600" dirty="0"/>
+              <a:t>-מחשב את קידוד הפנים של התמונה.</a:t>
+            </a:r>
+          </a:p>
+          <a:p>
+            <a:r>
+              <a:rPr lang="he-IL" sz="1600" dirty="0"/>
+              <a:t> </a:t>
+            </a:r>
+            <a:r>
+              <a:rPr lang="he-IL" sz="1400" dirty="0"/>
+              <a:t>(קידוד פנים הוא ייצוג מספרי של הפנים בתמונה)</a:t>
+            </a:r>
+          </a:p>
+          <a:p>
+            <a:r>
+              <a:rPr lang="he-IL" sz="1600" u="sng" dirty="0"/>
+              <a:t>[0]-</a:t>
+            </a:r>
+            <a:r>
+              <a:rPr lang="he-IL" sz="1600" dirty="0"/>
+              <a:t>בוחר את קידוד הפנים הראשון אם ישנם מספר קידודים בתמונה</a:t>
+            </a:r>
+          </a:p>
+          <a:p>
+            <a:r>
+              <a:rPr lang="he-IL" sz="1600" dirty="0"/>
+              <a:t> </a:t>
+            </a:r>
+            <a:r>
+              <a:rPr lang="he-IL" sz="1400" dirty="0"/>
+              <a:t>(בהנחה שיש רק פרצוף אחד בתמונה)</a:t>
+            </a:r>
+          </a:p>
+          <a:p>
+            <a:r>
+              <a:rPr lang="en-US" sz="1400" b="1" dirty="0"/>
+              <a:t>results = </a:t>
+            </a:r>
+            <a:r>
+              <a:rPr lang="en-US" sz="1400" b="1" dirty="0" err="1"/>
+              <a:t>face_recognition.compare_faces</a:t>
+            </a:r>
+            <a:r>
+              <a:rPr lang="en-US" sz="1400" b="1" dirty="0"/>
+              <a:t>(</a:t>
+            </a:r>
+            <a:r>
+              <a:rPr lang="en-US" sz="1400" b="1" dirty="0" err="1"/>
+              <a:t>known_face_encodings,unknown_face_encoding</a:t>
+            </a:r>
+            <a:r>
+              <a:rPr lang="en-US" sz="1400" b="1" dirty="0"/>
+              <a:t>)</a:t>
+            </a:r>
+            <a:endParaRPr lang="he-IL" sz="1400" b="1" dirty="0"/>
+          </a:p>
+          <a:p>
+            <a:r>
+              <a:rPr lang="he-IL" sz="1600" dirty="0"/>
+              <a:t>משווה את קידוד הפנים של התמונה שהועלתה עם קידודי הפנים הידועים ומחזיר רשימה עם ערכים של</a:t>
+            </a:r>
+            <a:r>
+              <a:rPr lang="he-IL" sz="1600" b="1" dirty="0"/>
+              <a:t> </a:t>
+            </a:r>
+            <a:r>
+              <a:rPr lang="en-US" sz="1600" dirty="0"/>
+              <a:t>True</a:t>
+            </a:r>
+            <a:r>
+              <a:rPr lang="he-IL" sz="1600" b="1" dirty="0"/>
+              <a:t> </a:t>
+            </a:r>
+            <a:r>
+              <a:rPr lang="he-IL" sz="1600" dirty="0"/>
+              <a:t>או</a:t>
+            </a:r>
+            <a:r>
+              <a:rPr lang="he-IL" sz="1600" b="1" dirty="0"/>
+              <a:t> </a:t>
+            </a:r>
+            <a:r>
+              <a:rPr lang="en-US" sz="1600" dirty="0"/>
+              <a:t>False</a:t>
+            </a:r>
+            <a:r>
+              <a:rPr lang="he-IL" sz="1600" dirty="0"/>
+              <a:t> לציון התאמה.</a:t>
+            </a:r>
+          </a:p>
+          <a:p>
+            <a:r>
+              <a:rPr lang="en-US" sz="1600" b="1" dirty="0"/>
+              <a:t>if True in results</a:t>
+            </a:r>
+            <a:endParaRPr lang="he-IL" sz="1600" b="1" dirty="0"/>
+          </a:p>
+          <a:p>
+            <a:r>
+              <a:rPr lang="he-IL" sz="1600" dirty="0"/>
+              <a:t>בודק האם יש התאמה כלשהי ( האם יש תמונה במערך תמונות המורשים שמתאימה לתמונה הנוכחית).</a:t>
+            </a:r>
+            <a:endParaRPr lang="he-IL" sz="1600" b="1" dirty="0"/>
+          </a:p>
+          <a:p>
+            <a:r>
+              <a:rPr lang="en-US" sz="1600" b="1" dirty="0" err="1"/>
+              <a:t>first_match_index</a:t>
+            </a:r>
+            <a:r>
+              <a:rPr lang="en-US" sz="1600" b="1" dirty="0"/>
+              <a:t> = </a:t>
+            </a:r>
+            <a:r>
+              <a:rPr lang="en-US" sz="1600" b="1" dirty="0" err="1"/>
+              <a:t>results.index</a:t>
+            </a:r>
+            <a:r>
+              <a:rPr lang="en-US" sz="1600" b="1" dirty="0"/>
+              <a:t>(True)</a:t>
+            </a:r>
+            <a:endParaRPr lang="he-IL" sz="1600" b="1" dirty="0"/>
+          </a:p>
+          <a:p>
+            <a:r>
+              <a:rPr lang="he-IL" sz="1600" dirty="0"/>
+              <a:t>מוצא את המיקום של ההתאמה הראשונה ברשימה.</a:t>
+            </a:r>
+            <a:endParaRPr lang="he-IL" sz="1600" b="1" dirty="0"/>
+          </a:p>
+          <a:p>
+            <a:r>
+              <a:rPr lang="en-US" sz="1600" b="1" dirty="0"/>
+              <a:t>return </a:t>
+            </a:r>
+            <a:r>
+              <a:rPr lang="en-US" sz="1600" b="1" dirty="0" err="1"/>
+              <a:t>jsonify</a:t>
+            </a:r>
+            <a:r>
+              <a:rPr lang="en-US" sz="1600" b="1" dirty="0"/>
+              <a:t>({"match": True, "person": </a:t>
+            </a:r>
+            <a:r>
+              <a:rPr lang="en-US" sz="1600" b="1" dirty="0" err="1"/>
+              <a:t>image_paths</a:t>
+            </a:r>
+            <a:r>
+              <a:rPr lang="en-US" sz="1600" b="1" dirty="0"/>
+              <a:t>[</a:t>
+            </a:r>
+            <a:r>
+              <a:rPr lang="en-US" sz="1600" b="1" dirty="0" err="1"/>
+              <a:t>first_match_index</a:t>
+            </a:r>
+            <a:r>
+              <a:rPr lang="en-US" sz="1600" b="1" dirty="0"/>
+              <a:t>]})</a:t>
+            </a:r>
+            <a:endParaRPr lang="he-IL" sz="1600" b="1" dirty="0"/>
+          </a:p>
+          <a:p>
+            <a:r>
+              <a:rPr lang="he-IL" sz="1600" dirty="0"/>
+              <a:t>מחזיר תגובה ב-</a:t>
+            </a:r>
+            <a:r>
+              <a:rPr lang="en-US" sz="1600" dirty="0"/>
+              <a:t>JSON </a:t>
+            </a:r>
+            <a:r>
+              <a:rPr lang="he-IL" sz="1600" dirty="0"/>
+              <a:t> אם נמצאה התאמה, יחד עם שם התמונה המתאימה.</a:t>
+            </a:r>
+            <a:endParaRPr lang="en-US" sz="1600" b="1" u="sng" dirty="0"/>
+          </a:p>
+        </p:txBody>
+      </p:sp>
+      <p:sp>
+        <p:nvSpPr>
+          <p:cNvPr id="9" name="תיבת טקסט 8">
+            <a:extLst>
+              <a:ext uri="{FF2B5EF4-FFF2-40B4-BE49-F238E27FC236}">
+                <a16:creationId xmlns:a16="http://schemas.microsoft.com/office/drawing/2014/main" id="{4BAC7B48-530E-DB31-55BC-B1FD0E558C65}"/>
+              </a:ext>
+            </a:extLst>
+          </p:cNvPr>
+          <p:cNvSpPr txBox="1"/>
+          <p:nvPr/>
+        </p:nvSpPr>
+        <p:spPr>
+          <a:xfrm>
+            <a:off x="1846729" y="242518"/>
+            <a:ext cx="2743203" cy="461665"/>
+          </a:xfrm>
+          <a:prstGeom prst="rect">
+            <a:avLst/>
+          </a:prstGeom>
+          <a:noFill/>
+        </p:spPr>
+        <p:txBody>
+          <a:bodyPr wrap="square" rtlCol="1">
+            <a:spAutoFit/>
+          </a:bodyPr>
+          <a:lstStyle/>
+          <a:p>
+            <a:r>
+              <a:rPr lang="en-US" sz="2400" b="1" u="sng" dirty="0">
+                <a:solidFill>
+                  <a:srgbClr val="136C75"/>
+                </a:solidFill>
+              </a:rPr>
+              <a:t>Service </a:t>
+            </a:r>
+            <a:r>
+              <a:rPr lang="he-IL" sz="2400" b="1" u="sng" dirty="0">
+                <a:solidFill>
+                  <a:srgbClr val="136C75"/>
+                </a:solidFill>
+              </a:rPr>
+              <a:t> זיהוי פנים :</a:t>
+            </a:r>
+          </a:p>
+        </p:txBody>
+      </p:sp>
+      <p:cxnSp>
+        <p:nvCxnSpPr>
+          <p:cNvPr id="11" name="מחבר חץ ישר 10">
+            <a:extLst>
+              <a:ext uri="{FF2B5EF4-FFF2-40B4-BE49-F238E27FC236}">
+                <a16:creationId xmlns:a16="http://schemas.microsoft.com/office/drawing/2014/main" id="{926AFA7E-033C-1D41-7342-ECEB95C61ED2}"/>
+              </a:ext>
+            </a:extLst>
+          </p:cNvPr>
+          <p:cNvCxnSpPr>
+            <a:cxnSpLocks/>
+          </p:cNvCxnSpPr>
+          <p:nvPr/>
+        </p:nvCxnSpPr>
+        <p:spPr>
+          <a:xfrm flipV="1">
+            <a:off x="4551320" y="920064"/>
+            <a:ext cx="1517786" cy="1377734"/>
+          </a:xfrm>
+          <a:prstGeom prst="straightConnector1">
+            <a:avLst/>
+          </a:prstGeom>
+          <a:ln w="19050">
+            <a:solidFill>
+              <a:srgbClr val="136C75"/>
+            </a:solidFill>
+            <a:tailEnd type="triangle"/>
+          </a:ln>
+        </p:spPr>
+        <p:style>
+          <a:lnRef idx="1">
+            <a:schemeClr val="accent1"/>
+          </a:lnRef>
+          <a:fillRef idx="0">
+            <a:schemeClr val="accent1"/>
+          </a:fillRef>
+          <a:effectRef idx="0">
+            <a:schemeClr val="accent1"/>
+          </a:effectRef>
+          <a:fontRef idx="minor">
+            <a:schemeClr val="tx1"/>
+          </a:fontRef>
+        </p:style>
+      </p:cxnSp>
+    </p:spTree>
+    <p:extLst>
+      <p:ext uri="{BB962C8B-B14F-4D97-AF65-F5344CB8AC3E}">
+        <p14:creationId xmlns:p14="http://schemas.microsoft.com/office/powerpoint/2010/main" val="524562722"/>
+      </p:ext>
+    </p:extLst>
+  </p:cSld>
+  <p:clrMapOvr>
+    <a:masterClrMapping/>
+  </p:clrMapOvr>
+</p:sld>
+</file>
+
+<file path=ppt/slides/slide42.xml><?xml version="1.0" encoding="utf-8"?>
+<p:sld xmlns:a="http://schemas.openxmlformats.org/drawingml/2006/main" xmlns:r="http://schemas.openxmlformats.org/officeDocument/2006/relationships" xmlns:p="http://schemas.openxmlformats.org/presentationml/2006/main">
+  <p:cSld>
+    <p:spTree>
+      <p:nvGrpSpPr>
+        <p:cNvPr id="1" name=""/>
+        <p:cNvGrpSpPr/>
+        <p:nvPr/>
+      </p:nvGrpSpPr>
+      <p:grpSpPr>
+        <a:xfrm>
+          <a:off x="0" y="0"/>
+          <a:ext cx="0" cy="0"/>
+          <a:chOff x="0" y="0"/>
+          <a:chExt cx="0" cy="0"/>
+        </a:xfrm>
+      </p:grpSpPr>
+      <p:sp>
+        <p:nvSpPr>
+          <p:cNvPr id="2" name="תיבת טקסט 1">
+            <a:extLst>
+              <a:ext uri="{FF2B5EF4-FFF2-40B4-BE49-F238E27FC236}">
+                <a16:creationId xmlns:a16="http://schemas.microsoft.com/office/drawing/2014/main" id="{79AC4FE6-4583-BEB0-133B-788BB0BC737F}"/>
+              </a:ext>
+            </a:extLst>
+          </p:cNvPr>
+          <p:cNvSpPr txBox="1"/>
+          <p:nvPr/>
+        </p:nvSpPr>
+        <p:spPr>
+          <a:xfrm>
+            <a:off x="133567" y="1108017"/>
+            <a:ext cx="3512500" cy="369332"/>
+          </a:xfrm>
+          <a:prstGeom prst="rect">
+            <a:avLst/>
+          </a:prstGeom>
+          <a:noFill/>
+        </p:spPr>
+        <p:txBody>
+          <a:bodyPr wrap="none" rtlCol="1">
+            <a:spAutoFit/>
+          </a:bodyPr>
+          <a:lstStyle/>
+          <a:p>
+            <a:r>
+              <a:rPr lang="en-US" b="1" u="sng" dirty="0">
+                <a:solidFill>
+                  <a:srgbClr val="136C75"/>
+                </a:solidFill>
+              </a:rPr>
+              <a:t>face-recognition.component.html :</a:t>
+            </a:r>
+            <a:endParaRPr lang="he-IL" b="1" u="sng" dirty="0">
+              <a:solidFill>
+                <a:srgbClr val="136C75"/>
+              </a:solidFill>
+            </a:endParaRPr>
+          </a:p>
+        </p:txBody>
+      </p:sp>
+      <p:pic>
+        <p:nvPicPr>
+          <p:cNvPr id="4" name="תמונה 3">
+            <a:extLst>
+              <a:ext uri="{FF2B5EF4-FFF2-40B4-BE49-F238E27FC236}">
+                <a16:creationId xmlns:a16="http://schemas.microsoft.com/office/drawing/2014/main" id="{295699C5-9193-0CF6-8751-541C4968AD06}"/>
+              </a:ext>
+            </a:extLst>
+          </p:cNvPr>
+          <p:cNvPicPr>
+            <a:picLocks noChangeAspect="1"/>
+          </p:cNvPicPr>
+          <p:nvPr/>
+        </p:nvPicPr>
+        <p:blipFill>
+          <a:blip r:embed="rId2"/>
+          <a:stretch>
+            <a:fillRect/>
+          </a:stretch>
+        </p:blipFill>
+        <p:spPr>
+          <a:xfrm>
+            <a:off x="42217" y="1477349"/>
+            <a:ext cx="7094835" cy="2949196"/>
+          </a:xfrm>
+          <a:prstGeom prst="rect">
+            <a:avLst/>
+          </a:prstGeom>
+        </p:spPr>
+      </p:pic>
+      <p:sp>
+        <p:nvSpPr>
+          <p:cNvPr id="5" name="תיבת טקסט 4">
+            <a:extLst>
+              <a:ext uri="{FF2B5EF4-FFF2-40B4-BE49-F238E27FC236}">
+                <a16:creationId xmlns:a16="http://schemas.microsoft.com/office/drawing/2014/main" id="{F0FC0A92-C74B-27FC-FE79-C605986F5E3E}"/>
+              </a:ext>
+            </a:extLst>
+          </p:cNvPr>
+          <p:cNvSpPr txBox="1"/>
+          <p:nvPr/>
+        </p:nvSpPr>
+        <p:spPr>
+          <a:xfrm>
+            <a:off x="3825913" y="52170"/>
+            <a:ext cx="5145704" cy="461665"/>
+          </a:xfrm>
+          <a:prstGeom prst="rect">
+            <a:avLst/>
+          </a:prstGeom>
+          <a:noFill/>
+        </p:spPr>
+        <p:txBody>
+          <a:bodyPr wrap="none" rtlCol="1">
+            <a:spAutoFit/>
+          </a:bodyPr>
+          <a:lstStyle/>
+          <a:p>
+            <a:pPr algn="r"/>
+            <a:r>
+              <a:rPr lang="he-IL" sz="2400" b="1" u="sng" dirty="0">
+                <a:solidFill>
+                  <a:srgbClr val="136C75"/>
+                </a:solidFill>
+              </a:rPr>
+              <a:t>הקופוננטה</a:t>
+            </a:r>
+            <a:r>
+              <a:rPr lang="en-US" sz="2400" b="1" u="sng" dirty="0">
+                <a:solidFill>
+                  <a:srgbClr val="136C75"/>
+                </a:solidFill>
+              </a:rPr>
+              <a:t> face-recognition </a:t>
+            </a:r>
+            <a:r>
+              <a:rPr lang="he-IL" sz="2400" b="1" u="sng" dirty="0">
+                <a:solidFill>
+                  <a:srgbClr val="136C75"/>
+                </a:solidFill>
+              </a:rPr>
+              <a:t> ב</a:t>
+            </a:r>
+            <a:r>
+              <a:rPr lang="en-US" sz="2400" b="1" u="sng" dirty="0">
+                <a:solidFill>
+                  <a:srgbClr val="136C75"/>
+                </a:solidFill>
+              </a:rPr>
+              <a:t>Angular </a:t>
+            </a:r>
+            <a:r>
+              <a:rPr lang="he-IL" sz="2400" b="1" u="sng" dirty="0">
+                <a:solidFill>
+                  <a:srgbClr val="136C75"/>
+                </a:solidFill>
+              </a:rPr>
+              <a:t> </a:t>
+            </a:r>
+          </a:p>
+        </p:txBody>
+      </p:sp>
+      <p:sp>
+        <p:nvSpPr>
+          <p:cNvPr id="6" name="תיבת טקסט 5">
+            <a:extLst>
+              <a:ext uri="{FF2B5EF4-FFF2-40B4-BE49-F238E27FC236}">
+                <a16:creationId xmlns:a16="http://schemas.microsoft.com/office/drawing/2014/main" id="{E14ED4DB-A163-617C-2E86-C6766D9C6955}"/>
+              </a:ext>
+            </a:extLst>
+          </p:cNvPr>
+          <p:cNvSpPr txBox="1"/>
+          <p:nvPr/>
+        </p:nvSpPr>
+        <p:spPr>
+          <a:xfrm>
+            <a:off x="1382234" y="529685"/>
+            <a:ext cx="10134185" cy="646331"/>
+          </a:xfrm>
+          <a:prstGeom prst="rect">
+            <a:avLst/>
+          </a:prstGeom>
+          <a:noFill/>
+        </p:spPr>
+        <p:txBody>
+          <a:bodyPr wrap="none" rtlCol="1">
+            <a:spAutoFit/>
+          </a:bodyPr>
+          <a:lstStyle/>
+          <a:p>
+            <a:r>
+              <a:rPr lang="he-IL" dirty="0"/>
+              <a:t>בצד ה </a:t>
+            </a:r>
+            <a:r>
+              <a:rPr lang="en-US" dirty="0"/>
+              <a:t>client</a:t>
+            </a:r>
+            <a:r>
+              <a:rPr lang="he-IL" dirty="0"/>
+              <a:t> יצרתי את </a:t>
+            </a:r>
+            <a:r>
+              <a:rPr lang="he-IL" dirty="0" err="1"/>
+              <a:t>הקומפוננטה</a:t>
+            </a:r>
+            <a:r>
+              <a:rPr lang="he-IL" dirty="0"/>
+              <a:t> </a:t>
+            </a:r>
+            <a:r>
+              <a:rPr lang="en-US" dirty="0"/>
+              <a:t> </a:t>
+            </a:r>
+            <a:r>
+              <a:rPr lang="en-US" sz="1800" dirty="0"/>
+              <a:t>face-recognition</a:t>
+            </a:r>
+            <a:r>
+              <a:rPr lang="he-IL" dirty="0"/>
+              <a:t>שמאפשרת למשתמש לצלם את עצמו במצלמת המחשב</a:t>
+            </a:r>
+          </a:p>
+          <a:p>
+            <a:r>
+              <a:rPr lang="he-IL" dirty="0"/>
+              <a:t>ושולחת את תמונתו לסרוויס זיהוי הפנים ומחזירה הודעה לפי תוצאות הזיהוי שקיבלה מה</a:t>
+            </a:r>
+            <a:r>
+              <a:rPr lang="en-US" dirty="0"/>
+              <a:t>service </a:t>
+            </a:r>
+            <a:r>
+              <a:rPr lang="he-IL" dirty="0"/>
+              <a:t>. </a:t>
+            </a:r>
+          </a:p>
+        </p:txBody>
+      </p:sp>
+      <p:sp>
+        <p:nvSpPr>
+          <p:cNvPr id="12" name="תיבת טקסט 11">
+            <a:extLst>
+              <a:ext uri="{FF2B5EF4-FFF2-40B4-BE49-F238E27FC236}">
+                <a16:creationId xmlns:a16="http://schemas.microsoft.com/office/drawing/2014/main" id="{90439136-8726-4156-5EC2-62E74BF25AFB}"/>
+              </a:ext>
+            </a:extLst>
+          </p:cNvPr>
+          <p:cNvSpPr txBox="1"/>
+          <p:nvPr/>
+        </p:nvSpPr>
+        <p:spPr>
+          <a:xfrm>
+            <a:off x="42217" y="4491317"/>
+            <a:ext cx="7010400" cy="2246769"/>
+          </a:xfrm>
+          <a:prstGeom prst="rect">
+            <a:avLst/>
+          </a:prstGeom>
+          <a:noFill/>
+          <a:ln w="12700">
+            <a:solidFill>
+              <a:schemeClr val="tx1"/>
+            </a:solidFill>
+          </a:ln>
+        </p:spPr>
+        <p:txBody>
+          <a:bodyPr wrap="square" rtlCol="1">
+            <a:spAutoFit/>
+          </a:bodyPr>
+          <a:lstStyle/>
+          <a:p>
+            <a:r>
+              <a:rPr lang="en-US" sz="1400" b="1" dirty="0"/>
+              <a:t>&lt;div class="face-recognition-container"&gt;</a:t>
+            </a:r>
+            <a:r>
+              <a:rPr lang="he-IL" sz="1400" dirty="0"/>
+              <a:t>מיכל מרכזי שמחזיק את כל הרכיבים ומרכז אותם בעזרת    ה-</a:t>
+            </a:r>
+            <a:r>
+              <a:rPr lang="en-US" sz="1400" dirty="0"/>
+              <a:t>CSS</a:t>
+            </a:r>
+          </a:p>
+          <a:p>
+            <a:r>
+              <a:rPr lang="en-US" sz="1400" b="1" dirty="0"/>
+              <a:t>&lt;div class="instructions"&gt;</a:t>
+            </a:r>
+            <a:r>
+              <a:rPr lang="he-IL" sz="1400" b="1" dirty="0"/>
+              <a:t> </a:t>
+            </a:r>
+            <a:r>
+              <a:rPr lang="he-IL" sz="1400" dirty="0"/>
+              <a:t>הצגת ההוראות למשתמשים בנוגע לתהליך הזיהוי.</a:t>
+            </a:r>
+          </a:p>
+          <a:p>
+            <a:r>
+              <a:rPr lang="en-US" sz="1400" b="1" dirty="0"/>
+              <a:t>&lt;div class="webcam-button-container"&gt;</a:t>
+            </a:r>
+            <a:r>
+              <a:rPr lang="he-IL" sz="1400" b="1" dirty="0"/>
+              <a:t> </a:t>
+            </a:r>
+            <a:r>
+              <a:rPr lang="he-IL" sz="1400" dirty="0"/>
+              <a:t>מיכל המאגד את חלון המצלמה ואת כפתור הצילום יחד.</a:t>
+            </a:r>
+          </a:p>
+          <a:p>
+            <a:r>
+              <a:rPr lang="en-US" sz="1400" b="1" dirty="0"/>
+              <a:t>&lt;webcam&gt;</a:t>
+            </a:r>
+            <a:r>
+              <a:rPr lang="he-IL" sz="1400" dirty="0"/>
+              <a:t>רכיב המצלמה המצולם, שבו מתבצע הצילום. </a:t>
+            </a:r>
+          </a:p>
+          <a:p>
+            <a:r>
+              <a:rPr lang="he-IL" sz="1400" dirty="0"/>
+              <a:t> ה-</a:t>
+            </a:r>
+            <a:r>
+              <a:rPr lang="en-US" sz="1400" dirty="0"/>
+              <a:t> [trigger] </a:t>
+            </a:r>
+            <a:r>
+              <a:rPr lang="he-IL" sz="1400" dirty="0"/>
+              <a:t>מחובר ל-</a:t>
+            </a:r>
+            <a:r>
+              <a:rPr lang="en-US" sz="1400" dirty="0"/>
+              <a:t> Observable </a:t>
+            </a:r>
+            <a:r>
+              <a:rPr lang="he-IL" sz="1400" dirty="0"/>
+              <a:t>עבור הצילום,</a:t>
+            </a:r>
+          </a:p>
+          <a:p>
+            <a:pPr algn="r"/>
+            <a:r>
+              <a:rPr lang="he-IL" sz="1400" dirty="0"/>
+              <a:t> ו-</a:t>
+            </a:r>
+            <a:r>
+              <a:rPr lang="en-US" sz="1400" dirty="0"/>
+              <a:t>(</a:t>
+            </a:r>
+            <a:r>
+              <a:rPr lang="en-US" sz="1400" dirty="0" err="1"/>
+              <a:t>imageCapture</a:t>
+            </a:r>
+            <a:r>
+              <a:rPr lang="en-US" sz="1400" dirty="0"/>
+              <a:t>)</a:t>
+            </a:r>
+            <a:r>
+              <a:rPr lang="he-IL" sz="1400" dirty="0"/>
+              <a:t> מפעיל את פונקציית </a:t>
+            </a:r>
+            <a:r>
+              <a:rPr lang="en-US" sz="1400" dirty="0"/>
+              <a:t>  </a:t>
+            </a:r>
+            <a:r>
+              <a:rPr lang="en-US" sz="1400" dirty="0" err="1"/>
+              <a:t>handleImage</a:t>
+            </a:r>
+            <a:r>
+              <a:rPr lang="he-IL" sz="1400" dirty="0"/>
+              <a:t>לאחר הצילום.</a:t>
+            </a:r>
+          </a:p>
+          <a:p>
+            <a:pPr algn="r"/>
+            <a:r>
+              <a:rPr lang="en-US" sz="1400" b="1" dirty="0"/>
+              <a:t>&lt;button class="capture-button"&gt;</a:t>
+            </a:r>
+          </a:p>
+          <a:p>
+            <a:pPr algn="r"/>
+            <a:r>
+              <a:rPr lang="he-IL" sz="1400" dirty="0"/>
+              <a:t> כפתור לצילום התמונה. כולל אייקון מצלמה וקוד שמפנה לפונקציית </a:t>
+            </a:r>
+            <a:r>
+              <a:rPr lang="en-US" sz="1400" dirty="0" err="1"/>
+              <a:t>triggerSnapshot</a:t>
+            </a:r>
+            <a:r>
+              <a:rPr lang="en-US" sz="1400" dirty="0"/>
+              <a:t>()</a:t>
+            </a:r>
+            <a:r>
+              <a:rPr lang="he-IL" sz="1400" dirty="0"/>
+              <a:t> לצילום   התמונה.</a:t>
+            </a:r>
+          </a:p>
+        </p:txBody>
+      </p:sp>
+      <p:pic>
+        <p:nvPicPr>
+          <p:cNvPr id="10" name="תמונה 9">
+            <a:extLst>
+              <a:ext uri="{FF2B5EF4-FFF2-40B4-BE49-F238E27FC236}">
+                <a16:creationId xmlns:a16="http://schemas.microsoft.com/office/drawing/2014/main" id="{95A0AE99-9399-29FB-B5CF-D8633ADBF263}"/>
+              </a:ext>
+            </a:extLst>
+          </p:cNvPr>
+          <p:cNvPicPr>
+            <a:picLocks noChangeAspect="1"/>
+          </p:cNvPicPr>
+          <p:nvPr/>
+        </p:nvPicPr>
+        <p:blipFill>
+          <a:blip r:embed="rId3"/>
+          <a:stretch>
+            <a:fillRect/>
+          </a:stretch>
+        </p:blipFill>
+        <p:spPr>
+          <a:xfrm>
+            <a:off x="7032128" y="2922493"/>
+            <a:ext cx="5117655" cy="3880365"/>
+          </a:xfrm>
+          <a:prstGeom prst="rect">
+            <a:avLst/>
+          </a:prstGeom>
+          <a:ln w="19050">
+            <a:solidFill>
+              <a:srgbClr val="136C75"/>
+            </a:solidFill>
+          </a:ln>
+        </p:spPr>
+      </p:pic>
+    </p:spTree>
+    <p:extLst>
+      <p:ext uri="{BB962C8B-B14F-4D97-AF65-F5344CB8AC3E}">
+        <p14:creationId xmlns:p14="http://schemas.microsoft.com/office/powerpoint/2010/main" val="3646557491"/>
+      </p:ext>
+    </p:extLst>
+  </p:cSld>
+  <p:clrMapOvr>
+    <a:masterClrMapping/>
+  </p:clrMapOvr>
+</p:sld>
+</file>
+
+<file path=ppt/slides/slide43.xml><?xml version="1.0" encoding="utf-8"?>
+<p:sld xmlns:a="http://schemas.openxmlformats.org/drawingml/2006/main" xmlns:r="http://schemas.openxmlformats.org/officeDocument/2006/relationships" xmlns:p="http://schemas.openxmlformats.org/presentationml/2006/main">
+  <p:cSld>
+    <p:spTree>
+      <p:nvGrpSpPr>
+        <p:cNvPr id="1" name=""/>
+        <p:cNvGrpSpPr/>
+        <p:nvPr/>
+      </p:nvGrpSpPr>
+      <p:grpSpPr>
+        <a:xfrm>
+          <a:off x="0" y="0"/>
+          <a:ext cx="0" cy="0"/>
+          <a:chOff x="0" y="0"/>
+          <a:chExt cx="0" cy="0"/>
+        </a:xfrm>
+      </p:grpSpPr>
+      <p:pic>
+        <p:nvPicPr>
+          <p:cNvPr id="5" name="תמונה 4">
+            <a:extLst>
+              <a:ext uri="{FF2B5EF4-FFF2-40B4-BE49-F238E27FC236}">
+                <a16:creationId xmlns:a16="http://schemas.microsoft.com/office/drawing/2014/main" id="{0460BA02-6142-E54D-5316-49FDD3E95C77}"/>
+              </a:ext>
+            </a:extLst>
+          </p:cNvPr>
+          <p:cNvPicPr>
+            <a:picLocks noChangeAspect="1"/>
+          </p:cNvPicPr>
+          <p:nvPr/>
+        </p:nvPicPr>
+        <p:blipFill>
+          <a:blip r:embed="rId2"/>
+          <a:stretch>
+            <a:fillRect/>
+          </a:stretch>
+        </p:blipFill>
+        <p:spPr>
+          <a:xfrm>
+            <a:off x="267216" y="1495778"/>
+            <a:ext cx="3589331" cy="5303980"/>
+          </a:xfrm>
+          <a:prstGeom prst="rect">
+            <a:avLst/>
+          </a:prstGeom>
+          <a:ln w="28575">
+            <a:solidFill>
+              <a:srgbClr val="136C75"/>
+            </a:solidFill>
+          </a:ln>
+        </p:spPr>
+      </p:pic>
+      <p:pic>
+        <p:nvPicPr>
+          <p:cNvPr id="7" name="תמונה 6">
+            <a:extLst>
+              <a:ext uri="{FF2B5EF4-FFF2-40B4-BE49-F238E27FC236}">
+                <a16:creationId xmlns:a16="http://schemas.microsoft.com/office/drawing/2014/main" id="{8B7EE458-76E5-E4B1-0094-90B3044E3928}"/>
+              </a:ext>
+            </a:extLst>
+          </p:cNvPr>
+          <p:cNvPicPr>
+            <a:picLocks noChangeAspect="1"/>
+          </p:cNvPicPr>
+          <p:nvPr/>
+        </p:nvPicPr>
+        <p:blipFill>
+          <a:blip r:embed="rId3"/>
+          <a:stretch>
+            <a:fillRect/>
+          </a:stretch>
+        </p:blipFill>
+        <p:spPr>
+          <a:xfrm>
+            <a:off x="4017911" y="1546560"/>
+            <a:ext cx="3225571" cy="5222750"/>
+          </a:xfrm>
+          <a:prstGeom prst="rect">
+            <a:avLst/>
+          </a:prstGeom>
+          <a:ln w="28575">
+            <a:solidFill>
+              <a:srgbClr val="136C75"/>
+            </a:solidFill>
+          </a:ln>
+        </p:spPr>
+      </p:pic>
+      <p:sp>
+        <p:nvSpPr>
+          <p:cNvPr id="10" name="תיבת טקסט 9">
+            <a:extLst>
+              <a:ext uri="{FF2B5EF4-FFF2-40B4-BE49-F238E27FC236}">
+                <a16:creationId xmlns:a16="http://schemas.microsoft.com/office/drawing/2014/main" id="{AFDE18D4-E477-CC85-A26A-4B2211C2D66B}"/>
+              </a:ext>
+            </a:extLst>
+          </p:cNvPr>
+          <p:cNvSpPr txBox="1"/>
+          <p:nvPr/>
+        </p:nvSpPr>
+        <p:spPr>
+          <a:xfrm>
+            <a:off x="3424517" y="484063"/>
+            <a:ext cx="6096000" cy="461665"/>
+          </a:xfrm>
+          <a:prstGeom prst="rect">
+            <a:avLst/>
+          </a:prstGeom>
+          <a:noFill/>
+        </p:spPr>
+        <p:txBody>
+          <a:bodyPr wrap="square">
+            <a:spAutoFit/>
+          </a:bodyPr>
+          <a:lstStyle/>
+          <a:p>
+            <a:pPr algn="ctr" rtl="0"/>
+            <a:r>
+              <a:rPr lang="en-US" sz="2400" b="1" u="sng" dirty="0">
+                <a:solidFill>
+                  <a:srgbClr val="136C75"/>
+                </a:solidFill>
+              </a:rPr>
+              <a:t>face-recognition.component.css:</a:t>
+            </a:r>
+            <a:endParaRPr lang="he-IL" sz="2400" b="1" u="sng" dirty="0">
+              <a:solidFill>
+                <a:srgbClr val="136C75"/>
+              </a:solidFill>
+            </a:endParaRPr>
+          </a:p>
+        </p:txBody>
+      </p:sp>
+      <p:sp>
+        <p:nvSpPr>
+          <p:cNvPr id="11" name="תיבת טקסט 10">
+            <a:extLst>
+              <a:ext uri="{FF2B5EF4-FFF2-40B4-BE49-F238E27FC236}">
+                <a16:creationId xmlns:a16="http://schemas.microsoft.com/office/drawing/2014/main" id="{380B332E-13BF-3915-71A4-005C4A167BC5}"/>
+              </a:ext>
+            </a:extLst>
+          </p:cNvPr>
+          <p:cNvSpPr txBox="1"/>
+          <p:nvPr/>
+        </p:nvSpPr>
+        <p:spPr>
+          <a:xfrm>
+            <a:off x="7404846" y="1696186"/>
+            <a:ext cx="4637872" cy="3108543"/>
+          </a:xfrm>
+          <a:prstGeom prst="rect">
+            <a:avLst/>
+          </a:prstGeom>
+          <a:noFill/>
+          <a:ln w="19050">
+            <a:solidFill>
+              <a:srgbClr val="136C75"/>
+            </a:solidFill>
+          </a:ln>
+        </p:spPr>
+        <p:txBody>
+          <a:bodyPr wrap="none" rtlCol="1">
+            <a:spAutoFit/>
+          </a:bodyPr>
+          <a:lstStyle/>
+          <a:p>
+            <a:pPr algn="r"/>
+            <a:r>
+              <a:rPr lang="en-US" sz="1400" b="1" dirty="0"/>
+              <a:t>face-recognition-container</a:t>
+            </a:r>
+            <a:r>
+              <a:rPr lang="en-US" sz="1400" dirty="0"/>
+              <a:t> </a:t>
+            </a:r>
+            <a:endParaRPr lang="he-IL" sz="1400" dirty="0"/>
+          </a:p>
+          <a:p>
+            <a:pPr algn="r"/>
+            <a:r>
+              <a:rPr lang="he-IL" sz="1400" dirty="0"/>
+              <a:t>מסדר את התוכן במרכז המסך בגובה מלא עם סידור גמיש ויישור.</a:t>
+            </a:r>
+          </a:p>
+          <a:p>
+            <a:pPr algn="r"/>
+            <a:r>
+              <a:rPr lang="en-US" sz="1400" b="1" dirty="0"/>
+              <a:t>instructions</a:t>
+            </a:r>
+            <a:r>
+              <a:rPr lang="he-IL" sz="1400" dirty="0"/>
+              <a:t> </a:t>
+            </a:r>
+          </a:p>
+          <a:p>
+            <a:pPr algn="r"/>
+            <a:r>
+              <a:rPr lang="he-IL" sz="1400" dirty="0"/>
+              <a:t>מעצב את הטקסט של ההוראות במרכז ובצבע כהה.</a:t>
+            </a:r>
+          </a:p>
+          <a:p>
+            <a:pPr algn="r"/>
+            <a:r>
+              <a:rPr lang="en-US" sz="1400" b="1" dirty="0"/>
+              <a:t>webcam-button-container</a:t>
+            </a:r>
+            <a:endParaRPr lang="he-IL" sz="1400" b="1" dirty="0"/>
+          </a:p>
+          <a:p>
+            <a:pPr algn="r"/>
+            <a:r>
+              <a:rPr lang="he-IL" sz="1400" dirty="0"/>
+              <a:t>מניח את חלון המצלמה ואת הכפתור בצמוד אחד לשני.</a:t>
+            </a:r>
+          </a:p>
+          <a:p>
+            <a:pPr algn="r"/>
+            <a:r>
+              <a:rPr lang="en-US" sz="1400" b="1" dirty="0"/>
+              <a:t>webcam-container</a:t>
+            </a:r>
+            <a:endParaRPr lang="he-IL" sz="1400" b="1" dirty="0"/>
+          </a:p>
+          <a:p>
+            <a:pPr algn="r"/>
+            <a:r>
+              <a:rPr lang="he-IL" sz="1400" dirty="0"/>
+              <a:t>עוטף את חלון המצלמה עם גבול, צל ושטח ריפוד.</a:t>
+            </a:r>
+          </a:p>
+          <a:p>
+            <a:pPr algn="r"/>
+            <a:r>
+              <a:rPr lang="en-US" sz="1400" b="1" dirty="0"/>
+              <a:t>button-container</a:t>
+            </a:r>
+            <a:endParaRPr lang="he-IL" sz="1400" b="1" dirty="0"/>
+          </a:p>
+          <a:p>
+            <a:pPr algn="r"/>
+            <a:r>
+              <a:rPr lang="he-IL" sz="1400" dirty="0"/>
+              <a:t>מכיל את הכפתור ומסדר אותו בצורה אנכית.</a:t>
+            </a:r>
+          </a:p>
+          <a:p>
+            <a:pPr algn="r"/>
+            <a:r>
+              <a:rPr lang="en-US" sz="1400" b="1" dirty="0"/>
+              <a:t>capture-button</a:t>
+            </a:r>
+            <a:endParaRPr lang="he-IL" sz="1400" b="1" dirty="0"/>
+          </a:p>
+          <a:p>
+            <a:pPr algn="r"/>
+            <a:r>
+              <a:rPr lang="he-IL" sz="1400" dirty="0"/>
+              <a:t>מעצב את כפתור הצילום עם צבע רקע, גבולות, והחלפת צבע</a:t>
+            </a:r>
+          </a:p>
+          <a:p>
+            <a:pPr algn="r"/>
+            <a:r>
+              <a:rPr lang="he-IL" sz="1400" dirty="0"/>
+              <a:t>בעת מעבר על הכפתור.</a:t>
+            </a:r>
+            <a:endParaRPr lang="en-US" sz="1400" b="1" dirty="0"/>
+          </a:p>
+          <a:p>
+            <a:pPr algn="r"/>
+            <a:endParaRPr lang="he-IL" sz="1400" b="1" dirty="0"/>
+          </a:p>
+        </p:txBody>
+      </p:sp>
+      <p:cxnSp>
+        <p:nvCxnSpPr>
+          <p:cNvPr id="12" name="מחבר חץ ישר 11">
+            <a:extLst>
+              <a:ext uri="{FF2B5EF4-FFF2-40B4-BE49-F238E27FC236}">
+                <a16:creationId xmlns:a16="http://schemas.microsoft.com/office/drawing/2014/main" id="{76CB4682-76B9-E625-5251-3D2C22D8C999}"/>
+              </a:ext>
+            </a:extLst>
+          </p:cNvPr>
+          <p:cNvCxnSpPr>
+            <a:cxnSpLocks/>
+          </p:cNvCxnSpPr>
+          <p:nvPr/>
+        </p:nvCxnSpPr>
+        <p:spPr>
+          <a:xfrm flipV="1">
+            <a:off x="6774389" y="2461994"/>
+            <a:ext cx="1099551" cy="854948"/>
+          </a:xfrm>
+          <a:prstGeom prst="straightConnector1">
+            <a:avLst/>
+          </a:prstGeom>
+          <a:ln w="19050">
+            <a:solidFill>
+              <a:srgbClr val="136C75"/>
+            </a:solidFill>
+            <a:tailEnd type="triangle"/>
+          </a:ln>
+        </p:spPr>
+        <p:style>
+          <a:lnRef idx="1">
+            <a:schemeClr val="accent1"/>
+          </a:lnRef>
+          <a:fillRef idx="0">
+            <a:schemeClr val="accent1"/>
+          </a:fillRef>
+          <a:effectRef idx="0">
+            <a:schemeClr val="accent1"/>
+          </a:effectRef>
+          <a:fontRef idx="minor">
+            <a:schemeClr val="tx1"/>
+          </a:fontRef>
+        </p:style>
+      </p:cxnSp>
+    </p:spTree>
+    <p:extLst>
+      <p:ext uri="{BB962C8B-B14F-4D97-AF65-F5344CB8AC3E}">
+        <p14:creationId xmlns:p14="http://schemas.microsoft.com/office/powerpoint/2010/main" val="1540077801"/>
+      </p:ext>
+    </p:extLst>
+  </p:cSld>
+  <p:clrMapOvr>
+    <a:masterClrMapping/>
+  </p:clrMapOvr>
+</p:sld>
+</file>
+
+<file path=ppt/slides/slide44.xml><?xml version="1.0" encoding="utf-8"?>
+<p:sld xmlns:a="http://schemas.openxmlformats.org/drawingml/2006/main" xmlns:r="http://schemas.openxmlformats.org/officeDocument/2006/relationships" xmlns:p="http://schemas.openxmlformats.org/presentationml/2006/main">
+  <p:cSld>
+    <p:spTree>
+      <p:nvGrpSpPr>
+        <p:cNvPr id="1" name=""/>
+        <p:cNvGrpSpPr/>
+        <p:nvPr/>
+      </p:nvGrpSpPr>
+      <p:grpSpPr>
+        <a:xfrm>
+          <a:off x="0" y="0"/>
+          <a:ext cx="0" cy="0"/>
+          <a:chOff x="0" y="0"/>
+          <a:chExt cx="0" cy="0"/>
+        </a:xfrm>
+      </p:grpSpPr>
+      <p:sp>
+        <p:nvSpPr>
+          <p:cNvPr id="2" name="תיבת טקסט 1">
+            <a:extLst>
+              <a:ext uri="{FF2B5EF4-FFF2-40B4-BE49-F238E27FC236}">
+                <a16:creationId xmlns:a16="http://schemas.microsoft.com/office/drawing/2014/main" id="{88D61E72-C328-B9A2-55B2-D76F9419061D}"/>
+              </a:ext>
+            </a:extLst>
+          </p:cNvPr>
+          <p:cNvSpPr txBox="1"/>
+          <p:nvPr/>
+        </p:nvSpPr>
+        <p:spPr>
+          <a:xfrm>
+            <a:off x="3552979" y="573741"/>
+            <a:ext cx="3457421" cy="400110"/>
+          </a:xfrm>
+          <a:prstGeom prst="rect">
+            <a:avLst/>
+          </a:prstGeom>
+          <a:noFill/>
+        </p:spPr>
+        <p:txBody>
+          <a:bodyPr wrap="none" rtlCol="1">
+            <a:spAutoFit/>
+          </a:bodyPr>
+          <a:lstStyle/>
+          <a:p>
+            <a:r>
+              <a:rPr lang="en-US" sz="2000" b="1" dirty="0">
+                <a:solidFill>
+                  <a:srgbClr val="136C75"/>
+                </a:solidFill>
+              </a:rPr>
+              <a:t>face-</a:t>
+            </a:r>
+            <a:r>
+              <a:rPr lang="en-US" sz="2000" b="1" dirty="0" err="1">
+                <a:solidFill>
+                  <a:srgbClr val="136C75"/>
+                </a:solidFill>
+              </a:rPr>
+              <a:t>recognition.component.ts</a:t>
+            </a:r>
+            <a:endParaRPr lang="he-IL" sz="2000" b="1" dirty="0">
+              <a:solidFill>
+                <a:srgbClr val="136C75"/>
+              </a:solidFill>
+            </a:endParaRPr>
+          </a:p>
+        </p:txBody>
+      </p:sp>
+    </p:spTree>
+    <p:extLst>
+      <p:ext uri="{BB962C8B-B14F-4D97-AF65-F5344CB8AC3E}">
+        <p14:creationId xmlns:p14="http://schemas.microsoft.com/office/powerpoint/2010/main" val="1338214885"/>
+      </p:ext>
+    </p:extLst>
+  </p:cSld>
+  <p:clrMapOvr>
+    <a:masterClrMapping/>
+  </p:clrMapOvr>
+</p:sld>
+</file>
+
+<file path=ppt/slides/slide45.xml><?xml version="1.0" encoding="utf-8"?>
 <p:sld xmlns:a="http://schemas.openxmlformats.org/drawingml/2006/main" xmlns:r="http://schemas.openxmlformats.org/officeDocument/2006/relationships" xmlns:p="http://schemas.openxmlformats.org/presentationml/2006/main">
   <p:cSld>
     <p:spTree>
@@ -19956,7 +22619,7 @@
 </p:sld>
 </file>
 
-<file path=ppt/slides/slide42.xml><?xml version="1.0" encoding="utf-8"?>
+<file path=ppt/slides/slide46.xml><?xml version="1.0" encoding="utf-8"?>
 <p:sld xmlns:a="http://schemas.openxmlformats.org/drawingml/2006/main" xmlns:r="http://schemas.openxmlformats.org/officeDocument/2006/relationships" xmlns:p="http://schemas.openxmlformats.org/presentationml/2006/main">
   <p:cSld>
     <p:spTree>
@@ -20072,7 +22735,7 @@
 </p:sld>
 </file>
 
-<file path=ppt/slides/slide43.xml><?xml version="1.0" encoding="utf-8"?>
+<file path=ppt/slides/slide47.xml><?xml version="1.0" encoding="utf-8"?>
 <p:sld xmlns:a="http://schemas.openxmlformats.org/drawingml/2006/main" xmlns:r="http://schemas.openxmlformats.org/officeDocument/2006/relationships" xmlns:p="http://schemas.openxmlformats.org/presentationml/2006/main">
   <p:cSld>
     <p:spTree>
@@ -20476,7 +23139,7 @@
 </p:sld>
 </file>
 
-<file path=ppt/slides/slide44.xml><?xml version="1.0" encoding="utf-8"?>
+<file path=ppt/slides/slide48.xml><?xml version="1.0" encoding="utf-8"?>
 <p:sld xmlns:a="http://schemas.openxmlformats.org/drawingml/2006/main" xmlns:r="http://schemas.openxmlformats.org/officeDocument/2006/relationships" xmlns:p="http://schemas.openxmlformats.org/presentationml/2006/main">
   <p:cSld>
     <p:spTree>
@@ -20594,36 +23257,6 @@
     <p:extLst>
       <p:ext uri="{BB962C8B-B14F-4D97-AF65-F5344CB8AC3E}">
         <p14:creationId xmlns:p14="http://schemas.microsoft.com/office/powerpoint/2010/main" val="1655816576"/>
-      </p:ext>
-    </p:extLst>
-  </p:cSld>
-  <p:clrMapOvr>
-    <a:masterClrMapping/>
-  </p:clrMapOvr>
-</p:sld>
-</file>
-
-<file path=ppt/slides/slide45.xml><?xml version="1.0" encoding="utf-8"?>
-<p:sld xmlns:a="http://schemas.openxmlformats.org/drawingml/2006/main" xmlns:r="http://schemas.openxmlformats.org/officeDocument/2006/relationships" xmlns:p="http://schemas.openxmlformats.org/presentationml/2006/main">
-  <p:cSld>
-    <p:spTree>
-      <p:nvGrpSpPr>
-        <p:cNvPr id="1" name=""/>
-        <p:cNvGrpSpPr/>
-        <p:nvPr/>
-      </p:nvGrpSpPr>
-      <p:grpSpPr>
-        <a:xfrm>
-          <a:off x="0" y="0"/>
-          <a:ext cx="0" cy="0"/>
-          <a:chOff x="0" y="0"/>
-          <a:chExt cx="0" cy="0"/>
-        </a:xfrm>
-      </p:grpSpPr>
-    </p:spTree>
-    <p:extLst>
-      <p:ext uri="{BB962C8B-B14F-4D97-AF65-F5344CB8AC3E}">
-        <p14:creationId xmlns:p14="http://schemas.microsoft.com/office/powerpoint/2010/main" val="1961688783"/>
       </p:ext>
     </p:extLst>
   </p:cSld>

--- a/מירי כהן-הפרויקט .pptx
+++ b/מירי כהן-הפרויקט .pptx
@@ -5,7 +5,7 @@
     <p:sldMasterId id="2147483648" r:id="rId1"/>
   </p:sldMasterIdLst>
   <p:notesMasterIdLst>
-    <p:notesMasterId r:id="rId50"/>
+    <p:notesMasterId r:id="rId55"/>
   </p:notesMasterIdLst>
   <p:sldIdLst>
     <p:sldId id="256" r:id="rId2"/>
@@ -52,10 +52,15 @@
     <p:sldId id="335" r:id="rId43"/>
     <p:sldId id="336" r:id="rId44"/>
     <p:sldId id="337" r:id="rId45"/>
-    <p:sldId id="271" r:id="rId46"/>
-    <p:sldId id="272" r:id="rId47"/>
-    <p:sldId id="265" r:id="rId48"/>
-    <p:sldId id="266" r:id="rId49"/>
+    <p:sldId id="338" r:id="rId46"/>
+    <p:sldId id="339" r:id="rId47"/>
+    <p:sldId id="340" r:id="rId48"/>
+    <p:sldId id="341" r:id="rId49"/>
+    <p:sldId id="342" r:id="rId50"/>
+    <p:sldId id="271" r:id="rId51"/>
+    <p:sldId id="272" r:id="rId52"/>
+    <p:sldId id="265" r:id="rId53"/>
+    <p:sldId id="266" r:id="rId54"/>
   </p:sldIdLst>
   <p:sldSz cx="12192000" cy="6858000"/>
   <p:notesSz cx="6858000" cy="9144000"/>
@@ -244,7 +249,7 @@
           <a:p>
             <a:fld id="{107A888A-02D2-4679-B250-7D47BABD2A83}" type="datetimeFigureOut">
               <a:rPr lang="he-IL" smtClean="0"/>
-              <a:t>כ"ח/תמוז/תשפ"ד</a:t>
+              <a:t>א'/אב/תשפ"ד</a:t>
             </a:fld>
             <a:endParaRPr lang="he-IL"/>
           </a:p>
@@ -970,7 +975,7 @@
           <a:p>
             <a:fld id="{7110408D-4D6A-4233-B901-A42DB29C59AC}" type="datetimeFigureOut">
               <a:rPr lang="he-IL" smtClean="0"/>
-              <a:t>כ"ח/תמוז/תשפ"ד</a:t>
+              <a:t>א'/אב/תשפ"ד</a:t>
             </a:fld>
             <a:endParaRPr lang="he-IL"/>
           </a:p>
@@ -1168,7 +1173,7 @@
           <a:p>
             <a:fld id="{7110408D-4D6A-4233-B901-A42DB29C59AC}" type="datetimeFigureOut">
               <a:rPr lang="he-IL" smtClean="0"/>
-              <a:t>כ"ח/תמוז/תשפ"ד</a:t>
+              <a:t>א'/אב/תשפ"ד</a:t>
             </a:fld>
             <a:endParaRPr lang="he-IL"/>
           </a:p>
@@ -1376,7 +1381,7 @@
           <a:p>
             <a:fld id="{7110408D-4D6A-4233-B901-A42DB29C59AC}" type="datetimeFigureOut">
               <a:rPr lang="he-IL" smtClean="0"/>
-              <a:t>כ"ח/תמוז/תשפ"ד</a:t>
+              <a:t>א'/אב/תשפ"ד</a:t>
             </a:fld>
             <a:endParaRPr lang="he-IL"/>
           </a:p>
@@ -1574,7 +1579,7 @@
           <a:p>
             <a:fld id="{7110408D-4D6A-4233-B901-A42DB29C59AC}" type="datetimeFigureOut">
               <a:rPr lang="he-IL" smtClean="0"/>
-              <a:t>כ"ח/תמוז/תשפ"ד</a:t>
+              <a:t>א'/אב/תשפ"ד</a:t>
             </a:fld>
             <a:endParaRPr lang="he-IL"/>
           </a:p>
@@ -1849,7 +1854,7 @@
           <a:p>
             <a:fld id="{7110408D-4D6A-4233-B901-A42DB29C59AC}" type="datetimeFigureOut">
               <a:rPr lang="he-IL" smtClean="0"/>
-              <a:t>כ"ח/תמוז/תשפ"ד</a:t>
+              <a:t>א'/אב/תשפ"ד</a:t>
             </a:fld>
             <a:endParaRPr lang="he-IL"/>
           </a:p>
@@ -2114,7 +2119,7 @@
           <a:p>
             <a:fld id="{7110408D-4D6A-4233-B901-A42DB29C59AC}" type="datetimeFigureOut">
               <a:rPr lang="he-IL" smtClean="0"/>
-              <a:t>כ"ח/תמוז/תשפ"ד</a:t>
+              <a:t>א'/אב/תשפ"ד</a:t>
             </a:fld>
             <a:endParaRPr lang="he-IL"/>
           </a:p>
@@ -2526,7 +2531,7 @@
           <a:p>
             <a:fld id="{7110408D-4D6A-4233-B901-A42DB29C59AC}" type="datetimeFigureOut">
               <a:rPr lang="he-IL" smtClean="0"/>
-              <a:t>כ"ח/תמוז/תשפ"ד</a:t>
+              <a:t>א'/אב/תשפ"ד</a:t>
             </a:fld>
             <a:endParaRPr lang="he-IL"/>
           </a:p>
@@ -2667,7 +2672,7 @@
           <a:p>
             <a:fld id="{7110408D-4D6A-4233-B901-A42DB29C59AC}" type="datetimeFigureOut">
               <a:rPr lang="he-IL" smtClean="0"/>
-              <a:t>כ"ח/תמוז/תשפ"ד</a:t>
+              <a:t>א'/אב/תשפ"ד</a:t>
             </a:fld>
             <a:endParaRPr lang="he-IL"/>
           </a:p>
@@ -2780,7 +2785,7 @@
           <a:p>
             <a:fld id="{7110408D-4D6A-4233-B901-A42DB29C59AC}" type="datetimeFigureOut">
               <a:rPr lang="he-IL" smtClean="0"/>
-              <a:t>כ"ח/תמוז/תשפ"ד</a:t>
+              <a:t>א'/אב/תשפ"ד</a:t>
             </a:fld>
             <a:endParaRPr lang="he-IL"/>
           </a:p>
@@ -3091,7 +3096,7 @@
           <a:p>
             <a:fld id="{7110408D-4D6A-4233-B901-A42DB29C59AC}" type="datetimeFigureOut">
               <a:rPr lang="he-IL" smtClean="0"/>
-              <a:t>כ"ח/תמוז/תשפ"ד</a:t>
+              <a:t>א'/אב/תשפ"ד</a:t>
             </a:fld>
             <a:endParaRPr lang="he-IL"/>
           </a:p>
@@ -3379,7 +3384,7 @@
           <a:p>
             <a:fld id="{7110408D-4D6A-4233-B901-A42DB29C59AC}" type="datetimeFigureOut">
               <a:rPr lang="he-IL" smtClean="0"/>
-              <a:t>כ"ח/תמוז/תשפ"ד</a:t>
+              <a:t>א'/אב/תשפ"ד</a:t>
             </a:fld>
             <a:endParaRPr lang="he-IL"/>
           </a:p>
@@ -3620,7 +3625,7 @@
           <a:p>
             <a:fld id="{7110408D-4D6A-4233-B901-A42DB29C59AC}" type="datetimeFigureOut">
               <a:rPr lang="he-IL" smtClean="0"/>
-              <a:t>כ"ח/תמוז/תשפ"ד</a:t>
+              <a:t>א'/אב/תשפ"ד</a:t>
             </a:fld>
             <a:endParaRPr lang="he-IL"/>
           </a:p>
@@ -16887,8 +16892,8 @@
         </p:blipFill>
         <p:spPr>
           <a:xfrm>
-            <a:off x="517732" y="1314541"/>
-            <a:ext cx="4701947" cy="3063505"/>
+            <a:off x="313765" y="1431082"/>
+            <a:ext cx="4889558" cy="3185741"/>
           </a:xfrm>
           <a:prstGeom prst="rect">
             <a:avLst/>
@@ -17063,8 +17068,8 @@
         </p:nvSpPr>
         <p:spPr>
           <a:xfrm>
-            <a:off x="8722659" y="241052"/>
-            <a:ext cx="2347580" cy="369332"/>
+            <a:off x="8166847" y="241052"/>
+            <a:ext cx="2903392" cy="461665"/>
           </a:xfrm>
           <a:prstGeom prst="rect">
             <a:avLst/>
@@ -17078,7 +17083,7 @@
           <a:lstStyle/>
           <a:p>
             <a:r>
-              <a:rPr lang="en-US" sz="1800" b="1" u="sng" dirty="0">
+              <a:rPr lang="en-US" sz="2400" b="1" u="sng" dirty="0">
                 <a:solidFill>
                   <a:srgbClr val="136C75"/>
                 </a:solidFill>
@@ -17087,7 +17092,7 @@
               <a:t> </a:t>
             </a:r>
             <a:r>
-              <a:rPr lang="he-IL" b="1" u="sng" dirty="0">
+              <a:rPr lang="he-IL" sz="2400" b="1" u="sng" dirty="0">
                 <a:solidFill>
                   <a:srgbClr val="136C75"/>
                 </a:solidFill>
@@ -17095,7 +17100,7 @@
               <a:t>המשך - </a:t>
             </a:r>
             <a:r>
-              <a:rPr lang="en-US" sz="1800" b="1" u="sng" dirty="0" err="1">
+              <a:rPr lang="en-US" sz="2400" b="1" u="sng" dirty="0" err="1">
                 <a:solidFill>
                   <a:srgbClr val="136C75"/>
                 </a:solidFill>
@@ -17103,7 +17108,7 @@
               </a:rPr>
               <a:t>ChatService</a:t>
             </a:r>
-            <a:endParaRPr lang="he-IL" dirty="0"/>
+            <a:endParaRPr lang="he-IL" sz="2400" dirty="0"/>
           </a:p>
         </p:txBody>
       </p:sp>
@@ -22416,8 +22421,8 @@
         </p:nvSpPr>
         <p:spPr>
           <a:xfrm>
-            <a:off x="3552979" y="573741"/>
-            <a:ext cx="3457421" cy="400110"/>
+            <a:off x="3824241" y="134830"/>
+            <a:ext cx="4109523" cy="461665"/>
           </a:xfrm>
           <a:prstGeom prst="rect">
             <a:avLst/>
@@ -22431,7 +22436,7 @@
           <a:lstStyle/>
           <a:p>
             <a:r>
-              <a:rPr lang="en-US" sz="2000" b="1" dirty="0">
+              <a:rPr lang="en-US" sz="2400" b="1" dirty="0">
                 <a:solidFill>
                   <a:srgbClr val="136C75"/>
                 </a:solidFill>
@@ -22439,14 +22444,14 @@
               <a:t>face-</a:t>
             </a:r>
             <a:r>
-              <a:rPr lang="en-US" sz="2000" b="1" dirty="0" err="1">
+              <a:rPr lang="en-US" sz="2400" b="1" dirty="0" err="1">
                 <a:solidFill>
                   <a:srgbClr val="136C75"/>
                 </a:solidFill>
               </a:rPr>
               <a:t>recognition.component.ts</a:t>
             </a:r>
-            <a:endParaRPr lang="he-IL" sz="2000" b="1" dirty="0">
+            <a:endParaRPr lang="he-IL" sz="2400" b="1" dirty="0">
               <a:solidFill>
                 <a:srgbClr val="136C75"/>
               </a:solidFill>
@@ -22454,6 +22459,507 @@
           </a:p>
         </p:txBody>
       </p:sp>
+      <p:sp>
+        <p:nvSpPr>
+          <p:cNvPr id="5" name="תיבת טקסט 4">
+            <a:extLst>
+              <a:ext uri="{FF2B5EF4-FFF2-40B4-BE49-F238E27FC236}">
+                <a16:creationId xmlns:a16="http://schemas.microsoft.com/office/drawing/2014/main" id="{9A597143-31F9-5438-2B20-E4858DAE32BB}"/>
+              </a:ext>
+            </a:extLst>
+          </p:cNvPr>
+          <p:cNvSpPr txBox="1"/>
+          <p:nvPr/>
+        </p:nvSpPr>
+        <p:spPr>
+          <a:xfrm>
+            <a:off x="7135906" y="790492"/>
+            <a:ext cx="4966445" cy="2492990"/>
+          </a:xfrm>
+          <a:prstGeom prst="rect">
+            <a:avLst/>
+          </a:prstGeom>
+          <a:noFill/>
+          <a:ln w="19050">
+            <a:solidFill>
+              <a:srgbClr val="136C75"/>
+            </a:solidFill>
+          </a:ln>
+        </p:spPr>
+        <p:txBody>
+          <a:bodyPr wrap="square" rtlCol="1">
+            <a:spAutoFit/>
+          </a:bodyPr>
+          <a:lstStyle/>
+          <a:p>
+            <a:r>
+              <a:rPr lang="he-IL" sz="1600" b="1" u="sng" dirty="0"/>
+              <a:t>הגדרת משתנים:</a:t>
+            </a:r>
+            <a:endParaRPr lang="en-US" sz="1600" b="1" u="sng" dirty="0"/>
+          </a:p>
+          <a:p>
+            <a:r>
+              <a:rPr lang="en-US" sz="1400" b="1" dirty="0" err="1"/>
+              <a:t>webcamImage</a:t>
+            </a:r>
+            <a:r>
+              <a:rPr lang="he-IL" sz="1400" dirty="0"/>
+              <a:t>:</a:t>
+            </a:r>
+          </a:p>
+          <a:p>
+            <a:r>
+              <a:rPr lang="he-IL" sz="1400" dirty="0"/>
+              <a:t>משתנה המאחסן את התמונה שצולמה מהמצלמה. התמונה יכולה להיות</a:t>
+            </a:r>
+          </a:p>
+          <a:p>
+            <a:r>
+              <a:rPr lang="en-US" sz="1400" dirty="0"/>
+              <a:t>Null</a:t>
+            </a:r>
+            <a:r>
+              <a:rPr lang="he-IL" sz="1400" dirty="0"/>
+              <a:t> בתחילה ומעודכנת לאחר צילום.</a:t>
+            </a:r>
+          </a:p>
+          <a:p>
+            <a:r>
+              <a:rPr lang="en-US" sz="1400" b="1" dirty="0" err="1"/>
+              <a:t>showCamera</a:t>
+            </a:r>
+            <a:r>
+              <a:rPr lang="he-IL" sz="1400" b="1" dirty="0"/>
+              <a:t>:</a:t>
+            </a:r>
+          </a:p>
+          <a:p>
+            <a:r>
+              <a:rPr lang="he-IL" sz="1400" dirty="0"/>
+              <a:t>משתנה המנהל את הצגת המצלמה בממשק המשתמש. אם </a:t>
+            </a:r>
+            <a:r>
+              <a:rPr lang="en-US" sz="1400" dirty="0"/>
+              <a:t> </a:t>
+            </a:r>
+          </a:p>
+          <a:p>
+            <a:r>
+              <a:rPr lang="en-US" sz="1400" dirty="0"/>
+              <a:t> true</a:t>
+            </a:r>
+            <a:r>
+              <a:rPr lang="he-IL" sz="1400" dirty="0"/>
+              <a:t>המצלמה מוצגת אם </a:t>
+            </a:r>
+            <a:r>
+              <a:rPr lang="en-US" sz="1400" dirty="0"/>
+              <a:t>false</a:t>
+            </a:r>
+            <a:r>
+              <a:rPr lang="he-IL" sz="1400" dirty="0"/>
+              <a:t> היא מוסתרת.</a:t>
+            </a:r>
+          </a:p>
+          <a:p>
+            <a:r>
+              <a:rPr lang="en-US" sz="1400" b="1" dirty="0"/>
+              <a:t>trigger</a:t>
+            </a:r>
+            <a:r>
+              <a:rPr lang="he-IL" sz="1400" b="1" dirty="0"/>
+              <a:t>:</a:t>
+            </a:r>
+          </a:p>
+          <a:p>
+            <a:r>
+              <a:rPr lang="en-US" sz="1400" dirty="0"/>
+              <a:t>Subject</a:t>
+            </a:r>
+            <a:r>
+              <a:rPr lang="he-IL" sz="1400" dirty="0"/>
+              <a:t> המנהל את פעולות הצילום. הוא משמש להפעיל את הצילום כאשר המשתמש לוחץ על כפתור הצילום.</a:t>
+            </a:r>
+          </a:p>
+        </p:txBody>
+      </p:sp>
+      <p:pic>
+        <p:nvPicPr>
+          <p:cNvPr id="10" name="תמונה 9">
+            <a:extLst>
+              <a:ext uri="{FF2B5EF4-FFF2-40B4-BE49-F238E27FC236}">
+                <a16:creationId xmlns:a16="http://schemas.microsoft.com/office/drawing/2014/main" id="{C98875F9-F717-AC95-11F8-FA513BCA90AA}"/>
+              </a:ext>
+            </a:extLst>
+          </p:cNvPr>
+          <p:cNvPicPr>
+            <a:picLocks noChangeAspect="1"/>
+          </p:cNvPicPr>
+          <p:nvPr/>
+        </p:nvPicPr>
+        <p:blipFill>
+          <a:blip r:embed="rId2"/>
+          <a:stretch>
+            <a:fillRect/>
+          </a:stretch>
+        </p:blipFill>
+        <p:spPr>
+          <a:xfrm>
+            <a:off x="260448" y="4068934"/>
+            <a:ext cx="4136513" cy="1234174"/>
+          </a:xfrm>
+          <a:prstGeom prst="rect">
+            <a:avLst/>
+          </a:prstGeom>
+          <a:ln w="28575">
+            <a:solidFill>
+              <a:srgbClr val="136C75"/>
+            </a:solidFill>
+          </a:ln>
+        </p:spPr>
+      </p:pic>
+      <p:pic>
+        <p:nvPicPr>
+          <p:cNvPr id="12" name="תמונה 11">
+            <a:extLst>
+              <a:ext uri="{FF2B5EF4-FFF2-40B4-BE49-F238E27FC236}">
+                <a16:creationId xmlns:a16="http://schemas.microsoft.com/office/drawing/2014/main" id="{8191EEAB-5154-5C61-8E52-A55609EA9125}"/>
+              </a:ext>
+            </a:extLst>
+          </p:cNvPr>
+          <p:cNvPicPr>
+            <a:picLocks noChangeAspect="1"/>
+          </p:cNvPicPr>
+          <p:nvPr/>
+        </p:nvPicPr>
+        <p:blipFill>
+          <a:blip r:embed="rId3"/>
+          <a:stretch>
+            <a:fillRect/>
+          </a:stretch>
+        </p:blipFill>
+        <p:spPr>
+          <a:xfrm>
+            <a:off x="260447" y="5777067"/>
+            <a:ext cx="4136513" cy="887942"/>
+          </a:xfrm>
+          <a:prstGeom prst="rect">
+            <a:avLst/>
+          </a:prstGeom>
+          <a:ln w="28575">
+            <a:solidFill>
+              <a:srgbClr val="136C75"/>
+            </a:solidFill>
+          </a:ln>
+        </p:spPr>
+      </p:pic>
+      <p:sp>
+        <p:nvSpPr>
+          <p:cNvPr id="13" name="תיבת טקסט 12">
+            <a:extLst>
+              <a:ext uri="{FF2B5EF4-FFF2-40B4-BE49-F238E27FC236}">
+                <a16:creationId xmlns:a16="http://schemas.microsoft.com/office/drawing/2014/main" id="{8A83AE76-DBAF-96E1-1AD7-4206415ECDCD}"/>
+              </a:ext>
+            </a:extLst>
+          </p:cNvPr>
+          <p:cNvSpPr txBox="1"/>
+          <p:nvPr/>
+        </p:nvSpPr>
+        <p:spPr>
+          <a:xfrm>
+            <a:off x="6238052" y="4338919"/>
+            <a:ext cx="5540189" cy="584775"/>
+          </a:xfrm>
+          <a:prstGeom prst="rect">
+            <a:avLst/>
+          </a:prstGeom>
+          <a:noFill/>
+          <a:ln w="19050">
+            <a:solidFill>
+              <a:srgbClr val="136C75"/>
+            </a:solidFill>
+          </a:ln>
+        </p:spPr>
+        <p:txBody>
+          <a:bodyPr wrap="square" rtlCol="1">
+            <a:spAutoFit/>
+          </a:bodyPr>
+          <a:lstStyle/>
+          <a:p>
+            <a:pPr rtl="0"/>
+            <a:r>
+              <a:rPr lang="en-US" sz="1600" b="1" u="sng" dirty="0" err="1"/>
+              <a:t>openCamera</a:t>
+            </a:r>
+            <a:r>
+              <a:rPr lang="en-US" sz="1600" b="1" u="sng" dirty="0"/>
+              <a:t>()</a:t>
+            </a:r>
+            <a:r>
+              <a:rPr lang="he-IL" sz="1400" b="1" u="sng" dirty="0"/>
+              <a:t> הפונקציה</a:t>
+            </a:r>
+            <a:endParaRPr lang="en-US" sz="1400" b="1" u="sng" dirty="0"/>
+          </a:p>
+          <a:p>
+            <a:r>
+              <a:rPr lang="he-IL" sz="1400" dirty="0"/>
+              <a:t>מפעילה את הצגת המצלמה על המסך על ידי הגדרת </a:t>
+            </a:r>
+            <a:r>
+              <a:rPr lang="en-US" sz="1400" dirty="0"/>
+              <a:t> </a:t>
+            </a:r>
+            <a:r>
+              <a:rPr lang="en-US" sz="1400" dirty="0" err="1"/>
+              <a:t>showCamera</a:t>
+            </a:r>
+            <a:r>
+              <a:rPr lang="he-IL" sz="1400" dirty="0"/>
+              <a:t>ל-</a:t>
+            </a:r>
+            <a:r>
+              <a:rPr lang="en-US" sz="1600" dirty="0"/>
+              <a:t>true</a:t>
+            </a:r>
+            <a:endParaRPr lang="he-IL" sz="1600" u="sng" dirty="0"/>
+          </a:p>
+        </p:txBody>
+      </p:sp>
+      <p:sp>
+        <p:nvSpPr>
+          <p:cNvPr id="14" name="תיבת טקסט 13">
+            <a:extLst>
+              <a:ext uri="{FF2B5EF4-FFF2-40B4-BE49-F238E27FC236}">
+                <a16:creationId xmlns:a16="http://schemas.microsoft.com/office/drawing/2014/main" id="{9440915E-9E31-0161-FDA8-E694AE0CCCDB}"/>
+              </a:ext>
+            </a:extLst>
+          </p:cNvPr>
+          <p:cNvSpPr txBox="1"/>
+          <p:nvPr/>
+        </p:nvSpPr>
+        <p:spPr>
+          <a:xfrm>
+            <a:off x="6238052" y="5501278"/>
+            <a:ext cx="5540189" cy="769441"/>
+          </a:xfrm>
+          <a:prstGeom prst="rect">
+            <a:avLst/>
+          </a:prstGeom>
+          <a:noFill/>
+          <a:ln w="19050">
+            <a:solidFill>
+              <a:srgbClr val="136C75"/>
+            </a:solidFill>
+          </a:ln>
+        </p:spPr>
+        <p:txBody>
+          <a:bodyPr wrap="square" rtlCol="1">
+            <a:spAutoFit/>
+          </a:bodyPr>
+          <a:lstStyle/>
+          <a:p>
+            <a:pPr rtl="0"/>
+            <a:r>
+              <a:rPr lang="en-US" sz="1600" b="1" u="sng" dirty="0" err="1"/>
+              <a:t>triggerSnapshot</a:t>
+            </a:r>
+            <a:r>
+              <a:rPr lang="en-US" sz="1600" b="1" u="sng" dirty="0"/>
+              <a:t>()</a:t>
+            </a:r>
+            <a:r>
+              <a:rPr lang="he-IL" sz="1400" b="1" u="sng" dirty="0"/>
+              <a:t> הפונקציה </a:t>
+            </a:r>
+            <a:endParaRPr lang="en-US" sz="1400" b="1" u="sng" dirty="0"/>
+          </a:p>
+          <a:p>
+            <a:r>
+              <a:rPr lang="he-IL" sz="1400" dirty="0"/>
+              <a:t>שולח קריאה לצילום תמונה על ידי שליחה של הודעה ל-</a:t>
+            </a:r>
+            <a:r>
+              <a:rPr lang="en-US" sz="1400" dirty="0"/>
+              <a:t>trigger</a:t>
+            </a:r>
+          </a:p>
+          <a:p>
+            <a:r>
+              <a:rPr lang="he-IL" sz="1400" dirty="0"/>
+              <a:t>פעולה זו מפעילה את מצלמת הרשת לצילום תמונה.</a:t>
+            </a:r>
+          </a:p>
+        </p:txBody>
+      </p:sp>
+      <p:pic>
+        <p:nvPicPr>
+          <p:cNvPr id="20" name="תמונה 19">
+            <a:extLst>
+              <a:ext uri="{FF2B5EF4-FFF2-40B4-BE49-F238E27FC236}">
+                <a16:creationId xmlns:a16="http://schemas.microsoft.com/office/drawing/2014/main" id="{DD2FEEB3-35C0-38A5-C2E2-87C4001EF6DD}"/>
+              </a:ext>
+            </a:extLst>
+          </p:cNvPr>
+          <p:cNvPicPr>
+            <a:picLocks noChangeAspect="1"/>
+          </p:cNvPicPr>
+          <p:nvPr/>
+        </p:nvPicPr>
+        <p:blipFill>
+          <a:blip r:embed="rId4"/>
+          <a:stretch>
+            <a:fillRect/>
+          </a:stretch>
+        </p:blipFill>
+        <p:spPr>
+          <a:xfrm>
+            <a:off x="26893" y="750142"/>
+            <a:ext cx="6956611" cy="2900751"/>
+          </a:xfrm>
+          <a:prstGeom prst="rect">
+            <a:avLst/>
+          </a:prstGeom>
+          <a:ln w="28575">
+            <a:solidFill>
+              <a:srgbClr val="136C75"/>
+            </a:solidFill>
+          </a:ln>
+        </p:spPr>
+      </p:pic>
+      <p:cxnSp>
+        <p:nvCxnSpPr>
+          <p:cNvPr id="6" name="מחבר חץ ישר 5">
+            <a:extLst>
+              <a:ext uri="{FF2B5EF4-FFF2-40B4-BE49-F238E27FC236}">
+                <a16:creationId xmlns:a16="http://schemas.microsoft.com/office/drawing/2014/main" id="{6371C754-CECC-299E-3C70-3B5945353C3D}"/>
+              </a:ext>
+            </a:extLst>
+          </p:cNvPr>
+          <p:cNvCxnSpPr>
+            <a:cxnSpLocks/>
+          </p:cNvCxnSpPr>
+          <p:nvPr/>
+        </p:nvCxnSpPr>
+        <p:spPr>
+          <a:xfrm flipV="1">
+            <a:off x="3168973" y="1755487"/>
+            <a:ext cx="4297065" cy="964190"/>
+          </a:xfrm>
+          <a:prstGeom prst="straightConnector1">
+            <a:avLst/>
+          </a:prstGeom>
+          <a:ln w="19050">
+            <a:solidFill>
+              <a:srgbClr val="136C75"/>
+            </a:solidFill>
+            <a:tailEnd type="triangle"/>
+          </a:ln>
+        </p:spPr>
+        <p:style>
+          <a:lnRef idx="1">
+            <a:schemeClr val="accent1"/>
+          </a:lnRef>
+          <a:fillRef idx="0">
+            <a:schemeClr val="accent1"/>
+          </a:fillRef>
+          <a:effectRef idx="0">
+            <a:schemeClr val="accent1"/>
+          </a:effectRef>
+          <a:fontRef idx="minor">
+            <a:schemeClr val="tx1"/>
+          </a:fontRef>
+        </p:style>
+      </p:cxnSp>
+      <p:cxnSp>
+        <p:nvCxnSpPr>
+          <p:cNvPr id="23" name="מחבר חץ ישר 22">
+            <a:extLst>
+              <a:ext uri="{FF2B5EF4-FFF2-40B4-BE49-F238E27FC236}">
+                <a16:creationId xmlns:a16="http://schemas.microsoft.com/office/drawing/2014/main" id="{F12CE275-3D9D-EB78-5BEB-07D658EDAB3E}"/>
+              </a:ext>
+            </a:extLst>
+          </p:cNvPr>
+          <p:cNvCxnSpPr>
+            <a:cxnSpLocks/>
+          </p:cNvCxnSpPr>
+          <p:nvPr/>
+        </p:nvCxnSpPr>
+        <p:spPr>
+          <a:xfrm flipV="1">
+            <a:off x="4053538" y="4464615"/>
+            <a:ext cx="2527937" cy="539709"/>
+          </a:xfrm>
+          <a:prstGeom prst="straightConnector1">
+            <a:avLst/>
+          </a:prstGeom>
+          <a:ln w="19050">
+            <a:solidFill>
+              <a:srgbClr val="136C75"/>
+            </a:solidFill>
+            <a:tailEnd type="triangle"/>
+          </a:ln>
+        </p:spPr>
+        <p:style>
+          <a:lnRef idx="1">
+            <a:schemeClr val="accent1"/>
+          </a:lnRef>
+          <a:fillRef idx="0">
+            <a:schemeClr val="accent1"/>
+          </a:fillRef>
+          <a:effectRef idx="0">
+            <a:schemeClr val="accent1"/>
+          </a:effectRef>
+          <a:fontRef idx="minor">
+            <a:schemeClr val="tx1"/>
+          </a:fontRef>
+        </p:style>
+      </p:cxnSp>
+      <p:cxnSp>
+        <p:nvCxnSpPr>
+          <p:cNvPr id="25" name="מחבר חץ ישר 24">
+            <a:extLst>
+              <a:ext uri="{FF2B5EF4-FFF2-40B4-BE49-F238E27FC236}">
+                <a16:creationId xmlns:a16="http://schemas.microsoft.com/office/drawing/2014/main" id="{3DA1625A-E924-655F-4BF3-9DC9AAAF5B28}"/>
+              </a:ext>
+            </a:extLst>
+          </p:cNvPr>
+          <p:cNvCxnSpPr>
+            <a:cxnSpLocks/>
+          </p:cNvCxnSpPr>
+          <p:nvPr/>
+        </p:nvCxnSpPr>
+        <p:spPr>
+          <a:xfrm flipV="1">
+            <a:off x="4053538" y="5777067"/>
+            <a:ext cx="2527937" cy="539709"/>
+          </a:xfrm>
+          <a:prstGeom prst="straightConnector1">
+            <a:avLst/>
+          </a:prstGeom>
+          <a:ln w="19050">
+            <a:solidFill>
+              <a:srgbClr val="136C75"/>
+            </a:solidFill>
+            <a:tailEnd type="triangle"/>
+          </a:ln>
+        </p:spPr>
+        <p:style>
+          <a:lnRef idx="1">
+            <a:schemeClr val="accent1"/>
+          </a:lnRef>
+          <a:fillRef idx="0">
+            <a:schemeClr val="accent1"/>
+          </a:fillRef>
+          <a:effectRef idx="0">
+            <a:schemeClr val="accent1"/>
+          </a:effectRef>
+          <a:fontRef idx="minor">
+            <a:schemeClr val="tx1"/>
+          </a:fontRef>
+        </p:style>
+      </p:cxnSp>
     </p:spTree>
     <p:extLst>
       <p:ext uri="{BB962C8B-B14F-4D97-AF65-F5344CB8AC3E}">
@@ -22484,132 +22990,492 @@
           <a:chExt cx="0" cy="0"/>
         </a:xfrm>
       </p:grpSpPr>
+      <p:pic>
+        <p:nvPicPr>
+          <p:cNvPr id="2" name="תמונה 1">
+            <a:extLst>
+              <a:ext uri="{FF2B5EF4-FFF2-40B4-BE49-F238E27FC236}">
+                <a16:creationId xmlns:a16="http://schemas.microsoft.com/office/drawing/2014/main" id="{71B08666-DC5E-AE28-B7AB-5444558D14D8}"/>
+              </a:ext>
+            </a:extLst>
+          </p:cNvPr>
+          <p:cNvPicPr>
+            <a:picLocks noChangeAspect="1"/>
+          </p:cNvPicPr>
+          <p:nvPr/>
+        </p:nvPicPr>
+        <p:blipFill>
+          <a:blip r:embed="rId2"/>
+          <a:stretch>
+            <a:fillRect/>
+          </a:stretch>
+        </p:blipFill>
+        <p:spPr>
+          <a:xfrm>
+            <a:off x="129353" y="337560"/>
+            <a:ext cx="9503994" cy="2859542"/>
+          </a:xfrm>
+          <a:prstGeom prst="rect">
+            <a:avLst/>
+          </a:prstGeom>
+          <a:ln w="19050">
+            <a:solidFill>
+              <a:srgbClr val="136C75"/>
+            </a:solidFill>
+          </a:ln>
+        </p:spPr>
+      </p:pic>
       <p:sp>
         <p:nvSpPr>
-          <p:cNvPr id="2" name="כותרת 1">
+          <p:cNvPr id="3" name="תיבת טקסט 2">
             <a:extLst>
               <a:ext uri="{FF2B5EF4-FFF2-40B4-BE49-F238E27FC236}">
-                <a16:creationId xmlns:a16="http://schemas.microsoft.com/office/drawing/2014/main" id="{7D5F7E17-264C-4261-EEB5-15D3C47C031E}"/>
+                <a16:creationId xmlns:a16="http://schemas.microsoft.com/office/drawing/2014/main" id="{6D94CB5C-5B86-78A7-C7BD-52AE866A54E2}"/>
               </a:ext>
             </a:extLst>
           </p:cNvPr>
-          <p:cNvSpPr>
-            <a:spLocks noGrp="1"/>
-          </p:cNvSpPr>
-          <p:nvPr>
-            <p:ph type="title"/>
-          </p:nvPr>
+          <p:cNvSpPr txBox="1"/>
+          <p:nvPr/>
         </p:nvSpPr>
-        <p:spPr/>
+        <p:spPr>
+          <a:xfrm>
+            <a:off x="2286230" y="3205010"/>
+            <a:ext cx="9843016" cy="3600986"/>
+          </a:xfrm>
+          <a:prstGeom prst="rect">
+            <a:avLst/>
+          </a:prstGeom>
+          <a:noFill/>
+          <a:ln w="19050">
+            <a:solidFill>
+              <a:srgbClr val="136C75"/>
+            </a:solidFill>
+          </a:ln>
+        </p:spPr>
         <p:txBody>
-          <a:bodyPr/>
+          <a:bodyPr wrap="none" rtlCol="1">
+            <a:spAutoFit/>
+          </a:bodyPr>
           <a:lstStyle/>
           <a:p>
-            <a:pPr algn="ctr"/>
-            <a:r>
-              <a:rPr lang="he-IL" dirty="0">
-                <a:solidFill>
-                  <a:schemeClr val="tx2">
-                    <a:lumMod val="60000"/>
-                    <a:lumOff val="40000"/>
-                  </a:schemeClr>
-                </a:solidFill>
-                <a:cs typeface="+mn-cs"/>
-              </a:rPr>
-              <a:t>שלב ה': בדיקות אבטחה ואיכות</a:t>
-            </a:r>
-            <a:endParaRPr lang="he-IL" dirty="0"/>
+            <a:pPr rtl="0"/>
+            <a:r>
+              <a:rPr lang="en-US" b="1" u="sng" dirty="0" err="1"/>
+              <a:t>handleImage</a:t>
+            </a:r>
+            <a:r>
+              <a:rPr lang="en-US" b="1" u="sng" dirty="0"/>
+              <a:t>() </a:t>
+            </a:r>
+            <a:r>
+              <a:rPr lang="he-IL" sz="1800" b="1" u="sng" dirty="0"/>
+              <a:t> הפונקציה</a:t>
+            </a:r>
+            <a:endParaRPr lang="en-US" b="1" u="sng" dirty="0"/>
+          </a:p>
+          <a:p>
+            <a:r>
+              <a:rPr lang="he-IL" sz="1400" dirty="0"/>
+              <a:t>פונקציה שמופעלת כאשר מצולמת תמונה מטרתה לעבד את התמונה ולשלוח לשרת</a:t>
+            </a:r>
+          </a:p>
+          <a:p>
+            <a:r>
+              <a:rPr lang="he-IL" sz="1400" dirty="0"/>
+              <a:t>ועל פי התשובה המתקבלת לגבי ההתאמה להדפיס הודעה למשתמש ולנתב לעריכת הנוכחות.</a:t>
+            </a:r>
+          </a:p>
+          <a:p>
+            <a:r>
+              <a:rPr lang="en-US" sz="1400" b="1" dirty="0" err="1"/>
+              <a:t>this.webcamImage</a:t>
+            </a:r>
+            <a:r>
+              <a:rPr lang="en-US" sz="1400" b="1" dirty="0"/>
+              <a:t> = </a:t>
+            </a:r>
+            <a:r>
+              <a:rPr lang="en-US" sz="1400" b="1" dirty="0" err="1"/>
+              <a:t>webcamImage</a:t>
+            </a:r>
+            <a:r>
+              <a:rPr lang="en-US" sz="1400" b="1" dirty="0"/>
+              <a:t>;</a:t>
+            </a:r>
+            <a:endParaRPr lang="he-IL" sz="1400" b="1" dirty="0"/>
+          </a:p>
+          <a:p>
+            <a:r>
+              <a:rPr lang="he-IL" sz="1400" dirty="0"/>
+              <a:t>שומר את התמונה שצולמה במשתנה</a:t>
+            </a:r>
+            <a:r>
+              <a:rPr lang="en-US" sz="1400" dirty="0"/>
+              <a:t>  </a:t>
+            </a:r>
+            <a:r>
+              <a:rPr lang="en-US" sz="1400" dirty="0" err="1"/>
+              <a:t>webcamImage</a:t>
+            </a:r>
+            <a:r>
+              <a:rPr lang="en-US" sz="1400" dirty="0"/>
+              <a:t> </a:t>
+            </a:r>
+            <a:r>
+              <a:rPr lang="he-IL" sz="1400" dirty="0"/>
+              <a:t>של </a:t>
+            </a:r>
+            <a:r>
+              <a:rPr lang="he-IL" sz="1400" dirty="0" err="1"/>
+              <a:t>הקומפוננטה</a:t>
+            </a:r>
+            <a:r>
+              <a:rPr lang="he-IL" sz="1400" dirty="0"/>
+              <a:t>.</a:t>
+            </a:r>
+          </a:p>
+          <a:p>
+            <a:r>
+              <a:rPr lang="en-US" sz="1400" b="1" dirty="0"/>
+              <a:t>const </a:t>
+            </a:r>
+            <a:r>
+              <a:rPr lang="en-US" sz="1400" b="1" dirty="0" err="1"/>
+              <a:t>imageBlob</a:t>
+            </a:r>
+            <a:r>
+              <a:rPr lang="en-US" sz="1400" b="1" dirty="0"/>
+              <a:t> = </a:t>
+            </a:r>
+            <a:r>
+              <a:rPr lang="en-US" sz="1400" b="1" dirty="0" err="1"/>
+              <a:t>this.dataURItoBlob</a:t>
+            </a:r>
+            <a:r>
+              <a:rPr lang="en-US" sz="1400" b="1" dirty="0"/>
+              <a:t>(</a:t>
+            </a:r>
+            <a:r>
+              <a:rPr lang="en-US" sz="1400" b="1" dirty="0" err="1"/>
+              <a:t>webcamImage.imageAsDataUrl</a:t>
+            </a:r>
+            <a:r>
+              <a:rPr lang="en-US" sz="1400" b="1" dirty="0"/>
+              <a:t>);</a:t>
+            </a:r>
+          </a:p>
+          <a:p>
+            <a:r>
+              <a:rPr lang="he-IL" sz="1400" dirty="0"/>
+              <a:t>ממיר את התמונה מ-</a:t>
+            </a:r>
+            <a:r>
+              <a:rPr lang="en-US" sz="1400" dirty="0"/>
+              <a:t> Data URI </a:t>
+            </a:r>
+            <a:r>
+              <a:rPr lang="he-IL" sz="1400" dirty="0"/>
+              <a:t>לפורמט </a:t>
+            </a:r>
+            <a:r>
+              <a:rPr lang="en-US" sz="1400" dirty="0"/>
+              <a:t>Blob </a:t>
+            </a:r>
+            <a:r>
+              <a:rPr lang="he-IL" sz="1400" dirty="0"/>
+              <a:t> ע"י שליחה לפונקציה </a:t>
+            </a:r>
+            <a:r>
+              <a:rPr lang="en-US" sz="1400" dirty="0"/>
+              <a:t> ) </a:t>
+            </a:r>
+            <a:r>
+              <a:rPr lang="en-US" sz="1400" b="1" dirty="0" err="1"/>
+              <a:t>dataURItoBlob</a:t>
+            </a:r>
+            <a:r>
+              <a:rPr lang="he-IL" sz="1400" dirty="0"/>
+              <a:t>מפורטת בהמשך)</a:t>
+            </a:r>
+          </a:p>
+          <a:p>
+            <a:r>
+              <a:rPr lang="he-IL" sz="1400" dirty="0"/>
+              <a:t>משום ש</a:t>
+            </a:r>
+            <a:r>
+              <a:rPr lang="en-US" sz="1400" dirty="0"/>
+              <a:t>Data URI </a:t>
+            </a:r>
+            <a:r>
+              <a:rPr lang="he-IL" sz="1400" dirty="0"/>
+              <a:t> הוא פורמט טקסטואלי, ויש צורך להמיר אותו לפורמט </a:t>
+            </a:r>
+            <a:r>
+              <a:rPr lang="en-US" sz="1400" dirty="0"/>
+              <a:t>Blob</a:t>
+            </a:r>
+            <a:r>
+              <a:rPr lang="he-IL" sz="1400" dirty="0"/>
+              <a:t> כדי לשלוח את התמונה לשרת.</a:t>
+            </a:r>
+          </a:p>
+          <a:p>
+            <a:r>
+              <a:rPr lang="en-US" sz="1400" b="1" dirty="0"/>
+              <a:t>const </a:t>
+            </a:r>
+            <a:r>
+              <a:rPr lang="en-US" sz="1400" b="1" dirty="0" err="1"/>
+              <a:t>imageFile</a:t>
+            </a:r>
+            <a:r>
+              <a:rPr lang="en-US" sz="1400" b="1" dirty="0"/>
+              <a:t> = new File([</a:t>
+            </a:r>
+            <a:r>
+              <a:rPr lang="en-US" sz="1400" b="1" dirty="0" err="1"/>
+              <a:t>imageBlob</a:t>
+            </a:r>
+            <a:r>
+              <a:rPr lang="en-US" sz="1400" b="1" dirty="0"/>
+              <a:t>], 'image.jpg', { type: 'image/jpeg' });</a:t>
+            </a:r>
+          </a:p>
+          <a:p>
+            <a:r>
+              <a:rPr lang="he-IL" sz="1400" dirty="0"/>
+              <a:t>יוצר אובייקט קובץ </a:t>
+            </a:r>
+            <a:r>
+              <a:rPr lang="en-US" sz="1400" dirty="0"/>
+              <a:t>(File)</a:t>
+            </a:r>
+            <a:r>
+              <a:rPr lang="he-IL" sz="1400" dirty="0"/>
+              <a:t> מה-</a:t>
+            </a:r>
+            <a:r>
+              <a:rPr lang="en-US" sz="1400" dirty="0"/>
+              <a:t>Blob </a:t>
+            </a:r>
+            <a:r>
+              <a:rPr lang="he-IL" sz="1400" dirty="0"/>
+              <a:t> שיצרנו.</a:t>
+            </a:r>
+          </a:p>
+          <a:p>
+            <a:r>
+              <a:rPr lang="en-US" sz="1400" b="1" dirty="0" err="1"/>
+              <a:t>this.faceRecognitionService.uploadImage</a:t>
+            </a:r>
+            <a:r>
+              <a:rPr lang="en-US" sz="1400" b="1" dirty="0"/>
+              <a:t>(</a:t>
+            </a:r>
+            <a:r>
+              <a:rPr lang="en-US" sz="1400" b="1" dirty="0" err="1"/>
+              <a:t>imageFile</a:t>
+            </a:r>
+            <a:r>
+              <a:rPr lang="en-US" sz="1400" b="1" dirty="0"/>
+              <a:t>).subscribe(response =&gt; {</a:t>
+            </a:r>
+          </a:p>
+          <a:p>
+            <a:r>
+              <a:rPr lang="he-IL" sz="1400" dirty="0"/>
+              <a:t>שולח את הקובץ לשרת באמצעות הסרוויס </a:t>
+            </a:r>
+            <a:r>
+              <a:rPr lang="en-US" sz="1400" dirty="0" err="1"/>
+              <a:t>FaceRecognitionService</a:t>
+            </a:r>
+            <a:r>
+              <a:rPr lang="he-IL" sz="1400" dirty="0"/>
+              <a:t> וממתין לתשובה מהשרת האם המשתמש מורשה </a:t>
+            </a:r>
+            <a:r>
+              <a:rPr lang="he-IL" sz="1400" dirty="0" err="1"/>
+              <a:t>להכנס</a:t>
+            </a:r>
+            <a:r>
+              <a:rPr lang="he-IL" sz="1400" dirty="0"/>
+              <a:t> לעריכת הנוכחות</a:t>
+            </a:r>
+          </a:p>
+          <a:p>
+            <a:r>
+              <a:rPr lang="en-US" sz="1400" b="1" dirty="0"/>
+              <a:t>if (</a:t>
+            </a:r>
+            <a:r>
+              <a:rPr lang="en-US" sz="1400" b="1" dirty="0" err="1"/>
+              <a:t>response.match</a:t>
+            </a:r>
+            <a:r>
+              <a:rPr lang="en-US" sz="1400" b="1" dirty="0"/>
+              <a:t>) {</a:t>
+            </a:r>
+            <a:endParaRPr lang="he-IL" sz="1400" b="1" dirty="0"/>
+          </a:p>
+          <a:p>
+            <a:r>
+              <a:rPr lang="he-IL" sz="1400" dirty="0"/>
+              <a:t>אם התשובה שיש התאמה והמשתמש </a:t>
+            </a:r>
+            <a:r>
+              <a:rPr lang="he-IL" sz="1400" dirty="0" err="1"/>
+              <a:t>מורשה:מראה</a:t>
+            </a:r>
+            <a:r>
+              <a:rPr lang="he-IL" sz="1400" dirty="0"/>
+              <a:t> הודעה למשתמש שהתמונה אומתה.</a:t>
+            </a:r>
+          </a:p>
+          <a:p>
+            <a:r>
+              <a:rPr lang="he-IL" sz="1400" dirty="0"/>
+              <a:t>ומנתב </a:t>
+            </a:r>
+            <a:r>
+              <a:rPr lang="he-IL" sz="1400" dirty="0" err="1"/>
+              <a:t>לקומפוננטה</a:t>
+            </a:r>
+            <a:r>
+              <a:rPr lang="he-IL" sz="1400" dirty="0"/>
+              <a:t> של עריכת הנוכחות </a:t>
+            </a:r>
+            <a:r>
+              <a:rPr lang="he-IL" sz="1400" b="1" dirty="0"/>
+              <a:t>-</a:t>
+            </a:r>
+            <a:r>
+              <a:rPr lang="en-US" sz="1400" b="1" dirty="0" err="1"/>
+              <a:t>this.router.navigate</a:t>
+            </a:r>
+            <a:r>
+              <a:rPr lang="en-US" sz="1400" b="1" dirty="0"/>
+              <a:t>(['/</a:t>
+            </a:r>
+            <a:r>
+              <a:rPr lang="en-US" sz="1400" b="1" dirty="0" err="1"/>
+              <a:t>AttendanceMarking</a:t>
+            </a:r>
+            <a:r>
+              <a:rPr lang="en-US" sz="1400" b="1" dirty="0"/>
+              <a:t>']);</a:t>
+            </a:r>
+            <a:endParaRPr lang="he-IL" sz="1400" b="1" dirty="0"/>
+          </a:p>
+          <a:p>
+            <a:r>
+              <a:rPr lang="he-IL" sz="1400" dirty="0"/>
+              <a:t>אם אין התאמה מציג הודעה למשתמש שהתמונה לא הוכרה ולא מנתב לעריכת הנוכחות.</a:t>
+            </a:r>
           </a:p>
         </p:txBody>
       </p:sp>
       <p:sp>
         <p:nvSpPr>
-          <p:cNvPr id="3" name="מציין מיקום תוכן 2">
+          <p:cNvPr id="5" name="תיבת טקסט 4">
             <a:extLst>
               <a:ext uri="{FF2B5EF4-FFF2-40B4-BE49-F238E27FC236}">
-                <a16:creationId xmlns:a16="http://schemas.microsoft.com/office/drawing/2014/main" id="{7F0067E9-0060-E6A0-F3FA-65B4A8095665}"/>
+                <a16:creationId xmlns:a16="http://schemas.microsoft.com/office/drawing/2014/main" id="{58F15F2A-A3E0-1E41-6DEF-C50E9523A42D}"/>
               </a:ext>
             </a:extLst>
           </p:cNvPr>
-          <p:cNvSpPr>
-            <a:spLocks noGrp="1"/>
-          </p:cNvSpPr>
-          <p:nvPr>
-            <p:ph idx="1"/>
-          </p:nvPr>
+          <p:cNvSpPr txBox="1"/>
+          <p:nvPr/>
         </p:nvSpPr>
-        <p:spPr/>
+        <p:spPr>
+          <a:xfrm>
+            <a:off x="4310261" y="-71515"/>
+            <a:ext cx="4109523" cy="400110"/>
+          </a:xfrm>
+          <a:prstGeom prst="rect">
+            <a:avLst/>
+          </a:prstGeom>
+          <a:noFill/>
+        </p:spPr>
         <p:txBody>
-          <a:bodyPr/>
+          <a:bodyPr wrap="square" rtlCol="1">
+            <a:spAutoFit/>
+          </a:bodyPr>
           <a:lstStyle/>
           <a:p>
-            <a:pPr marL="0" indent="0">
-              <a:buNone/>
-            </a:pPr>
-            <a:r>
-              <a:rPr lang="he-IL" dirty="0"/>
-              <a:t>כאשר סיימתי לפתח, הרצתי את האתר בסביבות שונות: </a:t>
-            </a:r>
-          </a:p>
-          <a:p>
-            <a:pPr marL="514350" indent="-514350">
-              <a:buAutoNum type="arabicPeriod"/>
-            </a:pPr>
-            <a:r>
-              <a:rPr lang="he-IL" dirty="0"/>
-              <a:t>לוקאלית</a:t>
-            </a:r>
-          </a:p>
-          <a:p>
-            <a:pPr marL="514350" indent="-514350">
-              <a:buAutoNum type="arabicPeriod"/>
-            </a:pPr>
-            <a:r>
-              <a:rPr lang="he-IL" dirty="0"/>
-              <a:t>על הענן </a:t>
-            </a:r>
-            <a:r>
-              <a:rPr lang="en-US" dirty="0"/>
-              <a:t>render</a:t>
-            </a:r>
-          </a:p>
-          <a:p>
-            <a:pPr marL="514350" indent="-514350">
-              <a:buAutoNum type="arabicPeriod"/>
-            </a:pPr>
-            <a:endParaRPr lang="en-US" dirty="0"/>
-          </a:p>
-          <a:p>
-            <a:pPr marL="0" indent="0">
-              <a:buNone/>
-            </a:pPr>
-            <a:r>
-              <a:rPr lang="he-IL" dirty="0"/>
-              <a:t>בדקתי שהמסכים עובדים כראוי, במידה והמשימה הייתה על צד קליינט, ובמידה והמשימה הייתה על צד סרבר, בדקתי שה </a:t>
-            </a:r>
-            <a:r>
-              <a:rPr lang="en-US" dirty="0" err="1"/>
-              <a:t>apis</a:t>
-            </a:r>
-            <a:r>
-              <a:rPr lang="he-IL" dirty="0"/>
-              <a:t> מגיבים כראוי באמצעות </a:t>
-            </a:r>
-            <a:r>
-              <a:rPr lang="en-US" dirty="0"/>
-              <a:t>postman</a:t>
-            </a:r>
-            <a:r>
-              <a:rPr lang="he-IL" dirty="0"/>
-              <a:t>.</a:t>
-            </a:r>
+            <a:r>
+              <a:rPr lang="en-US" sz="2000" b="1" u="sng" dirty="0">
+                <a:solidFill>
+                  <a:srgbClr val="136C75"/>
+                </a:solidFill>
+              </a:rPr>
+              <a:t>face-</a:t>
+            </a:r>
+            <a:r>
+              <a:rPr lang="en-US" sz="2000" b="1" u="sng" dirty="0" err="1">
+                <a:solidFill>
+                  <a:srgbClr val="136C75"/>
+                </a:solidFill>
+              </a:rPr>
+              <a:t>recognition.component.ts</a:t>
+            </a:r>
+            <a:endParaRPr lang="he-IL" sz="2000" b="1" u="sng" dirty="0">
+              <a:solidFill>
+                <a:srgbClr val="136C75"/>
+              </a:solidFill>
+            </a:endParaRPr>
           </a:p>
         </p:txBody>
       </p:sp>
+      <p:cxnSp>
+        <p:nvCxnSpPr>
+          <p:cNvPr id="6" name="מחבר חץ ישר 5">
+            <a:extLst>
+              <a:ext uri="{FF2B5EF4-FFF2-40B4-BE49-F238E27FC236}">
+                <a16:creationId xmlns:a16="http://schemas.microsoft.com/office/drawing/2014/main" id="{024A4B43-7563-6CA0-CDDA-583F2B9ABD1C}"/>
+              </a:ext>
+            </a:extLst>
+          </p:cNvPr>
+          <p:cNvCxnSpPr>
+            <a:cxnSpLocks/>
+          </p:cNvCxnSpPr>
+          <p:nvPr/>
+        </p:nvCxnSpPr>
+        <p:spPr>
+          <a:xfrm>
+            <a:off x="5522341" y="2795254"/>
+            <a:ext cx="1685365" cy="633746"/>
+          </a:xfrm>
+          <a:prstGeom prst="straightConnector1">
+            <a:avLst/>
+          </a:prstGeom>
+          <a:ln w="19050">
+            <a:solidFill>
+              <a:srgbClr val="136C75"/>
+            </a:solidFill>
+            <a:tailEnd type="triangle"/>
+          </a:ln>
+        </p:spPr>
+        <p:style>
+          <a:lnRef idx="1">
+            <a:schemeClr val="accent1"/>
+          </a:lnRef>
+          <a:fillRef idx="0">
+            <a:schemeClr val="accent1"/>
+          </a:fillRef>
+          <a:effectRef idx="0">
+            <a:schemeClr val="accent1"/>
+          </a:effectRef>
+          <a:fontRef idx="minor">
+            <a:schemeClr val="tx1"/>
+          </a:fontRef>
+        </p:style>
+      </p:cxnSp>
     </p:spTree>
     <p:extLst>
       <p:ext uri="{BB962C8B-B14F-4D97-AF65-F5344CB8AC3E}">
-        <p14:creationId xmlns:p14="http://schemas.microsoft.com/office/powerpoint/2010/main" val="3953025620"/>
+        <p14:creationId xmlns:p14="http://schemas.microsoft.com/office/powerpoint/2010/main" val="1546305470"/>
       </p:ext>
     </p:extLst>
   </p:cSld>
@@ -22636,96 +23502,724 @@
           <a:chExt cx="0" cy="0"/>
         </a:xfrm>
       </p:grpSpPr>
+      <p:pic>
+        <p:nvPicPr>
+          <p:cNvPr id="5" name="תמונה 4">
+            <a:extLst>
+              <a:ext uri="{FF2B5EF4-FFF2-40B4-BE49-F238E27FC236}">
+                <a16:creationId xmlns:a16="http://schemas.microsoft.com/office/drawing/2014/main" id="{60A29E43-4ADD-91BF-4D35-29570232C12F}"/>
+              </a:ext>
+            </a:extLst>
+          </p:cNvPr>
+          <p:cNvPicPr>
+            <a:picLocks noChangeAspect="1"/>
+          </p:cNvPicPr>
+          <p:nvPr/>
+        </p:nvPicPr>
+        <p:blipFill>
+          <a:blip r:embed="rId2"/>
+          <a:stretch>
+            <a:fillRect/>
+          </a:stretch>
+        </p:blipFill>
+        <p:spPr>
+          <a:xfrm>
+            <a:off x="101268" y="5329021"/>
+            <a:ext cx="6078072" cy="1254205"/>
+          </a:xfrm>
+          <a:prstGeom prst="rect">
+            <a:avLst/>
+          </a:prstGeom>
+          <a:ln w="28575">
+            <a:solidFill>
+              <a:srgbClr val="136C75"/>
+            </a:solidFill>
+          </a:ln>
+        </p:spPr>
+      </p:pic>
       <p:sp>
         <p:nvSpPr>
-          <p:cNvPr id="2" name="כותרת 1">
+          <p:cNvPr id="7" name="תיבת טקסט 6">
             <a:extLst>
               <a:ext uri="{FF2B5EF4-FFF2-40B4-BE49-F238E27FC236}">
-                <a16:creationId xmlns:a16="http://schemas.microsoft.com/office/drawing/2014/main" id="{DCB29C97-537B-BAA7-E8D3-1724B3A95593}"/>
+                <a16:creationId xmlns:a16="http://schemas.microsoft.com/office/drawing/2014/main" id="{23E92165-A007-21FE-16D0-D4DE30C4F1E4}"/>
               </a:ext>
             </a:extLst>
           </p:cNvPr>
-          <p:cNvSpPr>
-            <a:spLocks noGrp="1"/>
-          </p:cNvSpPr>
-          <p:nvPr>
-            <p:ph type="title"/>
-          </p:nvPr>
+          <p:cNvSpPr txBox="1"/>
+          <p:nvPr/>
         </p:nvSpPr>
-        <p:spPr/>
+        <p:spPr>
+          <a:xfrm>
+            <a:off x="2151529" y="61763"/>
+            <a:ext cx="6096000" cy="461665"/>
+          </a:xfrm>
+          <a:prstGeom prst="rect">
+            <a:avLst/>
+          </a:prstGeom>
+          <a:noFill/>
+        </p:spPr>
         <p:txBody>
-          <a:bodyPr/>
+          <a:bodyPr wrap="square">
+            <a:spAutoFit/>
+          </a:bodyPr>
           <a:lstStyle/>
           <a:p>
             <a:r>
-              <a:rPr lang="he-IL" dirty="0">
-                <a:solidFill>
-                  <a:schemeClr val="tx2">
-                    <a:lumMod val="60000"/>
-                    <a:lumOff val="40000"/>
-                  </a:schemeClr>
-                </a:solidFill>
-                <a:cs typeface="+mn-cs"/>
-              </a:rPr>
-              <a:t>שלב ו': הטמעה ותמיכה</a:t>
-            </a:r>
-            <a:endParaRPr lang="he-IL" dirty="0"/>
+              <a:rPr lang="en-US" sz="2400" b="1" u="sng" dirty="0">
+                <a:solidFill>
+                  <a:srgbClr val="136C75"/>
+                </a:solidFill>
+              </a:rPr>
+              <a:t>face-</a:t>
+            </a:r>
+            <a:r>
+              <a:rPr lang="en-US" sz="2400" b="1" u="sng" dirty="0" err="1">
+                <a:solidFill>
+                  <a:srgbClr val="136C75"/>
+                </a:solidFill>
+              </a:rPr>
+              <a:t>recognition.component.ts</a:t>
+            </a:r>
+            <a:endParaRPr lang="he-IL" sz="2400" b="1" u="sng" dirty="0">
+              <a:solidFill>
+                <a:srgbClr val="136C75"/>
+              </a:solidFill>
+            </a:endParaRPr>
           </a:p>
         </p:txBody>
       </p:sp>
       <p:sp>
         <p:nvSpPr>
-          <p:cNvPr id="3" name="מציין מיקום תוכן 2">
+          <p:cNvPr id="8" name="תיבת טקסט 7">
             <a:extLst>
               <a:ext uri="{FF2B5EF4-FFF2-40B4-BE49-F238E27FC236}">
-                <a16:creationId xmlns:a16="http://schemas.microsoft.com/office/drawing/2014/main" id="{0AD31759-6B4E-995B-DF18-43BF74A7B826}"/>
+                <a16:creationId xmlns:a16="http://schemas.microsoft.com/office/drawing/2014/main" id="{EB6B8F8D-241A-619B-23C8-2E021143DF35}"/>
               </a:ext>
             </a:extLst>
           </p:cNvPr>
-          <p:cNvSpPr>
-            <a:spLocks noGrp="1"/>
-          </p:cNvSpPr>
-          <p:nvPr>
-            <p:ph idx="1"/>
-          </p:nvPr>
+          <p:cNvSpPr txBox="1"/>
+          <p:nvPr/>
         </p:nvSpPr>
-        <p:spPr/>
+        <p:spPr>
+          <a:xfrm>
+            <a:off x="5988422" y="684893"/>
+            <a:ext cx="6078071" cy="4370427"/>
+          </a:xfrm>
+          <a:prstGeom prst="rect">
+            <a:avLst/>
+          </a:prstGeom>
+          <a:noFill/>
+          <a:ln w="19050">
+            <a:solidFill>
+              <a:srgbClr val="136C75"/>
+            </a:solidFill>
+          </a:ln>
+        </p:spPr>
         <p:txBody>
-          <a:bodyPr/>
+          <a:bodyPr wrap="square" rtlCol="1">
+            <a:spAutoFit/>
+          </a:bodyPr>
           <a:lstStyle/>
           <a:p>
-            <a:pPr marL="0" indent="0">
-              <a:buNone/>
-            </a:pPr>
-            <a:r>
-              <a:rPr lang="he-IL" dirty="0"/>
-              <a:t>בסיום כל ספרינט נערך דמו ללקוח, בסביבת ענן.</a:t>
-            </a:r>
-          </a:p>
-          <a:p>
-            <a:pPr marL="0" indent="0">
-              <a:buNone/>
-            </a:pPr>
-            <a:r>
-              <a:rPr lang="he-IL" dirty="0"/>
-              <a:t>אנשי הקשר של הלקוח קבלו את הלינק לאתר להכרות עם המערכת ונתינת פידבק לשינויים נדרשים בספרינטים הבאים.</a:t>
-            </a:r>
-          </a:p>
-          <a:p>
-            <a:pPr marL="0" indent="0">
-              <a:buNone/>
-            </a:pPr>
-            <a:r>
-              <a:rPr lang="he-IL" dirty="0"/>
-              <a:t>בעתיד הצוותות הבאים יפעילו את המערכת בענן חזק יותר ויטמיעו את המערכת באגף לשימוש יומיומי.</a:t>
-            </a:r>
+            <a:pPr rtl="0"/>
+            <a:r>
+              <a:rPr lang="en-US" sz="1600" b="1" u="sng" dirty="0" err="1"/>
+              <a:t>dataURItoBlob</a:t>
+            </a:r>
+            <a:r>
+              <a:rPr lang="en-US" sz="1600" b="1" u="sng" dirty="0"/>
+              <a:t>()</a:t>
+            </a:r>
+            <a:r>
+              <a:rPr lang="he-IL" sz="1600" b="1" u="sng" dirty="0"/>
+              <a:t> הפונקציה </a:t>
+            </a:r>
+          </a:p>
+          <a:p>
+            <a:r>
+              <a:rPr lang="he-IL" sz="1400" dirty="0"/>
+              <a:t>הפונקציה ממירה תמונה מקודדת בפורמט </a:t>
+            </a:r>
+            <a:r>
+              <a:rPr lang="en-US" sz="1400" dirty="0"/>
+              <a:t> Data URI</a:t>
+            </a:r>
+            <a:r>
+              <a:rPr lang="he-IL" sz="1400" dirty="0"/>
+              <a:t>לפורמט </a:t>
+            </a:r>
+            <a:r>
+              <a:rPr lang="en-US" sz="1400" dirty="0"/>
+              <a:t>Blob</a:t>
+            </a:r>
+          </a:p>
+          <a:p>
+            <a:r>
+              <a:rPr lang="en-US" sz="1400" b="1" dirty="0"/>
+              <a:t> const </a:t>
+            </a:r>
+            <a:r>
+              <a:rPr lang="en-US" sz="1400" b="1" dirty="0" err="1"/>
+              <a:t>byteString</a:t>
+            </a:r>
+            <a:r>
+              <a:rPr lang="en-US" sz="1400" b="1" dirty="0"/>
+              <a:t> = </a:t>
+            </a:r>
+            <a:r>
+              <a:rPr lang="en-US" sz="1400" b="1" dirty="0" err="1"/>
+              <a:t>window.atob</a:t>
+            </a:r>
+            <a:r>
+              <a:rPr lang="en-US" sz="1400" b="1" dirty="0"/>
+              <a:t>(</a:t>
+            </a:r>
+            <a:r>
+              <a:rPr lang="en-US" sz="1400" b="1" dirty="0" err="1"/>
+              <a:t>dataURI.split</a:t>
+            </a:r>
+            <a:r>
+              <a:rPr lang="en-US" sz="1400" b="1" dirty="0"/>
+              <a:t>(',')[1]);</a:t>
+            </a:r>
+          </a:p>
+          <a:p>
+            <a:r>
+              <a:rPr lang="en-US" sz="1200" b="1" dirty="0" err="1"/>
+              <a:t>dataURI.split</a:t>
+            </a:r>
+            <a:r>
+              <a:rPr lang="en-US" sz="1200" b="1" dirty="0"/>
+              <a:t>(',')[1]</a:t>
+            </a:r>
+            <a:r>
+              <a:rPr lang="he-IL" sz="1200" b="1" dirty="0"/>
+              <a:t>-</a:t>
+            </a:r>
+            <a:r>
+              <a:rPr lang="he-IL" sz="1200" dirty="0"/>
+              <a:t> מחלץ את החלק השני של ה-</a:t>
+            </a:r>
+            <a:r>
+              <a:rPr lang="en-US" sz="1200" dirty="0"/>
+              <a:t> Data URI</a:t>
+            </a:r>
+            <a:r>
+              <a:rPr lang="he-IL" sz="1200" dirty="0"/>
+              <a:t>שהוא הנתונים </a:t>
+            </a:r>
+          </a:p>
+          <a:p>
+            <a:r>
+              <a:rPr lang="en-US" sz="1200" b="1" dirty="0" err="1"/>
+              <a:t>window.atob</a:t>
+            </a:r>
+            <a:r>
+              <a:rPr lang="he-IL" sz="1200" b="1" dirty="0"/>
+              <a:t>-</a:t>
+            </a:r>
+            <a:r>
+              <a:rPr lang="he-IL" sz="1200" dirty="0"/>
+              <a:t> ממיר את הנתונים מקידוד </a:t>
+            </a:r>
+            <a:r>
+              <a:rPr lang="en-US" sz="1200" dirty="0"/>
+              <a:t>Base64</a:t>
+            </a:r>
+            <a:r>
+              <a:rPr lang="he-IL" sz="1200" dirty="0"/>
+              <a:t> לפורמט בינארי </a:t>
+            </a:r>
+          </a:p>
+          <a:p>
+            <a:r>
+              <a:rPr lang="en-US" sz="1400" b="1" dirty="0"/>
+              <a:t>const </a:t>
+            </a:r>
+            <a:r>
+              <a:rPr lang="en-US" sz="1400" b="1" dirty="0" err="1"/>
+              <a:t>arrayBuffer</a:t>
+            </a:r>
+            <a:r>
+              <a:rPr lang="en-US" sz="1400" b="1" dirty="0"/>
+              <a:t> = new </a:t>
+            </a:r>
+            <a:r>
+              <a:rPr lang="en-US" sz="1400" b="1" dirty="0" err="1"/>
+              <a:t>ArrayBuffer</a:t>
+            </a:r>
+            <a:r>
+              <a:rPr lang="en-US" sz="1400" b="1" dirty="0"/>
+              <a:t>(</a:t>
+            </a:r>
+            <a:r>
+              <a:rPr lang="en-US" sz="1400" b="1" dirty="0" err="1"/>
+              <a:t>byteString.length</a:t>
+            </a:r>
+            <a:r>
+              <a:rPr lang="en-US" sz="1400" b="1" dirty="0"/>
+              <a:t>);</a:t>
+            </a:r>
+            <a:endParaRPr lang="he-IL" sz="1400" b="1" dirty="0"/>
+          </a:p>
+          <a:p>
+            <a:r>
+              <a:rPr lang="he-IL" sz="1400" dirty="0"/>
+              <a:t>יוצר אזור זיכרון בגודל של </a:t>
+            </a:r>
+            <a:r>
+              <a:rPr lang="he-IL" sz="1400" dirty="0" err="1"/>
+              <a:t>הבייטים</a:t>
+            </a:r>
+            <a:r>
+              <a:rPr lang="he-IL" sz="1400" dirty="0"/>
+              <a:t> שהתקבלו מ </a:t>
+            </a:r>
+            <a:r>
+              <a:rPr lang="en-US" sz="1400" dirty="0"/>
+              <a:t> </a:t>
+            </a:r>
+            <a:r>
+              <a:rPr lang="en-US" sz="1400" dirty="0" err="1"/>
+              <a:t>byteString</a:t>
+            </a:r>
+            <a:endParaRPr lang="en-US" sz="1400" dirty="0"/>
+          </a:p>
+          <a:p>
+            <a:r>
+              <a:rPr lang="en-US" sz="1400" dirty="0" err="1"/>
+              <a:t>ArrayBuffer</a:t>
+            </a:r>
+            <a:r>
+              <a:rPr lang="he-IL" sz="1400" dirty="0"/>
+              <a:t> הוא מבנה זיכרון של נתונים בינאריים גולמיים.</a:t>
+            </a:r>
+          </a:p>
+          <a:p>
+            <a:r>
+              <a:rPr lang="en-US" sz="1400" b="1" dirty="0"/>
+              <a:t>const </a:t>
+            </a:r>
+            <a:r>
+              <a:rPr lang="en-US" sz="1400" b="1" dirty="0" err="1"/>
+              <a:t>intArray</a:t>
+            </a:r>
+            <a:r>
+              <a:rPr lang="en-US" sz="1400" b="1" dirty="0"/>
+              <a:t> = new Uint8Array(</a:t>
+            </a:r>
+            <a:r>
+              <a:rPr lang="en-US" sz="1400" b="1" dirty="0" err="1"/>
+              <a:t>arrayBuffer</a:t>
+            </a:r>
+            <a:r>
+              <a:rPr lang="en-US" sz="1400" b="1" dirty="0"/>
+              <a:t>);</a:t>
+            </a:r>
+          </a:p>
+          <a:p>
+            <a:r>
+              <a:rPr lang="he-IL" sz="1400" dirty="0"/>
+              <a:t>יוצר מערך המתייחס ל-</a:t>
+            </a:r>
+            <a:r>
+              <a:rPr lang="en-US" sz="1400" dirty="0"/>
+              <a:t> </a:t>
+            </a:r>
+            <a:r>
+              <a:rPr lang="en-US" sz="1400" dirty="0" err="1"/>
+              <a:t>arrayBuffer</a:t>
+            </a:r>
+            <a:r>
+              <a:rPr lang="he-IL" sz="1400" dirty="0"/>
+              <a:t> שנוצר</a:t>
+            </a:r>
+          </a:p>
+          <a:p>
+            <a:r>
+              <a:rPr lang="en-US" sz="1400" dirty="0"/>
+              <a:t>Uint8Array</a:t>
+            </a:r>
+            <a:r>
+              <a:rPr lang="he-IL" sz="1400" dirty="0"/>
+              <a:t> הוא סוג של מערך המאפשר גישה ולתפעל נתונים בינאריים</a:t>
+            </a:r>
+          </a:p>
+          <a:p>
+            <a:r>
+              <a:rPr lang="he-IL" sz="1400" dirty="0"/>
+              <a:t>בתצורת </a:t>
+            </a:r>
+            <a:r>
+              <a:rPr lang="en-US" sz="1400" dirty="0" err="1"/>
+              <a:t>ArrayBuffer</a:t>
+            </a:r>
+            <a:r>
+              <a:rPr lang="he-IL" sz="1400" dirty="0"/>
+              <a:t> .</a:t>
+            </a:r>
+          </a:p>
+          <a:p>
+            <a:r>
+              <a:rPr lang="nn-NO" sz="1400" b="1" dirty="0"/>
+              <a:t>for (let i = 0; i &lt; byteString.length; i++) </a:t>
+            </a:r>
+            <a:endParaRPr lang="he-IL" sz="1400" b="1" dirty="0"/>
+          </a:p>
+          <a:p>
+            <a:r>
+              <a:rPr lang="nn-NO" sz="1400" b="1" dirty="0"/>
+              <a:t>{ intArray[i] = byteString.charCodeAt(i); }</a:t>
+            </a:r>
+            <a:endParaRPr lang="he-IL" sz="1400" b="1" dirty="0"/>
+          </a:p>
+          <a:p>
+            <a:r>
+              <a:rPr lang="he-IL" sz="1400" dirty="0"/>
+              <a:t>הלולאה</a:t>
+            </a:r>
+            <a:r>
+              <a:rPr lang="he-IL" sz="1400" b="1" dirty="0"/>
+              <a:t> </a:t>
+            </a:r>
+            <a:r>
+              <a:rPr lang="he-IL" sz="1400" dirty="0"/>
+              <a:t>מעתיקה כל בייט מתוך ה-</a:t>
+            </a:r>
+            <a:r>
+              <a:rPr lang="en-US" sz="1400" dirty="0"/>
+              <a:t> </a:t>
+            </a:r>
+            <a:r>
+              <a:rPr lang="en-US" sz="1400" dirty="0" err="1"/>
+              <a:t>byteString</a:t>
+            </a:r>
+            <a:r>
+              <a:rPr lang="he-IL" sz="1400" dirty="0"/>
+              <a:t> לתוך המערך </a:t>
+            </a:r>
+            <a:r>
+              <a:rPr lang="en-US" sz="1400" dirty="0" err="1"/>
+              <a:t>intArray</a:t>
+            </a:r>
+            <a:endParaRPr lang="en-US" sz="1400" dirty="0"/>
+          </a:p>
+          <a:p>
+            <a:r>
+              <a:rPr lang="he-IL" sz="1400" dirty="0"/>
+              <a:t>כך שהמערך</a:t>
+            </a:r>
+            <a:r>
+              <a:rPr lang="en-US" sz="1400" dirty="0"/>
+              <a:t> </a:t>
+            </a:r>
+            <a:r>
+              <a:rPr lang="en-US" sz="1400" dirty="0" err="1"/>
+              <a:t>intArray</a:t>
+            </a:r>
+            <a:r>
+              <a:rPr lang="en-US" sz="1400" dirty="0"/>
+              <a:t> </a:t>
+            </a:r>
+            <a:r>
+              <a:rPr lang="he-IL" sz="1400" dirty="0"/>
+              <a:t>מלא בנתונים הבינאריים של התמונה, המוכנים להמרה ל-</a:t>
+            </a:r>
+            <a:r>
+              <a:rPr lang="en-US" sz="1400" dirty="0"/>
+              <a:t> Blob</a:t>
+            </a:r>
+            <a:endParaRPr lang="he-IL" sz="1400" dirty="0"/>
+          </a:p>
+          <a:p>
+            <a:r>
+              <a:rPr lang="en-US" sz="1400" b="1" dirty="0"/>
+              <a:t>return new Blob([</a:t>
+            </a:r>
+            <a:r>
+              <a:rPr lang="en-US" sz="1400" b="1" dirty="0" err="1"/>
+              <a:t>intArray</a:t>
+            </a:r>
+            <a:r>
+              <a:rPr lang="en-US" sz="1400" b="1" dirty="0"/>
+              <a:t>], { type: 'image/jpeg' });</a:t>
+            </a:r>
+          </a:p>
+          <a:p>
+            <a:r>
+              <a:rPr lang="he-IL" sz="1400" dirty="0"/>
+              <a:t>יוצר אובייקט </a:t>
+            </a:r>
+            <a:r>
+              <a:rPr lang="en-US" sz="1400" dirty="0"/>
+              <a:t> Blob</a:t>
+            </a:r>
+            <a:r>
+              <a:rPr lang="he-IL" sz="1400" dirty="0"/>
+              <a:t> מהנתונים במערך </a:t>
+            </a:r>
+            <a:r>
+              <a:rPr lang="en-US" sz="1400" dirty="0" err="1"/>
+              <a:t>intArray</a:t>
+            </a:r>
+            <a:endParaRPr lang="he-IL" sz="1400" dirty="0"/>
+          </a:p>
+          <a:p>
+            <a:r>
+              <a:rPr lang="he-IL" sz="1400" dirty="0"/>
+              <a:t>הפרמטר </a:t>
+            </a:r>
+            <a:r>
+              <a:rPr lang="en-US" sz="1400" dirty="0"/>
+              <a:t>type</a:t>
+            </a:r>
+            <a:r>
+              <a:rPr lang="he-IL" sz="1400" dirty="0"/>
+              <a:t> קובע את סוג הקובץ במקרה זה </a:t>
+            </a:r>
+            <a:r>
+              <a:rPr lang="en-US" sz="1400" dirty="0"/>
+              <a:t>jpeg</a:t>
+            </a:r>
+            <a:endParaRPr lang="he-IL" sz="1400" dirty="0"/>
+          </a:p>
+          <a:p>
+            <a:r>
+              <a:rPr lang="he-IL" sz="1400" dirty="0"/>
+              <a:t>הפונקציה מחזירה אובייקט </a:t>
+            </a:r>
+            <a:r>
+              <a:rPr lang="en-US" sz="1400" dirty="0"/>
+              <a:t>Blob</a:t>
+            </a:r>
+            <a:r>
+              <a:rPr lang="he-IL" sz="1400" dirty="0"/>
+              <a:t> המכיל את התמונה בפורמט שניתן לשלוח לשרת.</a:t>
+            </a:r>
+            <a:endParaRPr lang="he-IL" sz="1400" b="1" dirty="0"/>
           </a:p>
         </p:txBody>
       </p:sp>
+      <p:pic>
+        <p:nvPicPr>
+          <p:cNvPr id="3" name="תמונה 2">
+            <a:extLst>
+              <a:ext uri="{FF2B5EF4-FFF2-40B4-BE49-F238E27FC236}">
+                <a16:creationId xmlns:a16="http://schemas.microsoft.com/office/drawing/2014/main" id="{D130F9B8-8F9E-43E7-1FF3-F0032CE5E374}"/>
+              </a:ext>
+            </a:extLst>
+          </p:cNvPr>
+          <p:cNvPicPr>
+            <a:picLocks noChangeAspect="1"/>
+          </p:cNvPicPr>
+          <p:nvPr/>
+        </p:nvPicPr>
+        <p:blipFill>
+          <a:blip r:embed="rId3"/>
+          <a:stretch>
+            <a:fillRect/>
+          </a:stretch>
+        </p:blipFill>
+        <p:spPr>
+          <a:xfrm>
+            <a:off x="197224" y="1066799"/>
+            <a:ext cx="6671857" cy="2743201"/>
+          </a:xfrm>
+          <a:prstGeom prst="rect">
+            <a:avLst/>
+          </a:prstGeom>
+          <a:ln w="19050">
+            <a:solidFill>
+              <a:srgbClr val="136C75"/>
+            </a:solidFill>
+          </a:ln>
+        </p:spPr>
+      </p:pic>
+      <p:sp>
+        <p:nvSpPr>
+          <p:cNvPr id="10" name="תיבת טקסט 9">
+            <a:extLst>
+              <a:ext uri="{FF2B5EF4-FFF2-40B4-BE49-F238E27FC236}">
+                <a16:creationId xmlns:a16="http://schemas.microsoft.com/office/drawing/2014/main" id="{F78F41C9-BD0E-9211-F25C-88A107B52B97}"/>
+              </a:ext>
+            </a:extLst>
+          </p:cNvPr>
+          <p:cNvSpPr txBox="1"/>
+          <p:nvPr/>
+        </p:nvSpPr>
+        <p:spPr>
+          <a:xfrm>
+            <a:off x="6494548" y="5329021"/>
+            <a:ext cx="5482299" cy="984885"/>
+          </a:xfrm>
+          <a:prstGeom prst="rect">
+            <a:avLst/>
+          </a:prstGeom>
+          <a:noFill/>
+          <a:ln w="19050">
+            <a:solidFill>
+              <a:srgbClr val="136C75"/>
+            </a:solidFill>
+          </a:ln>
+        </p:spPr>
+        <p:txBody>
+          <a:bodyPr wrap="square" rtlCol="1">
+            <a:spAutoFit/>
+          </a:bodyPr>
+          <a:lstStyle/>
+          <a:p>
+            <a:pPr rtl="0"/>
+            <a:r>
+              <a:rPr lang="en-US" sz="1600" b="1" u="sng" dirty="0" err="1"/>
+              <a:t>triggerObservable</a:t>
+            </a:r>
+            <a:r>
+              <a:rPr lang="en-US" sz="1600" b="1" u="sng" dirty="0"/>
+              <a:t>()</a:t>
+            </a:r>
+            <a:r>
+              <a:rPr lang="he-IL" sz="1600" b="1" u="sng" dirty="0"/>
+              <a:t> הפונקציה </a:t>
+            </a:r>
+          </a:p>
+          <a:p>
+            <a:r>
+              <a:rPr lang="he-IL" sz="1400" dirty="0"/>
+              <a:t>מחזירה </a:t>
+            </a:r>
+            <a:r>
+              <a:rPr lang="en-US" sz="1400" dirty="0"/>
+              <a:t>Observable</a:t>
+            </a:r>
+            <a:r>
+              <a:rPr lang="he-IL" sz="1400" dirty="0"/>
+              <a:t> עבור ה-</a:t>
+            </a:r>
+            <a:r>
+              <a:rPr lang="en-US" sz="1400" dirty="0"/>
+              <a:t> triggering</a:t>
+            </a:r>
+            <a:r>
+              <a:rPr lang="he-IL" sz="1400" dirty="0"/>
+              <a:t>של צילום התמונה.</a:t>
+            </a:r>
+            <a:endParaRPr lang="en-US" sz="1400" dirty="0"/>
+          </a:p>
+          <a:p>
+            <a:r>
+              <a:rPr lang="he-IL" sz="1400" dirty="0"/>
+              <a:t>ה-</a:t>
+            </a:r>
+            <a:r>
+              <a:rPr lang="en-US" sz="1400" dirty="0"/>
+              <a:t>  Observable </a:t>
+            </a:r>
+            <a:r>
+              <a:rPr lang="he-IL" sz="1400" dirty="0"/>
+              <a:t>מאפשר למנויים לקבל את האירועים כאשר המשתמש</a:t>
+            </a:r>
+          </a:p>
+          <a:p>
+            <a:r>
+              <a:rPr lang="he-IL" sz="1400" dirty="0"/>
+              <a:t> מבצע פעולת צילום.</a:t>
+            </a:r>
+          </a:p>
+        </p:txBody>
+      </p:sp>
+      <p:cxnSp>
+        <p:nvCxnSpPr>
+          <p:cNvPr id="11" name="מחבר חץ ישר 10">
+            <a:extLst>
+              <a:ext uri="{FF2B5EF4-FFF2-40B4-BE49-F238E27FC236}">
+                <a16:creationId xmlns:a16="http://schemas.microsoft.com/office/drawing/2014/main" id="{61A1B974-FDF8-CE0E-96DF-B67C77BA8052}"/>
+              </a:ext>
+            </a:extLst>
+          </p:cNvPr>
+          <p:cNvCxnSpPr>
+            <a:cxnSpLocks/>
+          </p:cNvCxnSpPr>
+          <p:nvPr/>
+        </p:nvCxnSpPr>
+        <p:spPr>
+          <a:xfrm flipV="1">
+            <a:off x="5683624" y="904141"/>
+            <a:ext cx="1775011" cy="1080524"/>
+          </a:xfrm>
+          <a:prstGeom prst="straightConnector1">
+            <a:avLst/>
+          </a:prstGeom>
+          <a:ln w="19050">
+            <a:solidFill>
+              <a:srgbClr val="136C75"/>
+            </a:solidFill>
+            <a:tailEnd type="triangle"/>
+          </a:ln>
+        </p:spPr>
+        <p:style>
+          <a:lnRef idx="1">
+            <a:schemeClr val="accent1"/>
+          </a:lnRef>
+          <a:fillRef idx="0">
+            <a:schemeClr val="accent1"/>
+          </a:fillRef>
+          <a:effectRef idx="0">
+            <a:schemeClr val="accent1"/>
+          </a:effectRef>
+          <a:fontRef idx="minor">
+            <a:schemeClr val="tx1"/>
+          </a:fontRef>
+        </p:style>
+      </p:cxnSp>
+      <p:cxnSp>
+        <p:nvCxnSpPr>
+          <p:cNvPr id="14" name="מחבר חץ ישר 13">
+            <a:extLst>
+              <a:ext uri="{FF2B5EF4-FFF2-40B4-BE49-F238E27FC236}">
+                <a16:creationId xmlns:a16="http://schemas.microsoft.com/office/drawing/2014/main" id="{709D6D41-BB6C-40AA-B853-1D002C4EB4A9}"/>
+              </a:ext>
+            </a:extLst>
+          </p:cNvPr>
+          <p:cNvCxnSpPr>
+            <a:cxnSpLocks/>
+          </p:cNvCxnSpPr>
+          <p:nvPr/>
+        </p:nvCxnSpPr>
+        <p:spPr>
+          <a:xfrm flipV="1">
+            <a:off x="5838187" y="5516985"/>
+            <a:ext cx="1133427" cy="454696"/>
+          </a:xfrm>
+          <a:prstGeom prst="straightConnector1">
+            <a:avLst/>
+          </a:prstGeom>
+          <a:ln w="19050">
+            <a:solidFill>
+              <a:srgbClr val="136C75"/>
+            </a:solidFill>
+            <a:tailEnd type="triangle"/>
+          </a:ln>
+        </p:spPr>
+        <p:style>
+          <a:lnRef idx="1">
+            <a:schemeClr val="accent1"/>
+          </a:lnRef>
+          <a:fillRef idx="0">
+            <a:schemeClr val="accent1"/>
+          </a:fillRef>
+          <a:effectRef idx="0">
+            <a:schemeClr val="accent1"/>
+          </a:effectRef>
+          <a:fontRef idx="minor">
+            <a:schemeClr val="tx1"/>
+          </a:fontRef>
+        </p:style>
+      </p:cxnSp>
     </p:spTree>
     <p:extLst>
       <p:ext uri="{BB962C8B-B14F-4D97-AF65-F5344CB8AC3E}">
-        <p14:creationId xmlns:p14="http://schemas.microsoft.com/office/powerpoint/2010/main" val="1792001777"/>
+        <p14:creationId xmlns:p14="http://schemas.microsoft.com/office/powerpoint/2010/main" val="3753852867"/>
       </p:ext>
     </p:extLst>
   </p:cSld>
@@ -22754,6 +24248,1778 @@
       </p:grpSpPr>
       <p:sp>
         <p:nvSpPr>
+          <p:cNvPr id="4" name="תיבת טקסט 3">
+            <a:extLst>
+              <a:ext uri="{FF2B5EF4-FFF2-40B4-BE49-F238E27FC236}">
+                <a16:creationId xmlns:a16="http://schemas.microsoft.com/office/drawing/2014/main" id="{458029B6-AC05-E39D-57C4-5AF8BF791CAD}"/>
+              </a:ext>
+            </a:extLst>
+          </p:cNvPr>
+          <p:cNvSpPr txBox="1"/>
+          <p:nvPr/>
+        </p:nvSpPr>
+        <p:spPr>
+          <a:xfrm>
+            <a:off x="4247705" y="378830"/>
+            <a:ext cx="3696589" cy="461665"/>
+          </a:xfrm>
+          <a:prstGeom prst="rect">
+            <a:avLst/>
+          </a:prstGeom>
+          <a:noFill/>
+        </p:spPr>
+        <p:txBody>
+          <a:bodyPr wrap="none" rtlCol="1">
+            <a:spAutoFit/>
+          </a:bodyPr>
+          <a:lstStyle/>
+          <a:p>
+            <a:r>
+              <a:rPr lang="en-US" sz="2400" b="1" u="sng" dirty="0">
+                <a:solidFill>
+                  <a:srgbClr val="136C75"/>
+                </a:solidFill>
+              </a:rPr>
+              <a:t>face-</a:t>
+            </a:r>
+            <a:r>
+              <a:rPr lang="en-US" sz="2400" b="1" u="sng" dirty="0" err="1">
+                <a:solidFill>
+                  <a:srgbClr val="136C75"/>
+                </a:solidFill>
+              </a:rPr>
+              <a:t>recognition.service.ts</a:t>
+            </a:r>
+            <a:r>
+              <a:rPr lang="en-US" sz="2400" b="1" u="sng" dirty="0">
+                <a:solidFill>
+                  <a:srgbClr val="136C75"/>
+                </a:solidFill>
+              </a:rPr>
+              <a:t> :</a:t>
+            </a:r>
+            <a:endParaRPr lang="he-IL" sz="2400" b="1" u="sng" dirty="0">
+              <a:solidFill>
+                <a:srgbClr val="136C75"/>
+              </a:solidFill>
+            </a:endParaRPr>
+          </a:p>
+        </p:txBody>
+      </p:sp>
+      <p:sp>
+        <p:nvSpPr>
+          <p:cNvPr id="5" name="תיבת טקסט 4">
+            <a:extLst>
+              <a:ext uri="{FF2B5EF4-FFF2-40B4-BE49-F238E27FC236}">
+                <a16:creationId xmlns:a16="http://schemas.microsoft.com/office/drawing/2014/main" id="{1C45F235-B5CD-7081-8ADC-6BC44D4C460D}"/>
+              </a:ext>
+            </a:extLst>
+          </p:cNvPr>
+          <p:cNvSpPr txBox="1"/>
+          <p:nvPr/>
+        </p:nvSpPr>
+        <p:spPr>
+          <a:xfrm>
+            <a:off x="963462" y="1021977"/>
+            <a:ext cx="10265074" cy="646331"/>
+          </a:xfrm>
+          <a:prstGeom prst="rect">
+            <a:avLst/>
+          </a:prstGeom>
+          <a:noFill/>
+          <a:ln w="19050">
+            <a:solidFill>
+              <a:srgbClr val="136C75"/>
+            </a:solidFill>
+          </a:ln>
+        </p:spPr>
+        <p:txBody>
+          <a:bodyPr wrap="square" rtlCol="1">
+            <a:spAutoFit/>
+          </a:bodyPr>
+          <a:lstStyle/>
+          <a:p>
+            <a:r>
+              <a:rPr lang="he-IL" dirty="0"/>
+              <a:t>ה</a:t>
+            </a:r>
+            <a:r>
+              <a:rPr lang="en-US" dirty="0"/>
+              <a:t>  </a:t>
+            </a:r>
+            <a:r>
+              <a:rPr lang="en-US" dirty="0" err="1"/>
+              <a:t>FaceRecognitionService</a:t>
+            </a:r>
+            <a:r>
+              <a:rPr lang="en-US" dirty="0"/>
+              <a:t> service-</a:t>
+            </a:r>
+            <a:r>
+              <a:rPr lang="he-IL" dirty="0"/>
+              <a:t>אחראי על שליחת קובץ תמונה לשרת לצורך זיהוי פנים. </a:t>
+            </a:r>
+          </a:p>
+          <a:p>
+            <a:r>
+              <a:rPr lang="he-IL" dirty="0"/>
+              <a:t>הוא עושה זאת על ידי יצירת בקשת </a:t>
+            </a:r>
+            <a:r>
+              <a:rPr lang="en-US" dirty="0"/>
+              <a:t>POST</a:t>
+            </a:r>
+            <a:r>
+              <a:rPr lang="he-IL" dirty="0"/>
+              <a:t> עם התמונה שנשלחת כ-</a:t>
+            </a:r>
+            <a:r>
+              <a:rPr lang="en-US" dirty="0" err="1"/>
+              <a:t>FormData</a:t>
+            </a:r>
+            <a:r>
+              <a:rPr lang="he-IL" dirty="0"/>
+              <a:t> ולאחר מכן טיפול בתשובה מהשרת.</a:t>
+            </a:r>
+          </a:p>
+        </p:txBody>
+      </p:sp>
+      <p:sp>
+        <p:nvSpPr>
+          <p:cNvPr id="6" name="תיבת טקסט 5">
+            <a:extLst>
+              <a:ext uri="{FF2B5EF4-FFF2-40B4-BE49-F238E27FC236}">
+                <a16:creationId xmlns:a16="http://schemas.microsoft.com/office/drawing/2014/main" id="{F5FD6AFF-0295-2782-433E-660A91B16776}"/>
+              </a:ext>
+            </a:extLst>
+          </p:cNvPr>
+          <p:cNvSpPr txBox="1"/>
+          <p:nvPr/>
+        </p:nvSpPr>
+        <p:spPr>
+          <a:xfrm>
+            <a:off x="5851533" y="2484527"/>
+            <a:ext cx="6239921" cy="2831544"/>
+          </a:xfrm>
+          <a:prstGeom prst="rect">
+            <a:avLst/>
+          </a:prstGeom>
+          <a:noFill/>
+          <a:ln w="19050">
+            <a:solidFill>
+              <a:srgbClr val="136C75"/>
+            </a:solidFill>
+          </a:ln>
+        </p:spPr>
+        <p:txBody>
+          <a:bodyPr wrap="square" rtlCol="1">
+            <a:spAutoFit/>
+          </a:bodyPr>
+          <a:lstStyle/>
+          <a:p>
+            <a:r>
+              <a:rPr lang="en-US" b="1" u="sng" dirty="0" err="1"/>
+              <a:t>uploadImage</a:t>
+            </a:r>
+            <a:r>
+              <a:rPr lang="en-US" b="1" u="sng" dirty="0"/>
+              <a:t>(image: File)</a:t>
+            </a:r>
+          </a:p>
+          <a:p>
+            <a:r>
+              <a:rPr lang="he-IL" sz="1600" dirty="0"/>
+              <a:t>פונקציה זו מקבלת קובץ תמונה ומעבירה אותו לשרת.</a:t>
+            </a:r>
+          </a:p>
+          <a:p>
+            <a:r>
+              <a:rPr lang="en-US" sz="1600" b="1" dirty="0" err="1"/>
+              <a:t>FormData</a:t>
+            </a:r>
+            <a:r>
+              <a:rPr lang="en-US" sz="1600" dirty="0"/>
+              <a:t>:</a:t>
+            </a:r>
+          </a:p>
+          <a:p>
+            <a:r>
+              <a:rPr lang="he-IL" sz="1600" dirty="0"/>
+              <a:t>אובייקט המאפשר שליחה של קבצים ונתונים בצורה מסודרת לשרת.</a:t>
+            </a:r>
+          </a:p>
+          <a:p>
+            <a:r>
+              <a:rPr lang="he-IL" sz="1600" dirty="0"/>
+              <a:t> התמונה מתווספת אליו באמצעות </a:t>
+            </a:r>
+            <a:r>
+              <a:rPr lang="en-US" sz="1600" dirty="0"/>
+              <a:t>    </a:t>
+            </a:r>
+            <a:r>
+              <a:rPr lang="en-US" sz="1600" dirty="0" err="1"/>
+              <a:t>formData.append</a:t>
+            </a:r>
+            <a:endParaRPr lang="en-US" sz="1600" dirty="0"/>
+          </a:p>
+          <a:p>
+            <a:r>
+              <a:rPr lang="en-US" sz="1600" b="1" dirty="0" err="1"/>
+              <a:t>HttpHeaders</a:t>
+            </a:r>
+            <a:r>
+              <a:rPr lang="en-US" sz="1600" b="1" dirty="0"/>
+              <a:t>().set('Access-Control-Allow-Origin', '*');</a:t>
+            </a:r>
+            <a:endParaRPr lang="he-IL" sz="1600" b="1" dirty="0"/>
+          </a:p>
+          <a:p>
+            <a:r>
+              <a:rPr lang="he-IL" sz="1600" dirty="0"/>
+              <a:t>הגדרת כותרות ה-</a:t>
+            </a:r>
+            <a:r>
+              <a:rPr lang="en-US" sz="1600" dirty="0"/>
+              <a:t>HTTP </a:t>
+            </a:r>
+            <a:r>
+              <a:rPr lang="he-IL" sz="1600" dirty="0"/>
+              <a:t> לצורך טיפול במדיניות גישה בין </a:t>
+            </a:r>
+            <a:r>
+              <a:rPr lang="he-IL" sz="1600" dirty="0" err="1"/>
+              <a:t>דומיינים</a:t>
+            </a:r>
+            <a:r>
+              <a:rPr lang="he-IL" sz="1600" dirty="0"/>
+              <a:t>. במקרה הזה, מאפשרת לכל דומיין לגשת לשרת.</a:t>
+            </a:r>
+          </a:p>
+          <a:p>
+            <a:r>
+              <a:rPr lang="en-US" sz="1600" b="1" dirty="0" err="1"/>
+              <a:t>http.post</a:t>
+            </a:r>
+            <a:r>
+              <a:rPr lang="en-US" sz="1600" b="1" dirty="0"/>
+              <a:t>&lt;any&gt;(</a:t>
+            </a:r>
+            <a:r>
+              <a:rPr lang="en-US" sz="1600" b="1" dirty="0" err="1"/>
+              <a:t>this.apiUrl</a:t>
+            </a:r>
+            <a:r>
+              <a:rPr lang="en-US" sz="1600" b="1" dirty="0"/>
+              <a:t>, </a:t>
+            </a:r>
+            <a:r>
+              <a:rPr lang="en-US" sz="1600" b="1" dirty="0" err="1"/>
+              <a:t>formData</a:t>
+            </a:r>
+            <a:r>
+              <a:rPr lang="en-US" sz="1600" b="1" dirty="0"/>
+              <a:t>, { headers })</a:t>
+            </a:r>
+            <a:endParaRPr lang="he-IL" sz="1600" b="1" dirty="0"/>
+          </a:p>
+          <a:p>
+            <a:r>
+              <a:rPr lang="he-IL" sz="1600" dirty="0"/>
+              <a:t>שליחת בקשת</a:t>
+            </a:r>
+            <a:r>
+              <a:rPr lang="he-IL" sz="1600" b="1" dirty="0"/>
+              <a:t> </a:t>
+            </a:r>
+            <a:r>
+              <a:rPr lang="en-US" sz="1600" dirty="0"/>
+              <a:t>POST</a:t>
+            </a:r>
+            <a:r>
+              <a:rPr lang="he-IL" sz="1600" dirty="0"/>
+              <a:t> לשרת עם התמונה. התשובה מהשרת מוחזרת כ-</a:t>
+            </a:r>
+            <a:r>
+              <a:rPr lang="en-US" sz="1600" dirty="0"/>
+              <a:t>Observable</a:t>
+            </a:r>
+            <a:r>
+              <a:rPr lang="he-IL" sz="1600" dirty="0"/>
+              <a:t> , מה שמאפשר התמודדות עם התשובה בצורה אסינכרונית.</a:t>
+            </a:r>
+            <a:endParaRPr lang="he-IL" sz="1600" b="1" dirty="0"/>
+          </a:p>
+        </p:txBody>
+      </p:sp>
+      <p:pic>
+        <p:nvPicPr>
+          <p:cNvPr id="3" name="תמונה 2">
+            <a:extLst>
+              <a:ext uri="{FF2B5EF4-FFF2-40B4-BE49-F238E27FC236}">
+                <a16:creationId xmlns:a16="http://schemas.microsoft.com/office/drawing/2014/main" id="{9960AC2E-898C-06AD-1E6D-2497AC3F5805}"/>
+              </a:ext>
+            </a:extLst>
+          </p:cNvPr>
+          <p:cNvPicPr>
+            <a:picLocks noChangeAspect="1"/>
+          </p:cNvPicPr>
+          <p:nvPr/>
+        </p:nvPicPr>
+        <p:blipFill>
+          <a:blip r:embed="rId2"/>
+          <a:stretch>
+            <a:fillRect/>
+          </a:stretch>
+        </p:blipFill>
+        <p:spPr>
+          <a:xfrm>
+            <a:off x="163299" y="2148939"/>
+            <a:ext cx="5999195" cy="3911202"/>
+          </a:xfrm>
+          <a:prstGeom prst="rect">
+            <a:avLst/>
+          </a:prstGeom>
+          <a:ln w="28575">
+            <a:solidFill>
+              <a:srgbClr val="136C75"/>
+            </a:solidFill>
+          </a:ln>
+        </p:spPr>
+      </p:pic>
+    </p:spTree>
+    <p:extLst>
+      <p:ext uri="{BB962C8B-B14F-4D97-AF65-F5344CB8AC3E}">
+        <p14:creationId xmlns:p14="http://schemas.microsoft.com/office/powerpoint/2010/main" val="392054742"/>
+      </p:ext>
+    </p:extLst>
+  </p:cSld>
+  <p:clrMapOvr>
+    <a:masterClrMapping/>
+  </p:clrMapOvr>
+</p:sld>
+</file>
+
+<file path=ppt/slides/slide48.xml><?xml version="1.0" encoding="utf-8"?>
+<p:sld xmlns:a="http://schemas.openxmlformats.org/drawingml/2006/main" xmlns:r="http://schemas.openxmlformats.org/officeDocument/2006/relationships" xmlns:p="http://schemas.openxmlformats.org/presentationml/2006/main">
+  <p:cSld>
+    <p:spTree>
+      <p:nvGrpSpPr>
+        <p:cNvPr id="1" name=""/>
+        <p:cNvGrpSpPr/>
+        <p:nvPr/>
+      </p:nvGrpSpPr>
+      <p:grpSpPr>
+        <a:xfrm>
+          <a:off x="0" y="0"/>
+          <a:ext cx="0" cy="0"/>
+          <a:chOff x="0" y="0"/>
+          <a:chExt cx="0" cy="0"/>
+        </a:xfrm>
+      </p:grpSpPr>
+      <p:sp>
+        <p:nvSpPr>
+          <p:cNvPr id="3" name="תיבת טקסט 2">
+            <a:extLst>
+              <a:ext uri="{FF2B5EF4-FFF2-40B4-BE49-F238E27FC236}">
+                <a16:creationId xmlns:a16="http://schemas.microsoft.com/office/drawing/2014/main" id="{A3DA5603-442E-A41B-F987-B9B93DBE933B}"/>
+              </a:ext>
+            </a:extLst>
+          </p:cNvPr>
+          <p:cNvSpPr txBox="1"/>
+          <p:nvPr/>
+        </p:nvSpPr>
+        <p:spPr>
+          <a:xfrm>
+            <a:off x="3233629" y="215112"/>
+            <a:ext cx="6457217" cy="400110"/>
+          </a:xfrm>
+          <a:prstGeom prst="rect">
+            <a:avLst/>
+          </a:prstGeom>
+          <a:noFill/>
+        </p:spPr>
+        <p:txBody>
+          <a:bodyPr wrap="none" rtlCol="1">
+            <a:spAutoFit/>
+          </a:bodyPr>
+          <a:lstStyle/>
+          <a:p>
+            <a:r>
+              <a:rPr lang="he-IL" sz="2000" b="1" u="sng" dirty="0">
+                <a:solidFill>
+                  <a:srgbClr val="136C75"/>
+                </a:solidFill>
+              </a:rPr>
+              <a:t>ניהול ניתובים באפליקציה עם בקרת גישה מבוססת זיהוי פנים</a:t>
+            </a:r>
+          </a:p>
+        </p:txBody>
+      </p:sp>
+      <p:sp>
+        <p:nvSpPr>
+          <p:cNvPr id="4" name="תיבת טקסט 3">
+            <a:extLst>
+              <a:ext uri="{FF2B5EF4-FFF2-40B4-BE49-F238E27FC236}">
+                <a16:creationId xmlns:a16="http://schemas.microsoft.com/office/drawing/2014/main" id="{CE64FD63-9A83-9B4E-A81F-D0C3FB44F68D}"/>
+              </a:ext>
+            </a:extLst>
+          </p:cNvPr>
+          <p:cNvSpPr txBox="1"/>
+          <p:nvPr/>
+        </p:nvSpPr>
+        <p:spPr>
+          <a:xfrm>
+            <a:off x="487648" y="670023"/>
+            <a:ext cx="11368817" cy="646331"/>
+          </a:xfrm>
+          <a:prstGeom prst="rect">
+            <a:avLst/>
+          </a:prstGeom>
+          <a:noFill/>
+          <a:ln w="28575">
+            <a:solidFill>
+              <a:srgbClr val="136C75"/>
+            </a:solidFill>
+          </a:ln>
+        </p:spPr>
+        <p:txBody>
+          <a:bodyPr wrap="none" rtlCol="1">
+            <a:spAutoFit/>
+          </a:bodyPr>
+          <a:lstStyle/>
+          <a:p>
+            <a:r>
+              <a:rPr lang="he-IL" dirty="0"/>
+              <a:t>כדי להבטיח שרק משתמשים מורשים ייכנסו לדף עריכת </a:t>
+            </a:r>
+            <a:r>
+              <a:rPr lang="he-IL" dirty="0" err="1"/>
+              <a:t>הנוכחות,ניהלתי</a:t>
+            </a:r>
+            <a:r>
+              <a:rPr lang="he-IL" dirty="0"/>
+              <a:t> את הניתובים כך שכל משתמש נדרש לעבור זיהוי פנים </a:t>
+            </a:r>
+          </a:p>
+          <a:p>
+            <a:r>
+              <a:rPr lang="he-IL" dirty="0"/>
+              <a:t>לפני שיוכל לגשת לעריכת הנוכחות ויקבל גישה לדף זה רק אם זוהה כמשתמש מורשה.</a:t>
+            </a:r>
+          </a:p>
+        </p:txBody>
+      </p:sp>
+      <p:pic>
+        <p:nvPicPr>
+          <p:cNvPr id="6" name="תמונה 5">
+            <a:extLst>
+              <a:ext uri="{FF2B5EF4-FFF2-40B4-BE49-F238E27FC236}">
+                <a16:creationId xmlns:a16="http://schemas.microsoft.com/office/drawing/2014/main" id="{C026D180-4F0A-C4BF-DFA1-2FCED1D678EF}"/>
+              </a:ext>
+            </a:extLst>
+          </p:cNvPr>
+          <p:cNvPicPr>
+            <a:picLocks noChangeAspect="1"/>
+          </p:cNvPicPr>
+          <p:nvPr/>
+        </p:nvPicPr>
+        <p:blipFill>
+          <a:blip r:embed="rId2"/>
+          <a:stretch>
+            <a:fillRect/>
+          </a:stretch>
+        </p:blipFill>
+        <p:spPr>
+          <a:xfrm>
+            <a:off x="2447836" y="2567378"/>
+            <a:ext cx="6920282" cy="677339"/>
+          </a:xfrm>
+          <a:prstGeom prst="rect">
+            <a:avLst/>
+          </a:prstGeom>
+        </p:spPr>
+      </p:pic>
+      <p:pic>
+        <p:nvPicPr>
+          <p:cNvPr id="8" name="תמונה 7">
+            <a:extLst>
+              <a:ext uri="{FF2B5EF4-FFF2-40B4-BE49-F238E27FC236}">
+                <a16:creationId xmlns:a16="http://schemas.microsoft.com/office/drawing/2014/main" id="{622E63ED-DDD5-92B4-CCBD-B825B20622D0}"/>
+              </a:ext>
+            </a:extLst>
+          </p:cNvPr>
+          <p:cNvPicPr>
+            <a:picLocks noChangeAspect="1"/>
+          </p:cNvPicPr>
+          <p:nvPr/>
+        </p:nvPicPr>
+        <p:blipFill>
+          <a:blip r:embed="rId3"/>
+          <a:stretch>
+            <a:fillRect/>
+          </a:stretch>
+        </p:blipFill>
+        <p:spPr>
+          <a:xfrm>
+            <a:off x="2447836" y="3598042"/>
+            <a:ext cx="5029636" cy="205758"/>
+          </a:xfrm>
+          <a:prstGeom prst="rect">
+            <a:avLst/>
+          </a:prstGeom>
+        </p:spPr>
+      </p:pic>
+      <p:sp>
+        <p:nvSpPr>
+          <p:cNvPr id="9" name="תיבת טקסט 8">
+            <a:extLst>
+              <a:ext uri="{FF2B5EF4-FFF2-40B4-BE49-F238E27FC236}">
+                <a16:creationId xmlns:a16="http://schemas.microsoft.com/office/drawing/2014/main" id="{AC1C663C-B682-D2B3-C16B-EF51330D8CCE}"/>
+              </a:ext>
+            </a:extLst>
+          </p:cNvPr>
+          <p:cNvSpPr txBox="1"/>
+          <p:nvPr/>
+        </p:nvSpPr>
+        <p:spPr>
+          <a:xfrm>
+            <a:off x="1305006" y="1449478"/>
+            <a:ext cx="10551459" cy="646331"/>
+          </a:xfrm>
+          <a:prstGeom prst="rect">
+            <a:avLst/>
+          </a:prstGeom>
+          <a:noFill/>
+        </p:spPr>
+        <p:txBody>
+          <a:bodyPr wrap="square" rtlCol="1">
+            <a:spAutoFit/>
+          </a:bodyPr>
+          <a:lstStyle/>
+          <a:p>
+            <a:r>
+              <a:rPr lang="he-IL" dirty="0"/>
+              <a:t>בתפריט הניווט ניתבתי את המשתמש כאשר לוחץ על הניתוב סימון נוכחות במקום להעבירו ישירות </a:t>
+            </a:r>
+            <a:r>
+              <a:rPr lang="he-IL" dirty="0" err="1"/>
+              <a:t>לקומפוננטה</a:t>
+            </a:r>
+            <a:r>
+              <a:rPr lang="he-IL" dirty="0"/>
+              <a:t> של סימון הנוכחות ניתבתי </a:t>
+            </a:r>
+            <a:r>
+              <a:rPr lang="he-IL" dirty="0" err="1"/>
+              <a:t>לקומפוננטה</a:t>
+            </a:r>
+            <a:r>
+              <a:rPr lang="he-IL" dirty="0"/>
+              <a:t> </a:t>
+            </a:r>
+            <a:r>
+              <a:rPr lang="en-US" dirty="0"/>
+              <a:t>face-recognition</a:t>
+            </a:r>
+            <a:r>
+              <a:rPr lang="he-IL" dirty="0"/>
+              <a:t> שמבצעת זיהוי פנים: </a:t>
+            </a:r>
+          </a:p>
+        </p:txBody>
+      </p:sp>
+      <p:sp>
+        <p:nvSpPr>
+          <p:cNvPr id="10" name="תיבת טקסט 9">
+            <a:extLst>
+              <a:ext uri="{FF2B5EF4-FFF2-40B4-BE49-F238E27FC236}">
+                <a16:creationId xmlns:a16="http://schemas.microsoft.com/office/drawing/2014/main" id="{004457FB-7B26-7AB1-72DF-EB771EE567C2}"/>
+              </a:ext>
+            </a:extLst>
+          </p:cNvPr>
+          <p:cNvSpPr txBox="1"/>
+          <p:nvPr/>
+        </p:nvSpPr>
+        <p:spPr>
+          <a:xfrm>
+            <a:off x="2375670" y="2188557"/>
+            <a:ext cx="1810688" cy="307777"/>
+          </a:xfrm>
+          <a:prstGeom prst="rect">
+            <a:avLst/>
+          </a:prstGeom>
+          <a:noFill/>
+        </p:spPr>
+        <p:txBody>
+          <a:bodyPr wrap="none" rtlCol="1">
+            <a:spAutoFit/>
+          </a:bodyPr>
+          <a:lstStyle/>
+          <a:p>
+            <a:r>
+              <a:rPr lang="en-US" sz="1400" b="1" dirty="0"/>
+              <a:t>app.component.html:</a:t>
+            </a:r>
+            <a:endParaRPr lang="he-IL" sz="1400" b="1" dirty="0"/>
+          </a:p>
+        </p:txBody>
+      </p:sp>
+      <p:sp>
+        <p:nvSpPr>
+          <p:cNvPr id="12" name="תיבת טקסט 11">
+            <a:extLst>
+              <a:ext uri="{FF2B5EF4-FFF2-40B4-BE49-F238E27FC236}">
+                <a16:creationId xmlns:a16="http://schemas.microsoft.com/office/drawing/2014/main" id="{B6FAB6BA-7E24-F773-CF60-2C87B3C1A97E}"/>
+              </a:ext>
+            </a:extLst>
+          </p:cNvPr>
+          <p:cNvSpPr txBox="1"/>
+          <p:nvPr/>
+        </p:nvSpPr>
+        <p:spPr>
+          <a:xfrm>
+            <a:off x="2328285" y="3245079"/>
+            <a:ext cx="1858073" cy="307777"/>
+          </a:xfrm>
+          <a:prstGeom prst="rect">
+            <a:avLst/>
+          </a:prstGeom>
+          <a:noFill/>
+        </p:spPr>
+        <p:txBody>
+          <a:bodyPr wrap="none" rtlCol="1">
+            <a:spAutoFit/>
+          </a:bodyPr>
+          <a:lstStyle/>
+          <a:p>
+            <a:r>
+              <a:rPr lang="en-US" sz="1400" b="1" dirty="0"/>
+              <a:t>app-</a:t>
+            </a:r>
+            <a:r>
+              <a:rPr lang="en-US" sz="1400" b="1" dirty="0" err="1"/>
+              <a:t>routing.module.ts</a:t>
+            </a:r>
+            <a:endParaRPr lang="he-IL" sz="1400" b="1" dirty="0"/>
+          </a:p>
+        </p:txBody>
+      </p:sp>
+      <p:pic>
+        <p:nvPicPr>
+          <p:cNvPr id="15" name="תמונה 14">
+            <a:extLst>
+              <a:ext uri="{FF2B5EF4-FFF2-40B4-BE49-F238E27FC236}">
+                <a16:creationId xmlns:a16="http://schemas.microsoft.com/office/drawing/2014/main" id="{51DB9B9A-7C00-90D6-8F3F-D8FEB870D2D8}"/>
+              </a:ext>
+            </a:extLst>
+          </p:cNvPr>
+          <p:cNvPicPr>
+            <a:picLocks noChangeAspect="1"/>
+          </p:cNvPicPr>
+          <p:nvPr/>
+        </p:nvPicPr>
+        <p:blipFill>
+          <a:blip r:embed="rId4"/>
+          <a:stretch>
+            <a:fillRect/>
+          </a:stretch>
+        </p:blipFill>
+        <p:spPr>
+          <a:xfrm>
+            <a:off x="1434353" y="4923009"/>
+            <a:ext cx="9777307" cy="1310754"/>
+          </a:xfrm>
+          <a:prstGeom prst="rect">
+            <a:avLst/>
+          </a:prstGeom>
+          <a:ln w="28575">
+            <a:solidFill>
+              <a:srgbClr val="136C75"/>
+            </a:solidFill>
+          </a:ln>
+        </p:spPr>
+      </p:pic>
+      <p:sp>
+        <p:nvSpPr>
+          <p:cNvPr id="17" name="תיבת טקסט 16">
+            <a:extLst>
+              <a:ext uri="{FF2B5EF4-FFF2-40B4-BE49-F238E27FC236}">
+                <a16:creationId xmlns:a16="http://schemas.microsoft.com/office/drawing/2014/main" id="{C5A607FF-82D2-541A-7790-942938E44B83}"/>
+              </a:ext>
+            </a:extLst>
+          </p:cNvPr>
+          <p:cNvSpPr txBox="1"/>
+          <p:nvPr/>
+        </p:nvSpPr>
+        <p:spPr>
+          <a:xfrm>
+            <a:off x="2144800" y="3905424"/>
+            <a:ext cx="9711665" cy="1200329"/>
+          </a:xfrm>
+          <a:prstGeom prst="rect">
+            <a:avLst/>
+          </a:prstGeom>
+          <a:noFill/>
+        </p:spPr>
+        <p:txBody>
+          <a:bodyPr wrap="square" rtlCol="1">
+            <a:spAutoFit/>
+          </a:bodyPr>
+          <a:lstStyle/>
+          <a:p>
+            <a:r>
+              <a:rPr lang="he-IL" dirty="0" err="1"/>
+              <a:t>בקומפוננטת</a:t>
+            </a:r>
+            <a:r>
+              <a:rPr lang="he-IL" dirty="0"/>
+              <a:t> זיהוי הפנים יש לוגיקה שע"פ תוצאת הזיהוי מנתבת את המשתמש</a:t>
+            </a:r>
+          </a:p>
+          <a:p>
+            <a:r>
+              <a:rPr lang="he-IL" dirty="0"/>
+              <a:t>אם המשתמש זוהה כמורשה המשתמש מקבל הודעה שהוא מורשה ומועבר אוטומטית לדף עריכת הנוכחות.</a:t>
+            </a:r>
+          </a:p>
+          <a:p>
+            <a:r>
+              <a:rPr lang="he-IL" dirty="0"/>
+              <a:t>ואם זוהה כלא מורשה המשתמש מקבל הודעה שהוא אינו מורשה ונשאר בעמוד הנוכחי. </a:t>
+            </a:r>
+          </a:p>
+          <a:p>
+            <a:endParaRPr lang="he-IL" dirty="0"/>
+          </a:p>
+        </p:txBody>
+      </p:sp>
+      <p:sp>
+        <p:nvSpPr>
+          <p:cNvPr id="21" name="מלבן 20">
+            <a:extLst>
+              <a:ext uri="{FF2B5EF4-FFF2-40B4-BE49-F238E27FC236}">
+                <a16:creationId xmlns:a16="http://schemas.microsoft.com/office/drawing/2014/main" id="{131A4734-53E6-4080-0ED9-267E8A798FBF}"/>
+              </a:ext>
+            </a:extLst>
+          </p:cNvPr>
+          <p:cNvSpPr/>
+          <p:nvPr/>
+        </p:nvSpPr>
+        <p:spPr>
+          <a:xfrm>
+            <a:off x="1900518" y="2080664"/>
+            <a:ext cx="8986476" cy="1788355"/>
+          </a:xfrm>
+          <a:prstGeom prst="rect">
+            <a:avLst/>
+          </a:prstGeom>
+          <a:noFill/>
+          <a:ln w="19050">
+            <a:solidFill>
+              <a:srgbClr val="136C75"/>
+            </a:solidFill>
+          </a:ln>
+        </p:spPr>
+        <p:style>
+          <a:lnRef idx="2">
+            <a:schemeClr val="accent1">
+              <a:shade val="50000"/>
+            </a:schemeClr>
+          </a:lnRef>
+          <a:fillRef idx="1">
+            <a:schemeClr val="accent1"/>
+          </a:fillRef>
+          <a:effectRef idx="0">
+            <a:schemeClr val="accent1"/>
+          </a:effectRef>
+          <a:fontRef idx="minor">
+            <a:schemeClr val="lt1"/>
+          </a:fontRef>
+        </p:style>
+        <p:txBody>
+          <a:bodyPr rtlCol="1" anchor="ctr"/>
+          <a:lstStyle/>
+          <a:p>
+            <a:pPr algn="ctr"/>
+            <a:endParaRPr lang="he-IL"/>
+          </a:p>
+        </p:txBody>
+      </p:sp>
+    </p:spTree>
+    <p:extLst>
+      <p:ext uri="{BB962C8B-B14F-4D97-AF65-F5344CB8AC3E}">
+        <p14:creationId xmlns:p14="http://schemas.microsoft.com/office/powerpoint/2010/main" val="2904601548"/>
+      </p:ext>
+    </p:extLst>
+  </p:cSld>
+  <p:clrMapOvr>
+    <a:masterClrMapping/>
+  </p:clrMapOvr>
+</p:sld>
+</file>
+
+<file path=ppt/slides/slide49.xml><?xml version="1.0" encoding="utf-8"?>
+<p:sld xmlns:a="http://schemas.openxmlformats.org/drawingml/2006/main" xmlns:r="http://schemas.openxmlformats.org/officeDocument/2006/relationships" xmlns:p="http://schemas.openxmlformats.org/presentationml/2006/main">
+  <p:cSld>
+    <p:spTree>
+      <p:nvGrpSpPr>
+        <p:cNvPr id="1" name=""/>
+        <p:cNvGrpSpPr/>
+        <p:nvPr/>
+      </p:nvGrpSpPr>
+      <p:grpSpPr>
+        <a:xfrm>
+          <a:off x="0" y="0"/>
+          <a:ext cx="0" cy="0"/>
+          <a:chOff x="0" y="0"/>
+          <a:chExt cx="0" cy="0"/>
+        </a:xfrm>
+      </p:grpSpPr>
+      <p:sp>
+        <p:nvSpPr>
+          <p:cNvPr id="2" name="תיבת טקסט 1">
+            <a:extLst>
+              <a:ext uri="{FF2B5EF4-FFF2-40B4-BE49-F238E27FC236}">
+                <a16:creationId xmlns:a16="http://schemas.microsoft.com/office/drawing/2014/main" id="{6914DF0C-D167-91DF-6978-EB56FF461BAB}"/>
+              </a:ext>
+            </a:extLst>
+          </p:cNvPr>
+          <p:cNvSpPr txBox="1"/>
+          <p:nvPr/>
+        </p:nvSpPr>
+        <p:spPr>
+          <a:xfrm>
+            <a:off x="2360880" y="1138518"/>
+            <a:ext cx="5250155" cy="369332"/>
+          </a:xfrm>
+          <a:prstGeom prst="rect">
+            <a:avLst/>
+          </a:prstGeom>
+          <a:noFill/>
+        </p:spPr>
+        <p:txBody>
+          <a:bodyPr wrap="none" rtlCol="1">
+            <a:spAutoFit/>
+          </a:bodyPr>
+          <a:lstStyle/>
+          <a:p>
+            <a:r>
+              <a:rPr lang="he-IL" dirty="0"/>
+              <a:t>לשים כאן צילומי מסך של תהליך זיהוי פנים שהצליח ושלא</a:t>
+            </a:r>
+          </a:p>
+        </p:txBody>
+      </p:sp>
+    </p:spTree>
+    <p:extLst>
+      <p:ext uri="{BB962C8B-B14F-4D97-AF65-F5344CB8AC3E}">
+        <p14:creationId xmlns:p14="http://schemas.microsoft.com/office/powerpoint/2010/main" val="2453702635"/>
+      </p:ext>
+    </p:extLst>
+  </p:cSld>
+  <p:clrMapOvr>
+    <a:masterClrMapping/>
+  </p:clrMapOvr>
+</p:sld>
+</file>
+
+<file path=ppt/slides/slide5.xml><?xml version="1.0" encoding="utf-8"?>
+<p:sld xmlns:a="http://schemas.openxmlformats.org/drawingml/2006/main" xmlns:r="http://schemas.openxmlformats.org/officeDocument/2006/relationships" xmlns:p="http://schemas.openxmlformats.org/presentationml/2006/main">
+  <p:cSld>
+    <p:spTree>
+      <p:nvGrpSpPr>
+        <p:cNvPr id="1" name=""/>
+        <p:cNvGrpSpPr/>
+        <p:nvPr/>
+      </p:nvGrpSpPr>
+      <p:grpSpPr>
+        <a:xfrm>
+          <a:off x="0" y="0"/>
+          <a:ext cx="0" cy="0"/>
+          <a:chOff x="0" y="0"/>
+          <a:chExt cx="0" cy="0"/>
+        </a:xfrm>
+      </p:grpSpPr>
+      <p:sp>
+        <p:nvSpPr>
+          <p:cNvPr id="2" name="כותרת 1">
+            <a:extLst>
+              <a:ext uri="{FF2B5EF4-FFF2-40B4-BE49-F238E27FC236}">
+                <a16:creationId xmlns:a16="http://schemas.microsoft.com/office/drawing/2014/main" id="{C9371063-A152-E966-A0EC-E34959606910}"/>
+              </a:ext>
+            </a:extLst>
+          </p:cNvPr>
+          <p:cNvSpPr>
+            <a:spLocks noGrp="1"/>
+          </p:cNvSpPr>
+          <p:nvPr>
+            <p:ph type="title"/>
+          </p:nvPr>
+        </p:nvSpPr>
+        <p:spPr/>
+        <p:txBody>
+          <a:bodyPr/>
+          <a:lstStyle/>
+          <a:p>
+            <a:pPr algn="ctr"/>
+            <a:r>
+              <a:rPr lang="iw-IL" sz="4400" b="0" i="0" u="none" strike="noStrike" cap="none" dirty="0">
+                <a:solidFill>
+                  <a:schemeClr val="tx2">
+                    <a:lumMod val="60000"/>
+                    <a:lumOff val="40000"/>
+                  </a:schemeClr>
+                </a:solidFill>
+                <a:latin typeface="Arial"/>
+                <a:ea typeface="Arial"/>
+                <a:cs typeface="Arial"/>
+                <a:sym typeface="Arial"/>
+              </a:rPr>
+              <a:t>חברת Diversitek</a:t>
+            </a:r>
+            <a:endParaRPr lang="he-IL" dirty="0">
+              <a:solidFill>
+                <a:schemeClr val="tx2">
+                  <a:lumMod val="60000"/>
+                  <a:lumOff val="40000"/>
+                </a:schemeClr>
+              </a:solidFill>
+            </a:endParaRPr>
+          </a:p>
+        </p:txBody>
+      </p:sp>
+      <p:sp>
+        <p:nvSpPr>
+          <p:cNvPr id="3" name="מציין מיקום תוכן 2">
+            <a:extLst>
+              <a:ext uri="{FF2B5EF4-FFF2-40B4-BE49-F238E27FC236}">
+                <a16:creationId xmlns:a16="http://schemas.microsoft.com/office/drawing/2014/main" id="{A5D41447-FF47-6259-8C54-DE4F45230E0E}"/>
+              </a:ext>
+            </a:extLst>
+          </p:cNvPr>
+          <p:cNvSpPr>
+            <a:spLocks noGrp="1"/>
+          </p:cNvSpPr>
+          <p:nvPr>
+            <p:ph idx="1"/>
+          </p:nvPr>
+        </p:nvSpPr>
+        <p:spPr>
+          <a:xfrm>
+            <a:off x="838200" y="1362269"/>
+            <a:ext cx="10515600" cy="4814694"/>
+          </a:xfrm>
+        </p:spPr>
+        <p:txBody>
+          <a:bodyPr>
+            <a:normAutofit fontScale="92500" lnSpcReduction="10000"/>
+          </a:bodyPr>
+          <a:lstStyle/>
+          <a:p>
+            <a:pPr marL="0" lvl="0" indent="0" algn="r" rtl="1">
+              <a:lnSpc>
+                <a:spcPct val="115000"/>
+              </a:lnSpc>
+              <a:spcBef>
+                <a:spcPts val="1200"/>
+              </a:spcBef>
+              <a:spcAft>
+                <a:spcPts val="0"/>
+              </a:spcAft>
+              <a:buNone/>
+            </a:pPr>
+            <a:r>
+              <a:rPr lang="iw-IL" sz="1400" b="1" u="sng" dirty="0">
+                <a:solidFill>
+                  <a:srgbClr val="000000"/>
+                </a:solidFill>
+                <a:latin typeface="Arial"/>
+                <a:ea typeface="Arial"/>
+                <a:cs typeface="Arial"/>
+                <a:sym typeface="Arial"/>
+              </a:rPr>
+              <a:t>שם החברה</a:t>
+            </a:r>
+            <a:r>
+              <a:rPr lang="he-IL" sz="1400" b="1" u="sng" dirty="0">
+                <a:solidFill>
+                  <a:srgbClr val="000000"/>
+                </a:solidFill>
+                <a:latin typeface="Arial"/>
+                <a:ea typeface="Arial"/>
+                <a:cs typeface="Arial"/>
+                <a:sym typeface="Arial"/>
+              </a:rPr>
+              <a:t> :</a:t>
+            </a:r>
+            <a:r>
+              <a:rPr lang="iw-IL" sz="1400" dirty="0">
+                <a:solidFill>
+                  <a:srgbClr val="000000"/>
+                </a:solidFill>
+                <a:latin typeface="Arial"/>
+                <a:ea typeface="Arial"/>
+                <a:cs typeface="Arial"/>
+                <a:sym typeface="Arial"/>
+              </a:rPr>
+              <a:t> דייברסיטק טכנולוגיה</a:t>
+            </a:r>
+          </a:p>
+          <a:p>
+            <a:pPr marL="0" lvl="0" indent="0" algn="r" rtl="1">
+              <a:lnSpc>
+                <a:spcPct val="115000"/>
+              </a:lnSpc>
+              <a:spcBef>
+                <a:spcPts val="1200"/>
+              </a:spcBef>
+              <a:spcAft>
+                <a:spcPts val="0"/>
+              </a:spcAft>
+              <a:buNone/>
+            </a:pPr>
+            <a:r>
+              <a:rPr lang="iw-IL" sz="1400" b="1" u="sng" dirty="0">
+                <a:solidFill>
+                  <a:srgbClr val="000000"/>
+                </a:solidFill>
+                <a:latin typeface="Arial"/>
+                <a:ea typeface="Arial"/>
+                <a:cs typeface="Arial"/>
+                <a:sym typeface="Arial"/>
+              </a:rPr>
+              <a:t>תחום עיסוק:</a:t>
+            </a:r>
+            <a:br>
+              <a:rPr lang="iw-IL" sz="1400" b="1" u="sng" dirty="0">
+                <a:solidFill>
+                  <a:srgbClr val="000000"/>
+                </a:solidFill>
+                <a:latin typeface="Arial"/>
+                <a:ea typeface="Arial"/>
+                <a:cs typeface="Arial"/>
+                <a:sym typeface="Arial"/>
+              </a:rPr>
+            </a:br>
+            <a:r>
+              <a:rPr lang="iw-IL" sz="1400" dirty="0">
+                <a:solidFill>
+                  <a:srgbClr val="000000"/>
+                </a:solidFill>
+                <a:latin typeface="Arial"/>
+                <a:ea typeface="Arial"/>
+                <a:cs typeface="Arial"/>
+                <a:sym typeface="Arial"/>
+              </a:rPr>
+              <a:t> דייברסיטק טכנולוגיה הינו בית תוכנה המספק פתרונות טכנולוגיים מגוונים ללקוחות קצה, ביניהם עסקים קטנים ובינוניים.</a:t>
+            </a:r>
+          </a:p>
+          <a:p>
+            <a:pPr marL="0" lvl="0" indent="0" algn="r" rtl="1">
+              <a:lnSpc>
+                <a:spcPct val="115000"/>
+              </a:lnSpc>
+              <a:spcBef>
+                <a:spcPts val="1200"/>
+              </a:spcBef>
+              <a:spcAft>
+                <a:spcPts val="0"/>
+              </a:spcAft>
+              <a:buNone/>
+            </a:pPr>
+            <a:r>
+              <a:rPr lang="iw-IL" sz="1400" b="1" u="sng" dirty="0">
+                <a:solidFill>
+                  <a:srgbClr val="000000"/>
+                </a:solidFill>
+                <a:latin typeface="Arial"/>
+                <a:ea typeface="Arial"/>
+                <a:cs typeface="Arial"/>
+                <a:sym typeface="Arial"/>
+              </a:rPr>
+              <a:t>מוצרים ושירותים:</a:t>
+            </a:r>
+            <a:br>
+              <a:rPr lang="iw-IL" sz="1400" b="1" u="sng" dirty="0">
+                <a:solidFill>
+                  <a:srgbClr val="000000"/>
+                </a:solidFill>
+                <a:latin typeface="Arial"/>
+                <a:ea typeface="Arial"/>
+                <a:cs typeface="Arial"/>
+                <a:sym typeface="Arial"/>
+              </a:rPr>
+            </a:br>
+            <a:r>
+              <a:rPr lang="iw-IL" sz="1400" dirty="0">
+                <a:solidFill>
+                  <a:srgbClr val="000000"/>
+                </a:solidFill>
+                <a:latin typeface="Arial"/>
+                <a:ea typeface="Arial"/>
+                <a:cs typeface="Arial"/>
+                <a:sym typeface="Arial"/>
+              </a:rPr>
+              <a:t>פיתוח תוכנות לניהול לידים ולקוחות, </a:t>
+            </a:r>
+            <a:br>
+              <a:rPr lang="en-US" sz="1400" dirty="0">
+                <a:solidFill>
+                  <a:srgbClr val="000000"/>
+                </a:solidFill>
+                <a:latin typeface="Arial"/>
+                <a:ea typeface="Arial"/>
+                <a:cs typeface="Arial"/>
+                <a:sym typeface="Arial"/>
+              </a:rPr>
+            </a:br>
+            <a:r>
+              <a:rPr lang="iw-IL" sz="1400" dirty="0">
+                <a:solidFill>
+                  <a:srgbClr val="000000"/>
+                </a:solidFill>
+                <a:latin typeface="Arial"/>
+                <a:ea typeface="Arial"/>
+                <a:cs typeface="Arial"/>
+                <a:sym typeface="Arial"/>
+              </a:rPr>
+              <a:t>בניית אתרי תדמית משוכללים, </a:t>
+            </a:r>
+            <a:br>
+              <a:rPr lang="en-US" sz="1400" dirty="0">
+                <a:solidFill>
+                  <a:srgbClr val="000000"/>
+                </a:solidFill>
+                <a:latin typeface="Arial"/>
+                <a:ea typeface="Arial"/>
+                <a:cs typeface="Arial"/>
+                <a:sym typeface="Arial"/>
+              </a:rPr>
+            </a:br>
+            <a:r>
+              <a:rPr lang="iw-IL" sz="1400" dirty="0">
+                <a:solidFill>
+                  <a:srgbClr val="000000"/>
+                </a:solidFill>
+                <a:latin typeface="Arial"/>
+                <a:ea typeface="Arial"/>
+                <a:cs typeface="Arial"/>
+                <a:sym typeface="Arial"/>
+              </a:rPr>
+              <a:t>פתרונות מותאמים אישית לפי דרישות הלקוח, </a:t>
+            </a:r>
+            <a:br>
+              <a:rPr lang="en-US" sz="1400" dirty="0">
+                <a:solidFill>
+                  <a:srgbClr val="000000"/>
+                </a:solidFill>
+                <a:latin typeface="Arial"/>
+                <a:ea typeface="Arial"/>
+                <a:cs typeface="Arial"/>
+                <a:sym typeface="Arial"/>
+              </a:rPr>
+            </a:br>
+            <a:r>
+              <a:rPr lang="iw-IL" sz="1400" dirty="0">
+                <a:solidFill>
+                  <a:srgbClr val="000000"/>
+                </a:solidFill>
+                <a:latin typeface="Arial"/>
+                <a:ea typeface="Arial"/>
+                <a:cs typeface="Arial"/>
+                <a:sym typeface="Arial"/>
+              </a:rPr>
+              <a:t>שירותי תמיכה טכנית והטמעה</a:t>
+            </a:r>
+          </a:p>
+          <a:p>
+            <a:pPr marL="0" lvl="0" indent="0" algn="r" rtl="1">
+              <a:lnSpc>
+                <a:spcPct val="115000"/>
+              </a:lnSpc>
+              <a:spcBef>
+                <a:spcPts val="1200"/>
+              </a:spcBef>
+              <a:spcAft>
+                <a:spcPts val="0"/>
+              </a:spcAft>
+              <a:buNone/>
+            </a:pPr>
+            <a:r>
+              <a:rPr lang="iw-IL" sz="1400" b="1" u="sng" dirty="0">
+                <a:solidFill>
+                  <a:srgbClr val="000000"/>
+                </a:solidFill>
+                <a:latin typeface="Arial"/>
+                <a:ea typeface="Arial"/>
+                <a:cs typeface="Arial"/>
+                <a:sym typeface="Arial"/>
+              </a:rPr>
+              <a:t>לקוחות החברה:</a:t>
+            </a:r>
+            <a:br>
+              <a:rPr lang="iw-IL" sz="1400" b="1" u="sng" dirty="0">
+                <a:solidFill>
+                  <a:srgbClr val="000000"/>
+                </a:solidFill>
+                <a:latin typeface="Arial"/>
+                <a:ea typeface="Arial"/>
+                <a:cs typeface="Arial"/>
+                <a:sym typeface="Arial"/>
+              </a:rPr>
+            </a:br>
+            <a:r>
+              <a:rPr lang="iw-IL" sz="1400" dirty="0">
+                <a:solidFill>
+                  <a:srgbClr val="000000"/>
+                </a:solidFill>
+                <a:latin typeface="Arial"/>
+                <a:ea typeface="Arial"/>
+                <a:cs typeface="Arial"/>
+                <a:sym typeface="Arial"/>
+              </a:rPr>
+              <a:t>עסקים קטנים ובינוניים ממגוון תחומים, חברות טכנולוגיה, מוסדות חינוך</a:t>
+            </a:r>
+          </a:p>
+          <a:p>
+            <a:pPr marL="0" lvl="0" indent="0" algn="r" rtl="1">
+              <a:lnSpc>
+                <a:spcPct val="115000"/>
+              </a:lnSpc>
+              <a:spcBef>
+                <a:spcPts val="1200"/>
+              </a:spcBef>
+              <a:spcAft>
+                <a:spcPts val="0"/>
+              </a:spcAft>
+              <a:buNone/>
+            </a:pPr>
+            <a:r>
+              <a:rPr lang="iw-IL" sz="1400" b="1" u="sng" dirty="0">
+                <a:solidFill>
+                  <a:srgbClr val="000000"/>
+                </a:solidFill>
+                <a:latin typeface="Arial"/>
+                <a:ea typeface="Arial"/>
+                <a:cs typeface="Arial"/>
+                <a:sym typeface="Arial"/>
+              </a:rPr>
+              <a:t>מבנה ארגוני:</a:t>
+            </a:r>
+          </a:p>
+          <a:p>
+            <a:pPr marL="0" lvl="0" indent="0" algn="r" rtl="1">
+              <a:lnSpc>
+                <a:spcPct val="115000"/>
+              </a:lnSpc>
+              <a:spcBef>
+                <a:spcPts val="1200"/>
+              </a:spcBef>
+              <a:spcAft>
+                <a:spcPts val="0"/>
+              </a:spcAft>
+              <a:buNone/>
+            </a:pPr>
+            <a:r>
+              <a:rPr lang="iw-IL" sz="1400" dirty="0">
+                <a:solidFill>
+                  <a:srgbClr val="000000"/>
+                </a:solidFill>
+                <a:latin typeface="Arial"/>
+                <a:ea typeface="Arial"/>
+                <a:cs typeface="Arial"/>
+                <a:sym typeface="Arial"/>
+              </a:rPr>
+              <a:t>מנכ"ל: אביגיל מיכלסון</a:t>
+            </a:r>
+            <a:br>
+              <a:rPr lang="iw-IL" sz="1400" dirty="0">
+                <a:solidFill>
+                  <a:srgbClr val="000000"/>
+                </a:solidFill>
+                <a:latin typeface="Arial"/>
+                <a:ea typeface="Arial"/>
+                <a:cs typeface="Arial"/>
+                <a:sym typeface="Arial"/>
+              </a:rPr>
+            </a:br>
+            <a:r>
+              <a:rPr lang="en-US" sz="1400" dirty="0">
+                <a:solidFill>
+                  <a:srgbClr val="000000"/>
+                </a:solidFill>
+                <a:latin typeface="Arial"/>
+                <a:ea typeface="Arial"/>
+                <a:cs typeface="Arial"/>
+                <a:sym typeface="Arial"/>
+              </a:rPr>
+              <a:t>CTO: </a:t>
+            </a:r>
+            <a:r>
+              <a:rPr lang="iw-IL" sz="1400" dirty="0">
+                <a:solidFill>
+                  <a:srgbClr val="000000"/>
+                </a:solidFill>
+                <a:latin typeface="Arial"/>
+                <a:ea typeface="Arial"/>
+                <a:cs typeface="Arial"/>
+                <a:sym typeface="Arial"/>
+              </a:rPr>
+              <a:t>שוקי גור</a:t>
+            </a:r>
+            <a:br>
+              <a:rPr lang="iw-IL" sz="1400" dirty="0">
+                <a:solidFill>
+                  <a:srgbClr val="000000"/>
+                </a:solidFill>
+                <a:latin typeface="Arial"/>
+                <a:ea typeface="Arial"/>
+                <a:cs typeface="Arial"/>
+                <a:sym typeface="Arial"/>
+              </a:rPr>
+            </a:br>
+            <a:r>
+              <a:rPr lang="en-US" sz="1400" dirty="0">
+                <a:solidFill>
+                  <a:srgbClr val="000000"/>
+                </a:solidFill>
+                <a:latin typeface="Arial"/>
+                <a:ea typeface="Arial"/>
+                <a:cs typeface="Arial"/>
+                <a:sym typeface="Arial"/>
+              </a:rPr>
+              <a:t>PMO: </a:t>
+            </a:r>
+            <a:r>
+              <a:rPr lang="iw-IL" sz="1400" dirty="0">
+                <a:solidFill>
+                  <a:srgbClr val="000000"/>
+                </a:solidFill>
+                <a:latin typeface="Arial"/>
+                <a:ea typeface="Arial"/>
+                <a:cs typeface="Arial"/>
+                <a:sym typeface="Arial"/>
+              </a:rPr>
+              <a:t>חנה ברגמן</a:t>
+            </a:r>
+            <a:br>
+              <a:rPr lang="iw-IL" sz="1400" dirty="0">
+                <a:solidFill>
+                  <a:srgbClr val="000000"/>
+                </a:solidFill>
+                <a:latin typeface="Arial"/>
+                <a:ea typeface="Arial"/>
+                <a:cs typeface="Arial"/>
+                <a:sym typeface="Arial"/>
+              </a:rPr>
+            </a:br>
+            <a:r>
+              <a:rPr lang="iw-IL" sz="1400" dirty="0">
+                <a:solidFill>
+                  <a:srgbClr val="000000"/>
+                </a:solidFill>
+                <a:latin typeface="Arial"/>
+                <a:ea typeface="Arial"/>
+                <a:cs typeface="Arial"/>
+                <a:sym typeface="Arial"/>
+              </a:rPr>
+              <a:t>צוותי פיתוח ותמיכה</a:t>
+            </a:r>
+          </a:p>
+          <a:p>
+            <a:pPr marL="0" lvl="0" indent="0" algn="r" rtl="1">
+              <a:lnSpc>
+                <a:spcPct val="115000"/>
+              </a:lnSpc>
+              <a:spcBef>
+                <a:spcPts val="1200"/>
+              </a:spcBef>
+              <a:spcAft>
+                <a:spcPts val="0"/>
+              </a:spcAft>
+              <a:buNone/>
+            </a:pPr>
+            <a:r>
+              <a:rPr lang="iw-IL" sz="1400" dirty="0">
+                <a:solidFill>
+                  <a:srgbClr val="000000"/>
+                </a:solidFill>
+                <a:latin typeface="Arial"/>
+                <a:ea typeface="Arial"/>
+                <a:cs typeface="Arial"/>
+                <a:sym typeface="Arial"/>
+              </a:rPr>
+              <a:t> </a:t>
+            </a:r>
+            <a:r>
+              <a:rPr lang="iw-IL" sz="1400" b="1" u="sng" dirty="0">
+                <a:solidFill>
+                  <a:srgbClr val="000000"/>
+                </a:solidFill>
+                <a:latin typeface="Arial"/>
+                <a:ea typeface="Arial"/>
+                <a:cs typeface="Arial"/>
+                <a:sym typeface="Arial"/>
+              </a:rPr>
+              <a:t>תיאור תפקיד הסטודנטית בחברה:</a:t>
+            </a:r>
+            <a:br>
+              <a:rPr lang="iw-IL" sz="1400" b="1" u="sng" dirty="0">
+                <a:solidFill>
+                  <a:srgbClr val="000000"/>
+                </a:solidFill>
+                <a:latin typeface="Arial"/>
+                <a:ea typeface="Arial"/>
+                <a:cs typeface="Arial"/>
+                <a:sym typeface="Arial"/>
+              </a:rPr>
+            </a:br>
+            <a:r>
+              <a:rPr lang="iw-IL" sz="1400" dirty="0">
+                <a:solidFill>
+                  <a:srgbClr val="000000"/>
+                </a:solidFill>
+                <a:latin typeface="Arial"/>
+                <a:ea typeface="Arial"/>
+                <a:cs typeface="Arial"/>
+                <a:sym typeface="Arial"/>
+              </a:rPr>
+              <a:t>הסטודנטיות בפרקטיקום משתלבות בצוותי הפיתוח של דייברסיטק טכנולוגיה, ועובדות על פרויקטים טכנולוגיים אמיתיים עבור לקוחות החברה. במסגרת הפרקטיקום, הסטודנטיות לוקחות חלק בכל שלבי הפיתוח, החל מהאיפיון והתכנון, דרך הפיתוח והבדיקות, ועד להטמעה ותמיכה טכנית. </a:t>
+            </a:r>
+          </a:p>
+          <a:p>
+            <a:pPr marL="0" marR="0" lvl="0" indent="0" algn="r" rtl="1">
+              <a:lnSpc>
+                <a:spcPct val="100000"/>
+              </a:lnSpc>
+              <a:spcBef>
+                <a:spcPts val="1200"/>
+              </a:spcBef>
+              <a:spcAft>
+                <a:spcPts val="0"/>
+              </a:spcAft>
+              <a:buClr>
+                <a:schemeClr val="lt1"/>
+              </a:buClr>
+              <a:buSzPts val="1100"/>
+              <a:buNone/>
+            </a:pPr>
+            <a:endParaRPr lang="iw-IL" sz="1200" dirty="0">
+              <a:solidFill>
+                <a:schemeClr val="lt1"/>
+              </a:solidFill>
+              <a:latin typeface="Arial"/>
+              <a:ea typeface="Arial"/>
+              <a:cs typeface="Arial"/>
+              <a:sym typeface="Arial"/>
+            </a:endParaRPr>
+          </a:p>
+          <a:p>
+            <a:endParaRPr lang="he-IL" sz="1400" dirty="0"/>
+          </a:p>
+        </p:txBody>
+      </p:sp>
+    </p:spTree>
+    <p:extLst>
+      <p:ext uri="{BB962C8B-B14F-4D97-AF65-F5344CB8AC3E}">
+        <p14:creationId xmlns:p14="http://schemas.microsoft.com/office/powerpoint/2010/main" val="1089084571"/>
+      </p:ext>
+    </p:extLst>
+  </p:cSld>
+  <p:clrMapOvr>
+    <a:masterClrMapping/>
+  </p:clrMapOvr>
+</p:sld>
+</file>
+
+<file path=ppt/slides/slide50.xml><?xml version="1.0" encoding="utf-8"?>
+<p:sld xmlns:a="http://schemas.openxmlformats.org/drawingml/2006/main" xmlns:r="http://schemas.openxmlformats.org/officeDocument/2006/relationships" xmlns:p="http://schemas.openxmlformats.org/presentationml/2006/main">
+  <p:cSld>
+    <p:spTree>
+      <p:nvGrpSpPr>
+        <p:cNvPr id="1" name=""/>
+        <p:cNvGrpSpPr/>
+        <p:nvPr/>
+      </p:nvGrpSpPr>
+      <p:grpSpPr>
+        <a:xfrm>
+          <a:off x="0" y="0"/>
+          <a:ext cx="0" cy="0"/>
+          <a:chOff x="0" y="0"/>
+          <a:chExt cx="0" cy="0"/>
+        </a:xfrm>
+      </p:grpSpPr>
+      <p:sp>
+        <p:nvSpPr>
+          <p:cNvPr id="2" name="כותרת 1">
+            <a:extLst>
+              <a:ext uri="{FF2B5EF4-FFF2-40B4-BE49-F238E27FC236}">
+                <a16:creationId xmlns:a16="http://schemas.microsoft.com/office/drawing/2014/main" id="{7D5F7E17-264C-4261-EEB5-15D3C47C031E}"/>
+              </a:ext>
+            </a:extLst>
+          </p:cNvPr>
+          <p:cNvSpPr>
+            <a:spLocks noGrp="1"/>
+          </p:cNvSpPr>
+          <p:nvPr>
+            <p:ph type="title"/>
+          </p:nvPr>
+        </p:nvSpPr>
+        <p:spPr/>
+        <p:txBody>
+          <a:bodyPr/>
+          <a:lstStyle/>
+          <a:p>
+            <a:pPr algn="ctr"/>
+            <a:r>
+              <a:rPr lang="he-IL" dirty="0">
+                <a:solidFill>
+                  <a:schemeClr val="tx2">
+                    <a:lumMod val="60000"/>
+                    <a:lumOff val="40000"/>
+                  </a:schemeClr>
+                </a:solidFill>
+                <a:cs typeface="+mn-cs"/>
+              </a:rPr>
+              <a:t>שלב ה': בדיקות אבטחה ואיכות</a:t>
+            </a:r>
+            <a:endParaRPr lang="he-IL" dirty="0"/>
+          </a:p>
+        </p:txBody>
+      </p:sp>
+      <p:sp>
+        <p:nvSpPr>
+          <p:cNvPr id="3" name="מציין מיקום תוכן 2">
+            <a:extLst>
+              <a:ext uri="{FF2B5EF4-FFF2-40B4-BE49-F238E27FC236}">
+                <a16:creationId xmlns:a16="http://schemas.microsoft.com/office/drawing/2014/main" id="{7F0067E9-0060-E6A0-F3FA-65B4A8095665}"/>
+              </a:ext>
+            </a:extLst>
+          </p:cNvPr>
+          <p:cNvSpPr>
+            <a:spLocks noGrp="1"/>
+          </p:cNvSpPr>
+          <p:nvPr>
+            <p:ph idx="1"/>
+          </p:nvPr>
+        </p:nvSpPr>
+        <p:spPr/>
+        <p:txBody>
+          <a:bodyPr/>
+          <a:lstStyle/>
+          <a:p>
+            <a:pPr marL="0" indent="0">
+              <a:buNone/>
+            </a:pPr>
+            <a:r>
+              <a:rPr lang="he-IL" dirty="0"/>
+              <a:t>כאשר סיימתי לפתח, הרצתי את האתר בסביבות שונות: </a:t>
+            </a:r>
+          </a:p>
+          <a:p>
+            <a:pPr marL="514350" indent="-514350">
+              <a:buAutoNum type="arabicPeriod"/>
+            </a:pPr>
+            <a:r>
+              <a:rPr lang="he-IL" dirty="0"/>
+              <a:t>לוקאלית</a:t>
+            </a:r>
+          </a:p>
+          <a:p>
+            <a:pPr marL="514350" indent="-514350">
+              <a:buAutoNum type="arabicPeriod"/>
+            </a:pPr>
+            <a:r>
+              <a:rPr lang="he-IL" dirty="0"/>
+              <a:t>על הענן </a:t>
+            </a:r>
+            <a:r>
+              <a:rPr lang="en-US" dirty="0"/>
+              <a:t>render</a:t>
+            </a:r>
+          </a:p>
+          <a:p>
+            <a:pPr marL="514350" indent="-514350">
+              <a:buAutoNum type="arabicPeriod"/>
+            </a:pPr>
+            <a:endParaRPr lang="en-US" dirty="0"/>
+          </a:p>
+          <a:p>
+            <a:pPr marL="0" indent="0">
+              <a:buNone/>
+            </a:pPr>
+            <a:r>
+              <a:rPr lang="he-IL" dirty="0"/>
+              <a:t>בדקתי שהמסכים עובדים כראוי, במידה והמשימה הייתה על צד קליינט, ובמידה והמשימה הייתה על צד סרבר, בדקתי שה </a:t>
+            </a:r>
+            <a:r>
+              <a:rPr lang="en-US" dirty="0" err="1"/>
+              <a:t>apis</a:t>
+            </a:r>
+            <a:r>
+              <a:rPr lang="he-IL" dirty="0"/>
+              <a:t> מגיבים כראוי באמצעות </a:t>
+            </a:r>
+            <a:r>
+              <a:rPr lang="en-US" dirty="0"/>
+              <a:t>postman</a:t>
+            </a:r>
+            <a:r>
+              <a:rPr lang="he-IL" dirty="0"/>
+              <a:t>.</a:t>
+            </a:r>
+          </a:p>
+        </p:txBody>
+      </p:sp>
+    </p:spTree>
+    <p:extLst>
+      <p:ext uri="{BB962C8B-B14F-4D97-AF65-F5344CB8AC3E}">
+        <p14:creationId xmlns:p14="http://schemas.microsoft.com/office/powerpoint/2010/main" val="3953025620"/>
+      </p:ext>
+    </p:extLst>
+  </p:cSld>
+  <p:clrMapOvr>
+    <a:masterClrMapping/>
+  </p:clrMapOvr>
+</p:sld>
+</file>
+
+<file path=ppt/slides/slide51.xml><?xml version="1.0" encoding="utf-8"?>
+<p:sld xmlns:a="http://schemas.openxmlformats.org/drawingml/2006/main" xmlns:r="http://schemas.openxmlformats.org/officeDocument/2006/relationships" xmlns:p="http://schemas.openxmlformats.org/presentationml/2006/main">
+  <p:cSld>
+    <p:spTree>
+      <p:nvGrpSpPr>
+        <p:cNvPr id="1" name=""/>
+        <p:cNvGrpSpPr/>
+        <p:nvPr/>
+      </p:nvGrpSpPr>
+      <p:grpSpPr>
+        <a:xfrm>
+          <a:off x="0" y="0"/>
+          <a:ext cx="0" cy="0"/>
+          <a:chOff x="0" y="0"/>
+          <a:chExt cx="0" cy="0"/>
+        </a:xfrm>
+      </p:grpSpPr>
+      <p:sp>
+        <p:nvSpPr>
+          <p:cNvPr id="2" name="כותרת 1">
+            <a:extLst>
+              <a:ext uri="{FF2B5EF4-FFF2-40B4-BE49-F238E27FC236}">
+                <a16:creationId xmlns:a16="http://schemas.microsoft.com/office/drawing/2014/main" id="{DCB29C97-537B-BAA7-E8D3-1724B3A95593}"/>
+              </a:ext>
+            </a:extLst>
+          </p:cNvPr>
+          <p:cNvSpPr>
+            <a:spLocks noGrp="1"/>
+          </p:cNvSpPr>
+          <p:nvPr>
+            <p:ph type="title"/>
+          </p:nvPr>
+        </p:nvSpPr>
+        <p:spPr/>
+        <p:txBody>
+          <a:bodyPr/>
+          <a:lstStyle/>
+          <a:p>
+            <a:r>
+              <a:rPr lang="he-IL" dirty="0">
+                <a:solidFill>
+                  <a:schemeClr val="tx2">
+                    <a:lumMod val="60000"/>
+                    <a:lumOff val="40000"/>
+                  </a:schemeClr>
+                </a:solidFill>
+                <a:cs typeface="+mn-cs"/>
+              </a:rPr>
+              <a:t>שלב ו': הטמעה ותמיכה</a:t>
+            </a:r>
+            <a:endParaRPr lang="he-IL" dirty="0"/>
+          </a:p>
+        </p:txBody>
+      </p:sp>
+      <p:sp>
+        <p:nvSpPr>
+          <p:cNvPr id="3" name="מציין מיקום תוכן 2">
+            <a:extLst>
+              <a:ext uri="{FF2B5EF4-FFF2-40B4-BE49-F238E27FC236}">
+                <a16:creationId xmlns:a16="http://schemas.microsoft.com/office/drawing/2014/main" id="{0AD31759-6B4E-995B-DF18-43BF74A7B826}"/>
+              </a:ext>
+            </a:extLst>
+          </p:cNvPr>
+          <p:cNvSpPr>
+            <a:spLocks noGrp="1"/>
+          </p:cNvSpPr>
+          <p:nvPr>
+            <p:ph idx="1"/>
+          </p:nvPr>
+        </p:nvSpPr>
+        <p:spPr/>
+        <p:txBody>
+          <a:bodyPr/>
+          <a:lstStyle/>
+          <a:p>
+            <a:pPr marL="0" indent="0">
+              <a:buNone/>
+            </a:pPr>
+            <a:r>
+              <a:rPr lang="he-IL" dirty="0"/>
+              <a:t>בסיום כל ספרינט נערך דמו ללקוח, בסביבת ענן.</a:t>
+            </a:r>
+          </a:p>
+          <a:p>
+            <a:pPr marL="0" indent="0">
+              <a:buNone/>
+            </a:pPr>
+            <a:r>
+              <a:rPr lang="he-IL" dirty="0"/>
+              <a:t>אנשי הקשר של הלקוח קבלו את הלינק לאתר להכרות עם המערכת ונתינת פידבק לשינויים נדרשים בספרינטים הבאים.</a:t>
+            </a:r>
+          </a:p>
+          <a:p>
+            <a:pPr marL="0" indent="0">
+              <a:buNone/>
+            </a:pPr>
+            <a:r>
+              <a:rPr lang="he-IL" dirty="0"/>
+              <a:t>בעתיד הצוותות הבאים יפעילו את המערכת בענן חזק יותר ויטמיעו את המערכת באגף לשימוש יומיומי.</a:t>
+            </a:r>
+          </a:p>
+        </p:txBody>
+      </p:sp>
+    </p:spTree>
+    <p:extLst>
+      <p:ext uri="{BB962C8B-B14F-4D97-AF65-F5344CB8AC3E}">
+        <p14:creationId xmlns:p14="http://schemas.microsoft.com/office/powerpoint/2010/main" val="1792001777"/>
+      </p:ext>
+    </p:extLst>
+  </p:cSld>
+  <p:clrMapOvr>
+    <a:masterClrMapping/>
+  </p:clrMapOvr>
+</p:sld>
+</file>
+
+<file path=ppt/slides/slide52.xml><?xml version="1.0" encoding="utf-8"?>
+<p:sld xmlns:a="http://schemas.openxmlformats.org/drawingml/2006/main" xmlns:r="http://schemas.openxmlformats.org/officeDocument/2006/relationships" xmlns:p="http://schemas.openxmlformats.org/presentationml/2006/main">
+  <p:cSld>
+    <p:spTree>
+      <p:nvGrpSpPr>
+        <p:cNvPr id="1" name=""/>
+        <p:cNvGrpSpPr/>
+        <p:nvPr/>
+      </p:nvGrpSpPr>
+      <p:grpSpPr>
+        <a:xfrm>
+          <a:off x="0" y="0"/>
+          <a:ext cx="0" cy="0"/>
+          <a:chOff x="0" y="0"/>
+          <a:chExt cx="0" cy="0"/>
+        </a:xfrm>
+      </p:grpSpPr>
+      <p:sp>
+        <p:nvSpPr>
           <p:cNvPr id="2" name="כותרת 1">
             <a:extLst>
               <a:ext uri="{FF2B5EF4-FFF2-40B4-BE49-F238E27FC236}">
@@ -23139,7 +26405,7 @@
 </p:sld>
 </file>
 
-<file path=ppt/slides/slide48.xml><?xml version="1.0" encoding="utf-8"?>
+<file path=ppt/slides/slide53.xml><?xml version="1.0" encoding="utf-8"?>
 <p:sld xmlns:a="http://schemas.openxmlformats.org/drawingml/2006/main" xmlns:r="http://schemas.openxmlformats.org/officeDocument/2006/relationships" xmlns:p="http://schemas.openxmlformats.org/presentationml/2006/main">
   <p:cSld>
     <p:spTree>
@@ -23257,615 +26523,6 @@
     <p:extLst>
       <p:ext uri="{BB962C8B-B14F-4D97-AF65-F5344CB8AC3E}">
         <p14:creationId xmlns:p14="http://schemas.microsoft.com/office/powerpoint/2010/main" val="1655816576"/>
-      </p:ext>
-    </p:extLst>
-  </p:cSld>
-  <p:clrMapOvr>
-    <a:masterClrMapping/>
-  </p:clrMapOvr>
-</p:sld>
-</file>
-
-<file path=ppt/slides/slide5.xml><?xml version="1.0" encoding="utf-8"?>
-<p:sld xmlns:a="http://schemas.openxmlformats.org/drawingml/2006/main" xmlns:r="http://schemas.openxmlformats.org/officeDocument/2006/relationships" xmlns:p="http://schemas.openxmlformats.org/presentationml/2006/main">
-  <p:cSld>
-    <p:spTree>
-      <p:nvGrpSpPr>
-        <p:cNvPr id="1" name=""/>
-        <p:cNvGrpSpPr/>
-        <p:nvPr/>
-      </p:nvGrpSpPr>
-      <p:grpSpPr>
-        <a:xfrm>
-          <a:off x="0" y="0"/>
-          <a:ext cx="0" cy="0"/>
-          <a:chOff x="0" y="0"/>
-          <a:chExt cx="0" cy="0"/>
-        </a:xfrm>
-      </p:grpSpPr>
-      <p:sp>
-        <p:nvSpPr>
-          <p:cNvPr id="2" name="כותרת 1">
-            <a:extLst>
-              <a:ext uri="{FF2B5EF4-FFF2-40B4-BE49-F238E27FC236}">
-                <a16:creationId xmlns:a16="http://schemas.microsoft.com/office/drawing/2014/main" id="{C9371063-A152-E966-A0EC-E34959606910}"/>
-              </a:ext>
-            </a:extLst>
-          </p:cNvPr>
-          <p:cNvSpPr>
-            <a:spLocks noGrp="1"/>
-          </p:cNvSpPr>
-          <p:nvPr>
-            <p:ph type="title"/>
-          </p:nvPr>
-        </p:nvSpPr>
-        <p:spPr/>
-        <p:txBody>
-          <a:bodyPr/>
-          <a:lstStyle/>
-          <a:p>
-            <a:pPr algn="ctr"/>
-            <a:r>
-              <a:rPr lang="iw-IL" sz="4400" b="0" i="0" u="none" strike="noStrike" cap="none" dirty="0">
-                <a:solidFill>
-                  <a:schemeClr val="tx2">
-                    <a:lumMod val="60000"/>
-                    <a:lumOff val="40000"/>
-                  </a:schemeClr>
-                </a:solidFill>
-                <a:latin typeface="Arial"/>
-                <a:ea typeface="Arial"/>
-                <a:cs typeface="Arial"/>
-                <a:sym typeface="Arial"/>
-              </a:rPr>
-              <a:t>חברת Diversitek</a:t>
-            </a:r>
-            <a:endParaRPr lang="he-IL" dirty="0">
-              <a:solidFill>
-                <a:schemeClr val="tx2">
-                  <a:lumMod val="60000"/>
-                  <a:lumOff val="40000"/>
-                </a:schemeClr>
-              </a:solidFill>
-            </a:endParaRPr>
-          </a:p>
-        </p:txBody>
-      </p:sp>
-      <p:sp>
-        <p:nvSpPr>
-          <p:cNvPr id="3" name="מציין מיקום תוכן 2">
-            <a:extLst>
-              <a:ext uri="{FF2B5EF4-FFF2-40B4-BE49-F238E27FC236}">
-                <a16:creationId xmlns:a16="http://schemas.microsoft.com/office/drawing/2014/main" id="{A5D41447-FF47-6259-8C54-DE4F45230E0E}"/>
-              </a:ext>
-            </a:extLst>
-          </p:cNvPr>
-          <p:cNvSpPr>
-            <a:spLocks noGrp="1"/>
-          </p:cNvSpPr>
-          <p:nvPr>
-            <p:ph idx="1"/>
-          </p:nvPr>
-        </p:nvSpPr>
-        <p:spPr>
-          <a:xfrm>
-            <a:off x="838200" y="1362269"/>
-            <a:ext cx="10515600" cy="4814694"/>
-          </a:xfrm>
-        </p:spPr>
-        <p:txBody>
-          <a:bodyPr>
-            <a:normAutofit fontScale="92500" lnSpcReduction="10000"/>
-          </a:bodyPr>
-          <a:lstStyle/>
-          <a:p>
-            <a:pPr marL="0" lvl="0" indent="0" algn="r" rtl="1">
-              <a:lnSpc>
-                <a:spcPct val="115000"/>
-              </a:lnSpc>
-              <a:spcBef>
-                <a:spcPts val="1200"/>
-              </a:spcBef>
-              <a:spcAft>
-                <a:spcPts val="0"/>
-              </a:spcAft>
-              <a:buNone/>
-            </a:pPr>
-            <a:r>
-              <a:rPr lang="iw-IL" sz="1400" b="1" u="sng" dirty="0">
-                <a:solidFill>
-                  <a:srgbClr val="000000"/>
-                </a:solidFill>
-                <a:latin typeface="Arial"/>
-                <a:ea typeface="Arial"/>
-                <a:cs typeface="Arial"/>
-                <a:sym typeface="Arial"/>
-              </a:rPr>
-              <a:t>שם החברה</a:t>
-            </a:r>
-            <a:r>
-              <a:rPr lang="he-IL" sz="1400" b="1" u="sng" dirty="0">
-                <a:solidFill>
-                  <a:srgbClr val="000000"/>
-                </a:solidFill>
-                <a:latin typeface="Arial"/>
-                <a:ea typeface="Arial"/>
-                <a:cs typeface="Arial"/>
-                <a:sym typeface="Arial"/>
-              </a:rPr>
-              <a:t> :</a:t>
-            </a:r>
-            <a:r>
-              <a:rPr lang="iw-IL" sz="1400" dirty="0">
-                <a:solidFill>
-                  <a:srgbClr val="000000"/>
-                </a:solidFill>
-                <a:latin typeface="Arial"/>
-                <a:ea typeface="Arial"/>
-                <a:cs typeface="Arial"/>
-                <a:sym typeface="Arial"/>
-              </a:rPr>
-              <a:t> דייברסיטק טכנולוגיה</a:t>
-            </a:r>
-          </a:p>
-          <a:p>
-            <a:pPr marL="0" lvl="0" indent="0" algn="r" rtl="1">
-              <a:lnSpc>
-                <a:spcPct val="115000"/>
-              </a:lnSpc>
-              <a:spcBef>
-                <a:spcPts val="1200"/>
-              </a:spcBef>
-              <a:spcAft>
-                <a:spcPts val="0"/>
-              </a:spcAft>
-              <a:buNone/>
-            </a:pPr>
-            <a:r>
-              <a:rPr lang="iw-IL" sz="1400" b="1" u="sng" dirty="0">
-                <a:solidFill>
-                  <a:srgbClr val="000000"/>
-                </a:solidFill>
-                <a:latin typeface="Arial"/>
-                <a:ea typeface="Arial"/>
-                <a:cs typeface="Arial"/>
-                <a:sym typeface="Arial"/>
-              </a:rPr>
-              <a:t>תחום עיסוק:</a:t>
-            </a:r>
-            <a:br>
-              <a:rPr lang="iw-IL" sz="1400" b="1" u="sng" dirty="0">
-                <a:solidFill>
-                  <a:srgbClr val="000000"/>
-                </a:solidFill>
-                <a:latin typeface="Arial"/>
-                <a:ea typeface="Arial"/>
-                <a:cs typeface="Arial"/>
-                <a:sym typeface="Arial"/>
-              </a:rPr>
-            </a:br>
-            <a:r>
-              <a:rPr lang="iw-IL" sz="1400" dirty="0">
-                <a:solidFill>
-                  <a:srgbClr val="000000"/>
-                </a:solidFill>
-                <a:latin typeface="Arial"/>
-                <a:ea typeface="Arial"/>
-                <a:cs typeface="Arial"/>
-                <a:sym typeface="Arial"/>
-              </a:rPr>
-              <a:t> דייברסיטק טכנולוגיה הינו בית תוכנה המספק פתרונות טכנולוגיים מגוונים ללקוחות קצה, ביניהם עסקים קטנים ובינוניים.</a:t>
-            </a:r>
-          </a:p>
-          <a:p>
-            <a:pPr marL="0" lvl="0" indent="0" algn="r" rtl="1">
-              <a:lnSpc>
-                <a:spcPct val="115000"/>
-              </a:lnSpc>
-              <a:spcBef>
-                <a:spcPts val="1200"/>
-              </a:spcBef>
-              <a:spcAft>
-                <a:spcPts val="0"/>
-              </a:spcAft>
-              <a:buNone/>
-            </a:pPr>
-            <a:r>
-              <a:rPr lang="iw-IL" sz="1400" b="1" u="sng" dirty="0">
-                <a:solidFill>
-                  <a:srgbClr val="000000"/>
-                </a:solidFill>
-                <a:latin typeface="Arial"/>
-                <a:ea typeface="Arial"/>
-                <a:cs typeface="Arial"/>
-                <a:sym typeface="Arial"/>
-              </a:rPr>
-              <a:t>מוצרים ושירותים:</a:t>
-            </a:r>
-            <a:br>
-              <a:rPr lang="iw-IL" sz="1400" b="1" u="sng" dirty="0">
-                <a:solidFill>
-                  <a:srgbClr val="000000"/>
-                </a:solidFill>
-                <a:latin typeface="Arial"/>
-                <a:ea typeface="Arial"/>
-                <a:cs typeface="Arial"/>
-                <a:sym typeface="Arial"/>
-              </a:rPr>
-            </a:br>
-            <a:r>
-              <a:rPr lang="iw-IL" sz="1400" dirty="0">
-                <a:solidFill>
-                  <a:srgbClr val="000000"/>
-                </a:solidFill>
-                <a:latin typeface="Arial"/>
-                <a:ea typeface="Arial"/>
-                <a:cs typeface="Arial"/>
-                <a:sym typeface="Arial"/>
-              </a:rPr>
-              <a:t>פיתוח תוכנות לניהול לידים ולקוחות, </a:t>
-            </a:r>
-            <a:br>
-              <a:rPr lang="en-US" sz="1400" dirty="0">
-                <a:solidFill>
-                  <a:srgbClr val="000000"/>
-                </a:solidFill>
-                <a:latin typeface="Arial"/>
-                <a:ea typeface="Arial"/>
-                <a:cs typeface="Arial"/>
-                <a:sym typeface="Arial"/>
-              </a:rPr>
-            </a:br>
-            <a:r>
-              <a:rPr lang="iw-IL" sz="1400" dirty="0">
-                <a:solidFill>
-                  <a:srgbClr val="000000"/>
-                </a:solidFill>
-                <a:latin typeface="Arial"/>
-                <a:ea typeface="Arial"/>
-                <a:cs typeface="Arial"/>
-                <a:sym typeface="Arial"/>
-              </a:rPr>
-              <a:t>בניית אתרי תדמית משוכללים, </a:t>
-            </a:r>
-            <a:br>
-              <a:rPr lang="en-US" sz="1400" dirty="0">
-                <a:solidFill>
-                  <a:srgbClr val="000000"/>
-                </a:solidFill>
-                <a:latin typeface="Arial"/>
-                <a:ea typeface="Arial"/>
-                <a:cs typeface="Arial"/>
-                <a:sym typeface="Arial"/>
-              </a:rPr>
-            </a:br>
-            <a:r>
-              <a:rPr lang="iw-IL" sz="1400" dirty="0">
-                <a:solidFill>
-                  <a:srgbClr val="000000"/>
-                </a:solidFill>
-                <a:latin typeface="Arial"/>
-                <a:ea typeface="Arial"/>
-                <a:cs typeface="Arial"/>
-                <a:sym typeface="Arial"/>
-              </a:rPr>
-              <a:t>פתרונות מותאמים אישית לפי דרישות הלקוח, </a:t>
-            </a:r>
-            <a:br>
-              <a:rPr lang="en-US" sz="1400" dirty="0">
-                <a:solidFill>
-                  <a:srgbClr val="000000"/>
-                </a:solidFill>
-                <a:latin typeface="Arial"/>
-                <a:ea typeface="Arial"/>
-                <a:cs typeface="Arial"/>
-                <a:sym typeface="Arial"/>
-              </a:rPr>
-            </a:br>
-            <a:r>
-              <a:rPr lang="iw-IL" sz="1400" dirty="0">
-                <a:solidFill>
-                  <a:srgbClr val="000000"/>
-                </a:solidFill>
-                <a:latin typeface="Arial"/>
-                <a:ea typeface="Arial"/>
-                <a:cs typeface="Arial"/>
-                <a:sym typeface="Arial"/>
-              </a:rPr>
-              <a:t>שירותי תמיכה טכנית והטמעה</a:t>
-            </a:r>
-          </a:p>
-          <a:p>
-            <a:pPr marL="0" lvl="0" indent="0" algn="r" rtl="1">
-              <a:lnSpc>
-                <a:spcPct val="115000"/>
-              </a:lnSpc>
-              <a:spcBef>
-                <a:spcPts val="1200"/>
-              </a:spcBef>
-              <a:spcAft>
-                <a:spcPts val="0"/>
-              </a:spcAft>
-              <a:buNone/>
-            </a:pPr>
-            <a:r>
-              <a:rPr lang="iw-IL" sz="1400" b="1" u="sng" dirty="0">
-                <a:solidFill>
-                  <a:srgbClr val="000000"/>
-                </a:solidFill>
-                <a:latin typeface="Arial"/>
-                <a:ea typeface="Arial"/>
-                <a:cs typeface="Arial"/>
-                <a:sym typeface="Arial"/>
-              </a:rPr>
-              <a:t>לקוחות החברה:</a:t>
-            </a:r>
-            <a:br>
-              <a:rPr lang="iw-IL" sz="1400" b="1" u="sng" dirty="0">
-                <a:solidFill>
-                  <a:srgbClr val="000000"/>
-                </a:solidFill>
-                <a:latin typeface="Arial"/>
-                <a:ea typeface="Arial"/>
-                <a:cs typeface="Arial"/>
-                <a:sym typeface="Arial"/>
-              </a:rPr>
-            </a:br>
-            <a:r>
-              <a:rPr lang="iw-IL" sz="1400" dirty="0">
-                <a:solidFill>
-                  <a:srgbClr val="000000"/>
-                </a:solidFill>
-                <a:latin typeface="Arial"/>
-                <a:ea typeface="Arial"/>
-                <a:cs typeface="Arial"/>
-                <a:sym typeface="Arial"/>
-              </a:rPr>
-              <a:t>עסקים קטנים ובינוניים ממגוון תחומים, חברות טכנולוגיה, מוסדות חינוך</a:t>
-            </a:r>
-          </a:p>
-          <a:p>
-            <a:pPr marL="0" lvl="0" indent="0" algn="r" rtl="1">
-              <a:lnSpc>
-                <a:spcPct val="115000"/>
-              </a:lnSpc>
-              <a:spcBef>
-                <a:spcPts val="1200"/>
-              </a:spcBef>
-              <a:spcAft>
-                <a:spcPts val="0"/>
-              </a:spcAft>
-              <a:buNone/>
-            </a:pPr>
-            <a:r>
-              <a:rPr lang="iw-IL" sz="1400" b="1" u="sng" dirty="0">
-                <a:solidFill>
-                  <a:srgbClr val="000000"/>
-                </a:solidFill>
-                <a:latin typeface="Arial"/>
-                <a:ea typeface="Arial"/>
-                <a:cs typeface="Arial"/>
-                <a:sym typeface="Arial"/>
-              </a:rPr>
-              <a:t>מבנה ארגוני:</a:t>
-            </a:r>
-          </a:p>
-          <a:p>
-            <a:pPr marL="0" lvl="0" indent="0" algn="r" rtl="1">
-              <a:lnSpc>
-                <a:spcPct val="115000"/>
-              </a:lnSpc>
-              <a:spcBef>
-                <a:spcPts val="1200"/>
-              </a:spcBef>
-              <a:spcAft>
-                <a:spcPts val="0"/>
-              </a:spcAft>
-              <a:buNone/>
-            </a:pPr>
-            <a:r>
-              <a:rPr lang="iw-IL" sz="1400" dirty="0">
-                <a:solidFill>
-                  <a:srgbClr val="000000"/>
-                </a:solidFill>
-                <a:latin typeface="Arial"/>
-                <a:ea typeface="Arial"/>
-                <a:cs typeface="Arial"/>
-                <a:sym typeface="Arial"/>
-              </a:rPr>
-              <a:t>מנכ"ל: אביגיל מיכלסון</a:t>
-            </a:r>
-            <a:br>
-              <a:rPr lang="iw-IL" sz="1400" dirty="0">
-                <a:solidFill>
-                  <a:srgbClr val="000000"/>
-                </a:solidFill>
-                <a:latin typeface="Arial"/>
-                <a:ea typeface="Arial"/>
-                <a:cs typeface="Arial"/>
-                <a:sym typeface="Arial"/>
-              </a:rPr>
-            </a:br>
-            <a:r>
-              <a:rPr lang="en-US" sz="1400" dirty="0">
-                <a:solidFill>
-                  <a:srgbClr val="000000"/>
-                </a:solidFill>
-                <a:latin typeface="Arial"/>
-                <a:ea typeface="Arial"/>
-                <a:cs typeface="Arial"/>
-                <a:sym typeface="Arial"/>
-              </a:rPr>
-              <a:t>CTO: </a:t>
-            </a:r>
-            <a:r>
-              <a:rPr lang="iw-IL" sz="1400" dirty="0">
-                <a:solidFill>
-                  <a:srgbClr val="000000"/>
-                </a:solidFill>
-                <a:latin typeface="Arial"/>
-                <a:ea typeface="Arial"/>
-                <a:cs typeface="Arial"/>
-                <a:sym typeface="Arial"/>
-              </a:rPr>
-              <a:t>שוקי גור</a:t>
-            </a:r>
-            <a:br>
-              <a:rPr lang="iw-IL" sz="1400" dirty="0">
-                <a:solidFill>
-                  <a:srgbClr val="000000"/>
-                </a:solidFill>
-                <a:latin typeface="Arial"/>
-                <a:ea typeface="Arial"/>
-                <a:cs typeface="Arial"/>
-                <a:sym typeface="Arial"/>
-              </a:rPr>
-            </a:br>
-            <a:r>
-              <a:rPr lang="en-US" sz="1400" dirty="0">
-                <a:solidFill>
-                  <a:srgbClr val="000000"/>
-                </a:solidFill>
-                <a:latin typeface="Arial"/>
-                <a:ea typeface="Arial"/>
-                <a:cs typeface="Arial"/>
-                <a:sym typeface="Arial"/>
-              </a:rPr>
-              <a:t>PMO: </a:t>
-            </a:r>
-            <a:r>
-              <a:rPr lang="iw-IL" sz="1400" dirty="0">
-                <a:solidFill>
-                  <a:srgbClr val="000000"/>
-                </a:solidFill>
-                <a:latin typeface="Arial"/>
-                <a:ea typeface="Arial"/>
-                <a:cs typeface="Arial"/>
-                <a:sym typeface="Arial"/>
-              </a:rPr>
-              <a:t>חנה ברגמן</a:t>
-            </a:r>
-            <a:br>
-              <a:rPr lang="iw-IL" sz="1400" dirty="0">
-                <a:solidFill>
-                  <a:srgbClr val="000000"/>
-                </a:solidFill>
-                <a:latin typeface="Arial"/>
-                <a:ea typeface="Arial"/>
-                <a:cs typeface="Arial"/>
-                <a:sym typeface="Arial"/>
-              </a:rPr>
-            </a:br>
-            <a:r>
-              <a:rPr lang="iw-IL" sz="1400" dirty="0">
-                <a:solidFill>
-                  <a:srgbClr val="000000"/>
-                </a:solidFill>
-                <a:latin typeface="Arial"/>
-                <a:ea typeface="Arial"/>
-                <a:cs typeface="Arial"/>
-                <a:sym typeface="Arial"/>
-              </a:rPr>
-              <a:t>צוותי פיתוח ותמיכה</a:t>
-            </a:r>
-          </a:p>
-          <a:p>
-            <a:pPr marL="0" lvl="0" indent="0" algn="r" rtl="1">
-              <a:lnSpc>
-                <a:spcPct val="115000"/>
-              </a:lnSpc>
-              <a:spcBef>
-                <a:spcPts val="1200"/>
-              </a:spcBef>
-              <a:spcAft>
-                <a:spcPts val="0"/>
-              </a:spcAft>
-              <a:buNone/>
-            </a:pPr>
-            <a:r>
-              <a:rPr lang="iw-IL" sz="1400" dirty="0">
-                <a:solidFill>
-                  <a:srgbClr val="000000"/>
-                </a:solidFill>
-                <a:latin typeface="Arial"/>
-                <a:ea typeface="Arial"/>
-                <a:cs typeface="Arial"/>
-                <a:sym typeface="Arial"/>
-              </a:rPr>
-              <a:t> </a:t>
-            </a:r>
-            <a:r>
-              <a:rPr lang="iw-IL" sz="1400" b="1" u="sng" dirty="0">
-                <a:solidFill>
-                  <a:srgbClr val="000000"/>
-                </a:solidFill>
-                <a:latin typeface="Arial"/>
-                <a:ea typeface="Arial"/>
-                <a:cs typeface="Arial"/>
-                <a:sym typeface="Arial"/>
-              </a:rPr>
-              <a:t>תיאור תפקיד הסטודנטית בחברה:</a:t>
-            </a:r>
-            <a:br>
-              <a:rPr lang="iw-IL" sz="1400" b="1" u="sng" dirty="0">
-                <a:solidFill>
-                  <a:srgbClr val="000000"/>
-                </a:solidFill>
-                <a:latin typeface="Arial"/>
-                <a:ea typeface="Arial"/>
-                <a:cs typeface="Arial"/>
-                <a:sym typeface="Arial"/>
-              </a:rPr>
-            </a:br>
-            <a:r>
-              <a:rPr lang="iw-IL" sz="1400" dirty="0">
-                <a:solidFill>
-                  <a:srgbClr val="000000"/>
-                </a:solidFill>
-                <a:latin typeface="Arial"/>
-                <a:ea typeface="Arial"/>
-                <a:cs typeface="Arial"/>
-                <a:sym typeface="Arial"/>
-              </a:rPr>
-              <a:t>הסטודנטיות בפרקטיקום משתלבות בצוותי הפיתוח של דייברסיטק טכנולוגיה, ועובדות על פרויקטים טכנולוגיים אמיתיים עבור לקוחות החברה. במסגרת הפרקטיקום, הסטודנטיות לוקחות חלק בכל שלבי הפיתוח, החל מהאיפיון והתכנון, דרך הפיתוח והבדיקות, ועד להטמעה ותמיכה טכנית. </a:t>
-            </a:r>
-          </a:p>
-          <a:p>
-            <a:pPr marL="0" marR="0" lvl="0" indent="0" algn="r" rtl="1">
-              <a:lnSpc>
-                <a:spcPct val="100000"/>
-              </a:lnSpc>
-              <a:spcBef>
-                <a:spcPts val="1200"/>
-              </a:spcBef>
-              <a:spcAft>
-                <a:spcPts val="0"/>
-              </a:spcAft>
-              <a:buClr>
-                <a:schemeClr val="lt1"/>
-              </a:buClr>
-              <a:buSzPts val="1100"/>
-              <a:buNone/>
-            </a:pPr>
-            <a:endParaRPr lang="iw-IL" sz="1200" dirty="0">
-              <a:solidFill>
-                <a:schemeClr val="lt1"/>
-              </a:solidFill>
-              <a:latin typeface="Arial"/>
-              <a:ea typeface="Arial"/>
-              <a:cs typeface="Arial"/>
-              <a:sym typeface="Arial"/>
-            </a:endParaRPr>
-          </a:p>
-          <a:p>
-            <a:endParaRPr lang="he-IL" sz="1400" dirty="0"/>
-          </a:p>
-        </p:txBody>
-      </p:sp>
-    </p:spTree>
-    <p:extLst>
-      <p:ext uri="{BB962C8B-B14F-4D97-AF65-F5344CB8AC3E}">
-        <p14:creationId xmlns:p14="http://schemas.microsoft.com/office/powerpoint/2010/main" val="1089084571"/>
       </p:ext>
     </p:extLst>
   </p:cSld>
